--- a/Investment Pitch Resources/Slide Deck.pptx
+++ b/Investment Pitch Resources/Slide Deck.pptx
@@ -1,40 +1,206 @@
 
 <file path=ppt/presentation.xml><?xml version="1.0" encoding="utf-8"?>
-<p:presentation xmlns:a="http://schemas.openxmlformats.org/drawingml/2006/main" xmlns:p="http://schemas.openxmlformats.org/presentationml/2006/main" xmlns:r="http://schemas.openxmlformats.org/officeDocument/2006/relationships" xmlns:p14="http://schemas.microsoft.com/office/powerpoint/2010/main" xmlns:p15="http://schemas.microsoft.com/office/powerpoint/2012/main" xmlns:mc="http://schemas.openxmlformats.org/markup-compatibility/2006">
+<p:presentation xmlns:a="http://schemas.openxmlformats.org/drawingml/2006/main" xmlns:r="http://schemas.openxmlformats.org/officeDocument/2006/relationships" xmlns:p="http://schemas.openxmlformats.org/presentationml/2006/main">
   <p:sldMasterIdLst>
-    <p:sldMasterId id="2147483648" r:id="rId2"/>
-    <p:sldMasterId id="2147483661" r:id="rId3"/>
+    <p:sldMasterId id="2147483648" r:id="rId1"/>
+    <p:sldMasterId id="2147483661" r:id="rId2"/>
   </p:sldMasterIdLst>
   <p:sldIdLst>
-    <p:sldId id="256" r:id="rId4"/>
-    <p:sldId id="257" r:id="rId5"/>
-    <p:sldId id="258" r:id="rId6"/>
-    <p:sldId id="259" r:id="rId7"/>
-    <p:sldId id="260" r:id="rId8"/>
-    <p:sldId id="261" r:id="rId9"/>
-    <p:sldId id="262" r:id="rId10"/>
-    <p:sldId id="263" r:id="rId11"/>
-    <p:sldId id="264" r:id="rId12"/>
-    <p:sldId id="265" r:id="rId13"/>
-    <p:sldId id="266" r:id="rId14"/>
-    <p:sldId id="267" r:id="rId15"/>
-    <p:sldId id="268" r:id="rId16"/>
-    <p:sldId id="269" r:id="rId17"/>
-    <p:sldId id="270" r:id="rId18"/>
-    <p:sldId id="271" r:id="rId19"/>
-    <p:sldId id="272" r:id="rId20"/>
-    <p:sldId id="273" r:id="rId21"/>
-    <p:sldId id="274" r:id="rId22"/>
-    <p:sldId id="275" r:id="rId23"/>
-    <p:sldId id="276" r:id="rId24"/>
+    <p:sldId id="256" r:id="rId3"/>
+    <p:sldId id="260" r:id="rId4"/>
+    <p:sldId id="261" r:id="rId5"/>
+    <p:sldId id="282" r:id="rId6"/>
+    <p:sldId id="280" r:id="rId7"/>
+    <p:sldId id="259" r:id="rId8"/>
+    <p:sldId id="281" r:id="rId9"/>
+    <p:sldId id="263" r:id="rId10"/>
+    <p:sldId id="264" r:id="rId11"/>
+    <p:sldId id="265" r:id="rId12"/>
+    <p:sldId id="266" r:id="rId13"/>
+    <p:sldId id="277" r:id="rId14"/>
+    <p:sldId id="278" r:id="rId15"/>
+    <p:sldId id="269" r:id="rId16"/>
+    <p:sldId id="270" r:id="rId17"/>
+    <p:sldId id="271" r:id="rId18"/>
+    <p:sldId id="279" r:id="rId19"/>
+    <p:sldId id="273" r:id="rId20"/>
+    <p:sldId id="274" r:id="rId21"/>
+    <p:sldId id="275" r:id="rId22"/>
+    <p:sldId id="276" r:id="rId23"/>
   </p:sldIdLst>
   <p:sldSz cx="10080625" cy="5670550"/>
-  <p:notesSz cx="7559675" cy="10691812"/>
+  <p:notesSz cx="7559675" cy="10691813"/>
+  <p:defaultTextStyle>
+    <a:defPPr>
+      <a:defRPr lang="en-US"/>
+    </a:defPPr>
+    <a:lvl1pPr marL="0" algn="l" defTabSz="914400" rtl="0" eaLnBrk="1" latinLnBrk="0" hangingPunct="1">
+      <a:defRPr sz="1800" kern="1200">
+        <a:solidFill>
+          <a:schemeClr val="tx1"/>
+        </a:solidFill>
+        <a:latin typeface="+mn-lt"/>
+        <a:ea typeface="+mn-ea"/>
+        <a:cs typeface="+mn-cs"/>
+      </a:defRPr>
+    </a:lvl1pPr>
+    <a:lvl2pPr marL="457200" algn="l" defTabSz="914400" rtl="0" eaLnBrk="1" latinLnBrk="0" hangingPunct="1">
+      <a:defRPr sz="1800" kern="1200">
+        <a:solidFill>
+          <a:schemeClr val="tx1"/>
+        </a:solidFill>
+        <a:latin typeface="+mn-lt"/>
+        <a:ea typeface="+mn-ea"/>
+        <a:cs typeface="+mn-cs"/>
+      </a:defRPr>
+    </a:lvl2pPr>
+    <a:lvl3pPr marL="914400" algn="l" defTabSz="914400" rtl="0" eaLnBrk="1" latinLnBrk="0" hangingPunct="1">
+      <a:defRPr sz="1800" kern="1200">
+        <a:solidFill>
+          <a:schemeClr val="tx1"/>
+        </a:solidFill>
+        <a:latin typeface="+mn-lt"/>
+        <a:ea typeface="+mn-ea"/>
+        <a:cs typeface="+mn-cs"/>
+      </a:defRPr>
+    </a:lvl3pPr>
+    <a:lvl4pPr marL="1371600" algn="l" defTabSz="914400" rtl="0" eaLnBrk="1" latinLnBrk="0" hangingPunct="1">
+      <a:defRPr sz="1800" kern="1200">
+        <a:solidFill>
+          <a:schemeClr val="tx1"/>
+        </a:solidFill>
+        <a:latin typeface="+mn-lt"/>
+        <a:ea typeface="+mn-ea"/>
+        <a:cs typeface="+mn-cs"/>
+      </a:defRPr>
+    </a:lvl4pPr>
+    <a:lvl5pPr marL="1828800" algn="l" defTabSz="914400" rtl="0" eaLnBrk="1" latinLnBrk="0" hangingPunct="1">
+      <a:defRPr sz="1800" kern="1200">
+        <a:solidFill>
+          <a:schemeClr val="tx1"/>
+        </a:solidFill>
+        <a:latin typeface="+mn-lt"/>
+        <a:ea typeface="+mn-ea"/>
+        <a:cs typeface="+mn-cs"/>
+      </a:defRPr>
+    </a:lvl5pPr>
+    <a:lvl6pPr marL="2286000" algn="l" defTabSz="914400" rtl="0" eaLnBrk="1" latinLnBrk="0" hangingPunct="1">
+      <a:defRPr sz="1800" kern="1200">
+        <a:solidFill>
+          <a:schemeClr val="tx1"/>
+        </a:solidFill>
+        <a:latin typeface="+mn-lt"/>
+        <a:ea typeface="+mn-ea"/>
+        <a:cs typeface="+mn-cs"/>
+      </a:defRPr>
+    </a:lvl6pPr>
+    <a:lvl7pPr marL="2743200" algn="l" defTabSz="914400" rtl="0" eaLnBrk="1" latinLnBrk="0" hangingPunct="1">
+      <a:defRPr sz="1800" kern="1200">
+        <a:solidFill>
+          <a:schemeClr val="tx1"/>
+        </a:solidFill>
+        <a:latin typeface="+mn-lt"/>
+        <a:ea typeface="+mn-ea"/>
+        <a:cs typeface="+mn-cs"/>
+      </a:defRPr>
+    </a:lvl7pPr>
+    <a:lvl8pPr marL="3200400" algn="l" defTabSz="914400" rtl="0" eaLnBrk="1" latinLnBrk="0" hangingPunct="1">
+      <a:defRPr sz="1800" kern="1200">
+        <a:solidFill>
+          <a:schemeClr val="tx1"/>
+        </a:solidFill>
+        <a:latin typeface="+mn-lt"/>
+        <a:ea typeface="+mn-ea"/>
+        <a:cs typeface="+mn-cs"/>
+      </a:defRPr>
+    </a:lvl8pPr>
+    <a:lvl9pPr marL="3657600" algn="l" defTabSz="914400" rtl="0" eaLnBrk="1" latinLnBrk="0" hangingPunct="1">
+      <a:defRPr sz="1800" kern="1200">
+        <a:solidFill>
+          <a:schemeClr val="tx1"/>
+        </a:solidFill>
+        <a:latin typeface="+mn-lt"/>
+        <a:ea typeface="+mn-ea"/>
+        <a:cs typeface="+mn-cs"/>
+      </a:defRPr>
+    </a:lvl9pPr>
+  </p:defaultTextStyle>
+  <p:extLst>
+    <p:ext uri="{521415D9-36F7-43E2-AB2F-B90AF26B5E84}">
+      <p14:sectionLst xmlns:p14="http://schemas.microsoft.com/office/powerpoint/2010/main">
+        <p14:section name="Intro" id="{7990E787-F3AD-427E-883D-6CE7CB94E0D8}">
+          <p14:sldIdLst>
+            <p14:sldId id="256"/>
+          </p14:sldIdLst>
+        </p14:section>
+        <p14:section name="Creative Vision" id="{C10A4349-68DD-48F4-83FD-B83AACCDCCD0}">
+          <p14:sldIdLst>
+            <p14:sldId id="260"/>
+            <p14:sldId id="261"/>
+            <p14:sldId id="282"/>
+          </p14:sldIdLst>
+        </p14:section>
+        <p14:section name="Target Audience" id="{FE830DA4-A3E4-4D29-96C8-D69B03B8107D}">
+          <p14:sldIdLst>
+            <p14:sldId id="280"/>
+            <p14:sldId id="259"/>
+            <p14:sldId id="281"/>
+          </p14:sldIdLst>
+        </p14:section>
+        <p14:section name="Core Game Mechanics" id="{7B4728D8-5096-403D-98BA-F735A2766B41}">
+          <p14:sldIdLst>
+            <p14:sldId id="263"/>
+          </p14:sldIdLst>
+        </p14:section>
+        <p14:section name="Gameplay Demo" id="{D278CAFC-2188-4322-9685-7471D91E81F0}">
+          <p14:sldIdLst>
+            <p14:sldId id="264"/>
+          </p14:sldIdLst>
+        </p14:section>
+        <p14:section name="Selling Points" id="{2CF2B9F6-7D0F-4D2F-9E71-955429F6B3CC}">
+          <p14:sldIdLst>
+            <p14:sldId id="265"/>
+          </p14:sldIdLst>
+        </p14:section>
+        <p14:section name="Development Plan" id="{D3EF6490-0DF6-4402-AEE4-C327E9A5D673}">
+          <p14:sldIdLst>
+            <p14:sldId id="266"/>
+            <p14:sldId id="277"/>
+            <p14:sldId id="278"/>
+          </p14:sldIdLst>
+        </p14:section>
+        <p14:section name="Business Aims" id="{ADB95E46-DA8A-4E94-A4A3-0C3EC26D65CA}">
+          <p14:sldIdLst>
+            <p14:sldId id="269"/>
+            <p14:sldId id="270"/>
+          </p14:sldIdLst>
+        </p14:section>
+        <p14:section name="Commercial Prospects" id="{35165CB7-3FE2-4629-97FD-135ED608BBCE}">
+          <p14:sldIdLst>
+            <p14:sldId id="271"/>
+            <p14:sldId id="279"/>
+            <p14:sldId id="273"/>
+          </p14:sldIdLst>
+        </p14:section>
+        <p14:section name="Competition" id="{9F7D74DC-C0F8-43A8-93C9-599A1EC1F3CE}">
+          <p14:sldIdLst>
+            <p14:sldId id="274"/>
+            <p14:sldId id="275"/>
+          </p14:sldIdLst>
+        </p14:section>
+        <p14:section name="Summary" id="{2230713B-6B1D-4F42-8204-76C4B222625C}">
+          <p14:sldIdLst>
+            <p14:sldId id="276"/>
+          </p14:sldIdLst>
+        </p14:section>
+      </p14:sectionLst>
+    </p:ext>
+  </p:extLst>
 </p:presentation>
 </file>
 
 <file path=ppt/slideLayouts/slideLayout1.xml><?xml version="1.0" encoding="utf-8"?>
-<p:sldLayout xmlns:a="http://schemas.openxmlformats.org/drawingml/2006/main" xmlns:p="http://schemas.openxmlformats.org/presentationml/2006/main" xmlns:r="http://schemas.openxmlformats.org/officeDocument/2006/relationships" xmlns:p14="http://schemas.microsoft.com/office/powerpoint/2010/main" xmlns:p15="http://schemas.microsoft.com/office/powerpoint/2012/main" xmlns:mc="http://schemas.openxmlformats.org/markup-compatibility/2006" type="blank" preserve="1">
+<p:sldLayout xmlns:a="http://schemas.openxmlformats.org/drawingml/2006/main" xmlns:r="http://schemas.openxmlformats.org/officeDocument/2006/relationships" xmlns:p="http://schemas.openxmlformats.org/presentationml/2006/main" type="blank" preserve="1">
   <p:cSld name="Blank Slide">
     <p:spTree>
       <p:nvGrpSpPr>
@@ -52,11 +218,14 @@
       </p:grpSpPr>
     </p:spTree>
   </p:cSld>
+  <p:clrMapOvr>
+    <a:masterClrMapping/>
+  </p:clrMapOvr>
 </p:sldLayout>
 </file>
 
 <file path=ppt/slideLayouts/slideLayout10.xml><?xml version="1.0" encoding="utf-8"?>
-<p:sldLayout xmlns:a="http://schemas.openxmlformats.org/drawingml/2006/main" xmlns:p="http://schemas.openxmlformats.org/presentationml/2006/main" xmlns:r="http://schemas.openxmlformats.org/officeDocument/2006/relationships" xmlns:p14="http://schemas.microsoft.com/office/powerpoint/2010/main" xmlns:p15="http://schemas.microsoft.com/office/powerpoint/2012/main" xmlns:mc="http://schemas.openxmlformats.org/markup-compatibility/2006" type="objOverTx" preserve="1">
+<p:sldLayout xmlns:a="http://schemas.openxmlformats.org/drawingml/2006/main" xmlns:r="http://schemas.openxmlformats.org/officeDocument/2006/relationships" xmlns:p="http://schemas.openxmlformats.org/presentationml/2006/main" type="objOverTx" preserve="1">
   <p:cSld name="Title, Content over Content">
     <p:spTree>
       <p:nvGrpSpPr>
@@ -92,10 +261,11 @@
           </a:prstGeom>
         </p:spPr>
         <p:txBody>
-          <a:bodyPr lIns="0" rIns="0" tIns="0" bIns="0" anchor="ctr"/>
+          <a:bodyPr lIns="0" tIns="0" rIns="0" bIns="0" anchor="ctr"/>
+          <a:lstStyle/>
           <a:p>
             <a:pPr algn="ctr"/>
-            <a:endParaRPr b="0" lang="en-GB" sz="4400" spc="-1" strike="noStrike">
+            <a:endParaRPr lang="en-GB" sz="4400" b="0" strike="noStrike" spc="-1">
               <a:latin typeface="Arial"/>
             </a:endParaRPr>
           </a:p>
@@ -121,11 +291,12 @@
           </a:prstGeom>
         </p:spPr>
         <p:txBody>
-          <a:bodyPr lIns="0" rIns="0" tIns="0" bIns="0">
+          <a:bodyPr lIns="0" tIns="0" rIns="0" bIns="0">
             <a:normAutofit/>
           </a:bodyPr>
-          <a:p>
-            <a:endParaRPr b="0" lang="en-GB" sz="3200" spc="-1" strike="noStrike">
+          <a:lstStyle/>
+          <a:p>
+            <a:endParaRPr lang="en-GB" sz="3200" b="0" strike="noStrike" spc="-1">
               <a:latin typeface="Arial"/>
             </a:endParaRPr>
           </a:p>
@@ -151,11 +322,12 @@
           </a:prstGeom>
         </p:spPr>
         <p:txBody>
-          <a:bodyPr lIns="0" rIns="0" tIns="0" bIns="0">
+          <a:bodyPr lIns="0" tIns="0" rIns="0" bIns="0">
             <a:normAutofit/>
           </a:bodyPr>
-          <a:p>
-            <a:endParaRPr b="0" lang="en-GB" sz="3200" spc="-1" strike="noStrike">
+          <a:lstStyle/>
+          <a:p>
+            <a:endParaRPr lang="en-GB" sz="3200" b="0" strike="noStrike" spc="-1">
               <a:latin typeface="Arial"/>
             </a:endParaRPr>
           </a:p>
@@ -163,11 +335,14 @@
       </p:sp>
     </p:spTree>
   </p:cSld>
+  <p:clrMapOvr>
+    <a:masterClrMapping/>
+  </p:clrMapOvr>
 </p:sldLayout>
 </file>
 
 <file path=ppt/slideLayouts/slideLayout11.xml><?xml version="1.0" encoding="utf-8"?>
-<p:sldLayout xmlns:a="http://schemas.openxmlformats.org/drawingml/2006/main" xmlns:p="http://schemas.openxmlformats.org/presentationml/2006/main" xmlns:r="http://schemas.openxmlformats.org/officeDocument/2006/relationships" xmlns:p14="http://schemas.microsoft.com/office/powerpoint/2010/main" xmlns:p15="http://schemas.microsoft.com/office/powerpoint/2012/main" xmlns:mc="http://schemas.openxmlformats.org/markup-compatibility/2006" type="fourObj" preserve="1">
+<p:sldLayout xmlns:a="http://schemas.openxmlformats.org/drawingml/2006/main" xmlns:r="http://schemas.openxmlformats.org/officeDocument/2006/relationships" xmlns:p="http://schemas.openxmlformats.org/presentationml/2006/main" type="fourObj" preserve="1">
   <p:cSld name="Title, 4 Content">
     <p:spTree>
       <p:nvGrpSpPr>
@@ -203,10 +378,11 @@
           </a:prstGeom>
         </p:spPr>
         <p:txBody>
-          <a:bodyPr lIns="0" rIns="0" tIns="0" bIns="0" anchor="ctr"/>
+          <a:bodyPr lIns="0" tIns="0" rIns="0" bIns="0" anchor="ctr"/>
+          <a:lstStyle/>
           <a:p>
             <a:pPr algn="ctr"/>
-            <a:endParaRPr b="0" lang="en-GB" sz="4400" spc="-1" strike="noStrike">
+            <a:endParaRPr lang="en-GB" sz="4400" b="0" strike="noStrike" spc="-1">
               <a:latin typeface="Arial"/>
             </a:endParaRPr>
           </a:p>
@@ -232,11 +408,12 @@
           </a:prstGeom>
         </p:spPr>
         <p:txBody>
-          <a:bodyPr lIns="0" rIns="0" tIns="0" bIns="0">
+          <a:bodyPr lIns="0" tIns="0" rIns="0" bIns="0">
             <a:normAutofit/>
           </a:bodyPr>
-          <a:p>
-            <a:endParaRPr b="0" lang="en-GB" sz="3200" spc="-1" strike="noStrike">
+          <a:lstStyle/>
+          <a:p>
+            <a:endParaRPr lang="en-GB" sz="3200" b="0" strike="noStrike" spc="-1">
               <a:latin typeface="Arial"/>
             </a:endParaRPr>
           </a:p>
@@ -262,11 +439,12 @@
           </a:prstGeom>
         </p:spPr>
         <p:txBody>
-          <a:bodyPr lIns="0" rIns="0" tIns="0" bIns="0">
+          <a:bodyPr lIns="0" tIns="0" rIns="0" bIns="0">
             <a:normAutofit/>
           </a:bodyPr>
-          <a:p>
-            <a:endParaRPr b="0" lang="en-GB" sz="3200" spc="-1" strike="noStrike">
+          <a:lstStyle/>
+          <a:p>
+            <a:endParaRPr lang="en-GB" sz="3200" b="0" strike="noStrike" spc="-1">
               <a:latin typeface="Arial"/>
             </a:endParaRPr>
           </a:p>
@@ -292,11 +470,12 @@
           </a:prstGeom>
         </p:spPr>
         <p:txBody>
-          <a:bodyPr lIns="0" rIns="0" tIns="0" bIns="0">
+          <a:bodyPr lIns="0" tIns="0" rIns="0" bIns="0">
             <a:normAutofit/>
           </a:bodyPr>
-          <a:p>
-            <a:endParaRPr b="0" lang="en-GB" sz="3200" spc="-1" strike="noStrike">
+          <a:lstStyle/>
+          <a:p>
+            <a:endParaRPr lang="en-GB" sz="3200" b="0" strike="noStrike" spc="-1">
               <a:latin typeface="Arial"/>
             </a:endParaRPr>
           </a:p>
@@ -322,11 +501,12 @@
           </a:prstGeom>
         </p:spPr>
         <p:txBody>
-          <a:bodyPr lIns="0" rIns="0" tIns="0" bIns="0">
+          <a:bodyPr lIns="0" tIns="0" rIns="0" bIns="0">
             <a:normAutofit/>
           </a:bodyPr>
-          <a:p>
-            <a:endParaRPr b="0" lang="en-GB" sz="3200" spc="-1" strike="noStrike">
+          <a:lstStyle/>
+          <a:p>
+            <a:endParaRPr lang="en-GB" sz="3200" b="0" strike="noStrike" spc="-1">
               <a:latin typeface="Arial"/>
             </a:endParaRPr>
           </a:p>
@@ -334,11 +514,14 @@
       </p:sp>
     </p:spTree>
   </p:cSld>
+  <p:clrMapOvr>
+    <a:masterClrMapping/>
+  </p:clrMapOvr>
 </p:sldLayout>
 </file>
 
 <file path=ppt/slideLayouts/slideLayout12.xml><?xml version="1.0" encoding="utf-8"?>
-<p:sldLayout xmlns:a="http://schemas.openxmlformats.org/drawingml/2006/main" xmlns:p="http://schemas.openxmlformats.org/presentationml/2006/main" xmlns:r="http://schemas.openxmlformats.org/officeDocument/2006/relationships" xmlns:p14="http://schemas.microsoft.com/office/powerpoint/2010/main" xmlns:p15="http://schemas.microsoft.com/office/powerpoint/2012/main" xmlns:mc="http://schemas.openxmlformats.org/markup-compatibility/2006" type="blank" preserve="1">
+<p:sldLayout xmlns:a="http://schemas.openxmlformats.org/drawingml/2006/main" xmlns:r="http://schemas.openxmlformats.org/officeDocument/2006/relationships" xmlns:p="http://schemas.openxmlformats.org/presentationml/2006/main" type="blank" preserve="1">
   <p:cSld name="Title, 6 Content">
     <p:spTree>
       <p:nvGrpSpPr>
@@ -374,10 +557,11 @@
           </a:prstGeom>
         </p:spPr>
         <p:txBody>
-          <a:bodyPr lIns="0" rIns="0" tIns="0" bIns="0" anchor="ctr"/>
+          <a:bodyPr lIns="0" tIns="0" rIns="0" bIns="0" anchor="ctr"/>
+          <a:lstStyle/>
           <a:p>
             <a:pPr algn="ctr"/>
-            <a:endParaRPr b="0" lang="en-GB" sz="4400" spc="-1" strike="noStrike">
+            <a:endParaRPr lang="en-GB" sz="4400" b="0" strike="noStrike" spc="-1">
               <a:latin typeface="Arial"/>
             </a:endParaRPr>
           </a:p>
@@ -403,11 +587,12 @@
           </a:prstGeom>
         </p:spPr>
         <p:txBody>
-          <a:bodyPr lIns="0" rIns="0" tIns="0" bIns="0">
+          <a:bodyPr lIns="0" tIns="0" rIns="0" bIns="0">
             <a:normAutofit/>
           </a:bodyPr>
-          <a:p>
-            <a:endParaRPr b="0" lang="en-GB" sz="3200" spc="-1" strike="noStrike">
+          <a:lstStyle/>
+          <a:p>
+            <a:endParaRPr lang="en-GB" sz="3200" b="0" strike="noStrike" spc="-1">
               <a:latin typeface="Arial"/>
             </a:endParaRPr>
           </a:p>
@@ -433,11 +618,12 @@
           </a:prstGeom>
         </p:spPr>
         <p:txBody>
-          <a:bodyPr lIns="0" rIns="0" tIns="0" bIns="0">
+          <a:bodyPr lIns="0" tIns="0" rIns="0" bIns="0">
             <a:normAutofit/>
           </a:bodyPr>
-          <a:p>
-            <a:endParaRPr b="0" lang="en-GB" sz="3200" spc="-1" strike="noStrike">
+          <a:lstStyle/>
+          <a:p>
+            <a:endParaRPr lang="en-GB" sz="3200" b="0" strike="noStrike" spc="-1">
               <a:latin typeface="Arial"/>
             </a:endParaRPr>
           </a:p>
@@ -463,11 +649,12 @@
           </a:prstGeom>
         </p:spPr>
         <p:txBody>
-          <a:bodyPr lIns="0" rIns="0" tIns="0" bIns="0">
+          <a:bodyPr lIns="0" tIns="0" rIns="0" bIns="0">
             <a:normAutofit/>
           </a:bodyPr>
-          <a:p>
-            <a:endParaRPr b="0" lang="en-GB" sz="3200" spc="-1" strike="noStrike">
+          <a:lstStyle/>
+          <a:p>
+            <a:endParaRPr lang="en-GB" sz="3200" b="0" strike="noStrike" spc="-1">
               <a:latin typeface="Arial"/>
             </a:endParaRPr>
           </a:p>
@@ -493,11 +680,12 @@
           </a:prstGeom>
         </p:spPr>
         <p:txBody>
-          <a:bodyPr lIns="0" rIns="0" tIns="0" bIns="0">
+          <a:bodyPr lIns="0" tIns="0" rIns="0" bIns="0">
             <a:normAutofit/>
           </a:bodyPr>
-          <a:p>
-            <a:endParaRPr b="0" lang="en-GB" sz="3200" spc="-1" strike="noStrike">
+          <a:lstStyle/>
+          <a:p>
+            <a:endParaRPr lang="en-GB" sz="3200" b="0" strike="noStrike" spc="-1">
               <a:latin typeface="Arial"/>
             </a:endParaRPr>
           </a:p>
@@ -523,11 +711,12 @@
           </a:prstGeom>
         </p:spPr>
         <p:txBody>
-          <a:bodyPr lIns="0" rIns="0" tIns="0" bIns="0">
+          <a:bodyPr lIns="0" tIns="0" rIns="0" bIns="0">
             <a:normAutofit/>
           </a:bodyPr>
-          <a:p>
-            <a:endParaRPr b="0" lang="en-GB" sz="3200" spc="-1" strike="noStrike">
+          <a:lstStyle/>
+          <a:p>
+            <a:endParaRPr lang="en-GB" sz="3200" b="0" strike="noStrike" spc="-1">
               <a:latin typeface="Arial"/>
             </a:endParaRPr>
           </a:p>
@@ -553,11 +742,12 @@
           </a:prstGeom>
         </p:spPr>
         <p:txBody>
-          <a:bodyPr lIns="0" rIns="0" tIns="0" bIns="0">
+          <a:bodyPr lIns="0" tIns="0" rIns="0" bIns="0">
             <a:normAutofit/>
           </a:bodyPr>
-          <a:p>
-            <a:endParaRPr b="0" lang="en-GB" sz="3200" spc="-1" strike="noStrike">
+          <a:lstStyle/>
+          <a:p>
+            <a:endParaRPr lang="en-GB" sz="3200" b="0" strike="noStrike" spc="-1">
               <a:latin typeface="Arial"/>
             </a:endParaRPr>
           </a:p>
@@ -565,11 +755,14 @@
       </p:sp>
     </p:spTree>
   </p:cSld>
+  <p:clrMapOvr>
+    <a:masterClrMapping/>
+  </p:clrMapOvr>
 </p:sldLayout>
 </file>
 
 <file path=ppt/slideLayouts/slideLayout13.xml><?xml version="1.0" encoding="utf-8"?>
-<p:sldLayout xmlns:a="http://schemas.openxmlformats.org/drawingml/2006/main" xmlns:p="http://schemas.openxmlformats.org/presentationml/2006/main" xmlns:r="http://schemas.openxmlformats.org/officeDocument/2006/relationships" xmlns:p14="http://schemas.microsoft.com/office/powerpoint/2010/main" xmlns:p15="http://schemas.microsoft.com/office/powerpoint/2012/main" xmlns:mc="http://schemas.openxmlformats.org/markup-compatibility/2006" type="blank" preserve="1">
+<p:sldLayout xmlns:a="http://schemas.openxmlformats.org/drawingml/2006/main" xmlns:r="http://schemas.openxmlformats.org/officeDocument/2006/relationships" xmlns:p="http://schemas.openxmlformats.org/presentationml/2006/main" type="blank" preserve="1">
   <p:cSld name="Blank Slide">
     <p:spTree>
       <p:nvGrpSpPr>
@@ -587,11 +780,14 @@
       </p:grpSpPr>
     </p:spTree>
   </p:cSld>
+  <p:clrMapOvr>
+    <a:masterClrMapping/>
+  </p:clrMapOvr>
 </p:sldLayout>
 </file>
 
 <file path=ppt/slideLayouts/slideLayout14.xml><?xml version="1.0" encoding="utf-8"?>
-<p:sldLayout xmlns:a="http://schemas.openxmlformats.org/drawingml/2006/main" xmlns:p="http://schemas.openxmlformats.org/presentationml/2006/main" xmlns:r="http://schemas.openxmlformats.org/officeDocument/2006/relationships" xmlns:p14="http://schemas.microsoft.com/office/powerpoint/2010/main" xmlns:p15="http://schemas.microsoft.com/office/powerpoint/2012/main" xmlns:mc="http://schemas.openxmlformats.org/markup-compatibility/2006" type="tx" preserve="1">
+<p:sldLayout xmlns:a="http://schemas.openxmlformats.org/drawingml/2006/main" xmlns:r="http://schemas.openxmlformats.org/officeDocument/2006/relationships" xmlns:p="http://schemas.openxmlformats.org/presentationml/2006/main" type="tx" preserve="1">
   <p:cSld name="Title Slide">
     <p:spTree>
       <p:nvGrpSpPr>
@@ -627,10 +823,11 @@
           </a:prstGeom>
         </p:spPr>
         <p:txBody>
-          <a:bodyPr lIns="0" rIns="0" tIns="0" bIns="0" anchor="ctr"/>
+          <a:bodyPr lIns="0" tIns="0" rIns="0" bIns="0" anchor="ctr"/>
+          <a:lstStyle/>
           <a:p>
             <a:pPr algn="ctr"/>
-            <a:endParaRPr b="0" lang="en-GB" sz="4400" spc="-1" strike="noStrike">
+            <a:endParaRPr lang="en-GB" sz="4400" b="0" strike="noStrike" spc="-1">
               <a:latin typeface="Arial"/>
             </a:endParaRPr>
           </a:p>
@@ -656,10 +853,11 @@
           </a:prstGeom>
         </p:spPr>
         <p:txBody>
-          <a:bodyPr lIns="0" rIns="0" tIns="0" bIns="0" anchor="ctr"/>
+          <a:bodyPr lIns="0" tIns="0" rIns="0" bIns="0" anchor="ctr"/>
+          <a:lstStyle/>
           <a:p>
             <a:pPr algn="ctr"/>
-            <a:endParaRPr b="0" lang="en-GB" sz="3200" spc="-1" strike="noStrike">
+            <a:endParaRPr lang="en-GB" sz="3200" b="0" strike="noStrike" spc="-1">
               <a:latin typeface="Arial"/>
             </a:endParaRPr>
           </a:p>
@@ -667,11 +865,14 @@
       </p:sp>
     </p:spTree>
   </p:cSld>
+  <p:clrMapOvr>
+    <a:masterClrMapping/>
+  </p:clrMapOvr>
 </p:sldLayout>
 </file>
 
 <file path=ppt/slideLayouts/slideLayout15.xml><?xml version="1.0" encoding="utf-8"?>
-<p:sldLayout xmlns:a="http://schemas.openxmlformats.org/drawingml/2006/main" xmlns:p="http://schemas.openxmlformats.org/presentationml/2006/main" xmlns:r="http://schemas.openxmlformats.org/officeDocument/2006/relationships" xmlns:p14="http://schemas.microsoft.com/office/powerpoint/2010/main" xmlns:p15="http://schemas.microsoft.com/office/powerpoint/2012/main" xmlns:mc="http://schemas.openxmlformats.org/markup-compatibility/2006" type="obj" preserve="1">
+<p:sldLayout xmlns:a="http://schemas.openxmlformats.org/drawingml/2006/main" xmlns:r="http://schemas.openxmlformats.org/officeDocument/2006/relationships" xmlns:p="http://schemas.openxmlformats.org/presentationml/2006/main" type="obj" preserve="1">
   <p:cSld name="Title, Content">
     <p:spTree>
       <p:nvGrpSpPr>
@@ -707,10 +908,11 @@
           </a:prstGeom>
         </p:spPr>
         <p:txBody>
-          <a:bodyPr lIns="0" rIns="0" tIns="0" bIns="0" anchor="ctr"/>
+          <a:bodyPr lIns="0" tIns="0" rIns="0" bIns="0" anchor="ctr"/>
+          <a:lstStyle/>
           <a:p>
             <a:pPr algn="ctr"/>
-            <a:endParaRPr b="0" lang="en-GB" sz="4400" spc="-1" strike="noStrike">
+            <a:endParaRPr lang="en-GB" sz="4400" b="0" strike="noStrike" spc="-1">
               <a:latin typeface="Arial"/>
             </a:endParaRPr>
           </a:p>
@@ -736,11 +938,12 @@
           </a:prstGeom>
         </p:spPr>
         <p:txBody>
-          <a:bodyPr lIns="0" rIns="0" tIns="0" bIns="0">
+          <a:bodyPr lIns="0" tIns="0" rIns="0" bIns="0">
             <a:normAutofit/>
           </a:bodyPr>
-          <a:p>
-            <a:endParaRPr b="0" lang="en-GB" sz="3200" spc="-1" strike="noStrike">
+          <a:lstStyle/>
+          <a:p>
+            <a:endParaRPr lang="en-GB" sz="3200" b="0" strike="noStrike" spc="-1">
               <a:latin typeface="Arial"/>
             </a:endParaRPr>
           </a:p>
@@ -748,11 +951,14 @@
       </p:sp>
     </p:spTree>
   </p:cSld>
+  <p:clrMapOvr>
+    <a:masterClrMapping/>
+  </p:clrMapOvr>
 </p:sldLayout>
 </file>
 
 <file path=ppt/slideLayouts/slideLayout16.xml><?xml version="1.0" encoding="utf-8"?>
-<p:sldLayout xmlns:a="http://schemas.openxmlformats.org/drawingml/2006/main" xmlns:p="http://schemas.openxmlformats.org/presentationml/2006/main" xmlns:r="http://schemas.openxmlformats.org/officeDocument/2006/relationships" xmlns:p14="http://schemas.microsoft.com/office/powerpoint/2010/main" xmlns:p15="http://schemas.microsoft.com/office/powerpoint/2012/main" xmlns:mc="http://schemas.openxmlformats.org/markup-compatibility/2006" type="twoObj" preserve="1">
+<p:sldLayout xmlns:a="http://schemas.openxmlformats.org/drawingml/2006/main" xmlns:r="http://schemas.openxmlformats.org/officeDocument/2006/relationships" xmlns:p="http://schemas.openxmlformats.org/presentationml/2006/main" type="twoObj" preserve="1">
   <p:cSld name="Title, 2 Content">
     <p:spTree>
       <p:nvGrpSpPr>
@@ -788,10 +994,11 @@
           </a:prstGeom>
         </p:spPr>
         <p:txBody>
-          <a:bodyPr lIns="0" rIns="0" tIns="0" bIns="0" anchor="ctr"/>
+          <a:bodyPr lIns="0" tIns="0" rIns="0" bIns="0" anchor="ctr"/>
+          <a:lstStyle/>
           <a:p>
             <a:pPr algn="ctr"/>
-            <a:endParaRPr b="0" lang="en-GB" sz="4400" spc="-1" strike="noStrike">
+            <a:endParaRPr lang="en-GB" sz="4400" b="0" strike="noStrike" spc="-1">
               <a:latin typeface="Arial"/>
             </a:endParaRPr>
           </a:p>
@@ -817,11 +1024,12 @@
           </a:prstGeom>
         </p:spPr>
         <p:txBody>
-          <a:bodyPr lIns="0" rIns="0" tIns="0" bIns="0">
+          <a:bodyPr lIns="0" tIns="0" rIns="0" bIns="0">
             <a:normAutofit/>
           </a:bodyPr>
-          <a:p>
-            <a:endParaRPr b="0" lang="en-GB" sz="3200" spc="-1" strike="noStrike">
+          <a:lstStyle/>
+          <a:p>
+            <a:endParaRPr lang="en-GB" sz="3200" b="0" strike="noStrike" spc="-1">
               <a:latin typeface="Arial"/>
             </a:endParaRPr>
           </a:p>
@@ -847,11 +1055,12 @@
           </a:prstGeom>
         </p:spPr>
         <p:txBody>
-          <a:bodyPr lIns="0" rIns="0" tIns="0" bIns="0">
+          <a:bodyPr lIns="0" tIns="0" rIns="0" bIns="0">
             <a:normAutofit/>
           </a:bodyPr>
-          <a:p>
-            <a:endParaRPr b="0" lang="en-GB" sz="3200" spc="-1" strike="noStrike">
+          <a:lstStyle/>
+          <a:p>
+            <a:endParaRPr lang="en-GB" sz="3200" b="0" strike="noStrike" spc="-1">
               <a:latin typeface="Arial"/>
             </a:endParaRPr>
           </a:p>
@@ -859,11 +1068,14 @@
       </p:sp>
     </p:spTree>
   </p:cSld>
+  <p:clrMapOvr>
+    <a:masterClrMapping/>
+  </p:clrMapOvr>
 </p:sldLayout>
 </file>
 
 <file path=ppt/slideLayouts/slideLayout17.xml><?xml version="1.0" encoding="utf-8"?>
-<p:sldLayout xmlns:a="http://schemas.openxmlformats.org/drawingml/2006/main" xmlns:p="http://schemas.openxmlformats.org/presentationml/2006/main" xmlns:r="http://schemas.openxmlformats.org/officeDocument/2006/relationships" xmlns:p14="http://schemas.microsoft.com/office/powerpoint/2010/main" xmlns:p15="http://schemas.microsoft.com/office/powerpoint/2012/main" xmlns:mc="http://schemas.openxmlformats.org/markup-compatibility/2006" type="titleOnly" preserve="1">
+<p:sldLayout xmlns:a="http://schemas.openxmlformats.org/drawingml/2006/main" xmlns:r="http://schemas.openxmlformats.org/officeDocument/2006/relationships" xmlns:p="http://schemas.openxmlformats.org/presentationml/2006/main" type="titleOnly" preserve="1">
   <p:cSld name="Title Only">
     <p:spTree>
       <p:nvGrpSpPr>
@@ -899,10 +1111,11 @@
           </a:prstGeom>
         </p:spPr>
         <p:txBody>
-          <a:bodyPr lIns="0" rIns="0" tIns="0" bIns="0" anchor="ctr"/>
+          <a:bodyPr lIns="0" tIns="0" rIns="0" bIns="0" anchor="ctr"/>
+          <a:lstStyle/>
           <a:p>
             <a:pPr algn="ctr"/>
-            <a:endParaRPr b="0" lang="en-GB" sz="4400" spc="-1" strike="noStrike">
+            <a:endParaRPr lang="en-GB" sz="4400" b="0" strike="noStrike" spc="-1">
               <a:latin typeface="Arial"/>
             </a:endParaRPr>
           </a:p>
@@ -910,11 +1123,14 @@
       </p:sp>
     </p:spTree>
   </p:cSld>
+  <p:clrMapOvr>
+    <a:masterClrMapping/>
+  </p:clrMapOvr>
 </p:sldLayout>
 </file>
 
 <file path=ppt/slideLayouts/slideLayout18.xml><?xml version="1.0" encoding="utf-8"?>
-<p:sldLayout xmlns:a="http://schemas.openxmlformats.org/drawingml/2006/main" xmlns:p="http://schemas.openxmlformats.org/presentationml/2006/main" xmlns:r="http://schemas.openxmlformats.org/officeDocument/2006/relationships" xmlns:p14="http://schemas.microsoft.com/office/powerpoint/2010/main" xmlns:p15="http://schemas.microsoft.com/office/powerpoint/2012/main" xmlns:mc="http://schemas.openxmlformats.org/markup-compatibility/2006" type="objOnly" preserve="1">
+<p:sldLayout xmlns:a="http://schemas.openxmlformats.org/drawingml/2006/main" xmlns:r="http://schemas.openxmlformats.org/officeDocument/2006/relationships" xmlns:p="http://schemas.openxmlformats.org/presentationml/2006/main" type="objOnly" preserve="1">
   <p:cSld name="Centered Text">
     <p:spTree>
       <p:nvGrpSpPr>
@@ -950,10 +1166,11 @@
           </a:prstGeom>
         </p:spPr>
         <p:txBody>
-          <a:bodyPr lIns="0" rIns="0" tIns="0" bIns="0" anchor="ctr"/>
+          <a:bodyPr lIns="0" tIns="0" rIns="0" bIns="0" anchor="ctr"/>
+          <a:lstStyle/>
           <a:p>
             <a:pPr algn="ctr"/>
-            <a:endParaRPr b="0" lang="en-GB" sz="3200" spc="-1" strike="noStrike">
+            <a:endParaRPr lang="en-GB" sz="3200" b="0" strike="noStrike" spc="-1">
               <a:latin typeface="Arial"/>
             </a:endParaRPr>
           </a:p>
@@ -961,11 +1178,14 @@
       </p:sp>
     </p:spTree>
   </p:cSld>
+  <p:clrMapOvr>
+    <a:masterClrMapping/>
+  </p:clrMapOvr>
 </p:sldLayout>
 </file>
 
 <file path=ppt/slideLayouts/slideLayout19.xml><?xml version="1.0" encoding="utf-8"?>
-<p:sldLayout xmlns:a="http://schemas.openxmlformats.org/drawingml/2006/main" xmlns:p="http://schemas.openxmlformats.org/presentationml/2006/main" xmlns:r="http://schemas.openxmlformats.org/officeDocument/2006/relationships" xmlns:p14="http://schemas.microsoft.com/office/powerpoint/2010/main" xmlns:p15="http://schemas.microsoft.com/office/powerpoint/2012/main" xmlns:mc="http://schemas.openxmlformats.org/markup-compatibility/2006" type="twoObjAndObj" preserve="1">
+<p:sldLayout xmlns:a="http://schemas.openxmlformats.org/drawingml/2006/main" xmlns:r="http://schemas.openxmlformats.org/officeDocument/2006/relationships" xmlns:p="http://schemas.openxmlformats.org/presentationml/2006/main" type="twoObjAndObj" preserve="1">
   <p:cSld name="Title, 2 Content and Content">
     <p:spTree>
       <p:nvGrpSpPr>
@@ -1001,10 +1221,11 @@
           </a:prstGeom>
         </p:spPr>
         <p:txBody>
-          <a:bodyPr lIns="0" rIns="0" tIns="0" bIns="0" anchor="ctr"/>
+          <a:bodyPr lIns="0" tIns="0" rIns="0" bIns="0" anchor="ctr"/>
+          <a:lstStyle/>
           <a:p>
             <a:pPr algn="ctr"/>
-            <a:endParaRPr b="0" lang="en-GB" sz="4400" spc="-1" strike="noStrike">
+            <a:endParaRPr lang="en-GB" sz="4400" b="0" strike="noStrike" spc="-1">
               <a:latin typeface="Arial"/>
             </a:endParaRPr>
           </a:p>
@@ -1030,11 +1251,12 @@
           </a:prstGeom>
         </p:spPr>
         <p:txBody>
-          <a:bodyPr lIns="0" rIns="0" tIns="0" bIns="0">
+          <a:bodyPr lIns="0" tIns="0" rIns="0" bIns="0">
             <a:normAutofit/>
           </a:bodyPr>
-          <a:p>
-            <a:endParaRPr b="0" lang="en-GB" sz="3200" spc="-1" strike="noStrike">
+          <a:lstStyle/>
+          <a:p>
+            <a:endParaRPr lang="en-GB" sz="3200" b="0" strike="noStrike" spc="-1">
               <a:latin typeface="Arial"/>
             </a:endParaRPr>
           </a:p>
@@ -1060,11 +1282,12 @@
           </a:prstGeom>
         </p:spPr>
         <p:txBody>
-          <a:bodyPr lIns="0" rIns="0" tIns="0" bIns="0">
+          <a:bodyPr lIns="0" tIns="0" rIns="0" bIns="0">
             <a:normAutofit/>
           </a:bodyPr>
-          <a:p>
-            <a:endParaRPr b="0" lang="en-GB" sz="3200" spc="-1" strike="noStrike">
+          <a:lstStyle/>
+          <a:p>
+            <a:endParaRPr lang="en-GB" sz="3200" b="0" strike="noStrike" spc="-1">
               <a:latin typeface="Arial"/>
             </a:endParaRPr>
           </a:p>
@@ -1090,11 +1313,12 @@
           </a:prstGeom>
         </p:spPr>
         <p:txBody>
-          <a:bodyPr lIns="0" rIns="0" tIns="0" bIns="0">
+          <a:bodyPr lIns="0" tIns="0" rIns="0" bIns="0">
             <a:normAutofit/>
           </a:bodyPr>
-          <a:p>
-            <a:endParaRPr b="0" lang="en-GB" sz="3200" spc="-1" strike="noStrike">
+          <a:lstStyle/>
+          <a:p>
+            <a:endParaRPr lang="en-GB" sz="3200" b="0" strike="noStrike" spc="-1">
               <a:latin typeface="Arial"/>
             </a:endParaRPr>
           </a:p>
@@ -1102,11 +1326,14 @@
       </p:sp>
     </p:spTree>
   </p:cSld>
+  <p:clrMapOvr>
+    <a:masterClrMapping/>
+  </p:clrMapOvr>
 </p:sldLayout>
 </file>
 
 <file path=ppt/slideLayouts/slideLayout2.xml><?xml version="1.0" encoding="utf-8"?>
-<p:sldLayout xmlns:a="http://schemas.openxmlformats.org/drawingml/2006/main" xmlns:p="http://schemas.openxmlformats.org/presentationml/2006/main" xmlns:r="http://schemas.openxmlformats.org/officeDocument/2006/relationships" xmlns:p14="http://schemas.microsoft.com/office/powerpoint/2010/main" xmlns:p15="http://schemas.microsoft.com/office/powerpoint/2012/main" xmlns:mc="http://schemas.openxmlformats.org/markup-compatibility/2006" type="tx" preserve="1">
+<p:sldLayout xmlns:a="http://schemas.openxmlformats.org/drawingml/2006/main" xmlns:r="http://schemas.openxmlformats.org/officeDocument/2006/relationships" xmlns:p="http://schemas.openxmlformats.org/presentationml/2006/main" type="tx" preserve="1">
   <p:cSld name="Title Slide">
     <p:spTree>
       <p:nvGrpSpPr>
@@ -1142,10 +1369,11 @@
           </a:prstGeom>
         </p:spPr>
         <p:txBody>
-          <a:bodyPr lIns="0" rIns="0" tIns="0" bIns="0" anchor="ctr"/>
+          <a:bodyPr lIns="0" tIns="0" rIns="0" bIns="0" anchor="ctr"/>
+          <a:lstStyle/>
           <a:p>
             <a:pPr algn="ctr"/>
-            <a:endParaRPr b="0" lang="en-GB" sz="4400" spc="-1" strike="noStrike">
+            <a:endParaRPr lang="en-GB" sz="4400" b="0" strike="noStrike" spc="-1">
               <a:latin typeface="Arial"/>
             </a:endParaRPr>
           </a:p>
@@ -1171,10 +1399,11 @@
           </a:prstGeom>
         </p:spPr>
         <p:txBody>
-          <a:bodyPr lIns="0" rIns="0" tIns="0" bIns="0" anchor="ctr"/>
+          <a:bodyPr lIns="0" tIns="0" rIns="0" bIns="0" anchor="ctr"/>
+          <a:lstStyle/>
           <a:p>
             <a:pPr algn="ctr"/>
-            <a:endParaRPr b="0" lang="en-GB" sz="3200" spc="-1" strike="noStrike">
+            <a:endParaRPr lang="en-GB" sz="3200" b="0" strike="noStrike" spc="-1">
               <a:latin typeface="Arial"/>
             </a:endParaRPr>
           </a:p>
@@ -1182,11 +1411,14 @@
       </p:sp>
     </p:spTree>
   </p:cSld>
+  <p:clrMapOvr>
+    <a:masterClrMapping/>
+  </p:clrMapOvr>
 </p:sldLayout>
 </file>
 
 <file path=ppt/slideLayouts/slideLayout20.xml><?xml version="1.0" encoding="utf-8"?>
-<p:sldLayout xmlns:a="http://schemas.openxmlformats.org/drawingml/2006/main" xmlns:p="http://schemas.openxmlformats.org/presentationml/2006/main" xmlns:r="http://schemas.openxmlformats.org/officeDocument/2006/relationships" xmlns:p14="http://schemas.microsoft.com/office/powerpoint/2010/main" xmlns:p15="http://schemas.microsoft.com/office/powerpoint/2012/main" xmlns:mc="http://schemas.openxmlformats.org/markup-compatibility/2006" type="objAndTwoObj" preserve="1">
+<p:sldLayout xmlns:a="http://schemas.openxmlformats.org/drawingml/2006/main" xmlns:r="http://schemas.openxmlformats.org/officeDocument/2006/relationships" xmlns:p="http://schemas.openxmlformats.org/presentationml/2006/main" type="objAndTwoObj" preserve="1">
   <p:cSld name="Title Content and 2 Content">
     <p:spTree>
       <p:nvGrpSpPr>
@@ -1222,10 +1454,11 @@
           </a:prstGeom>
         </p:spPr>
         <p:txBody>
-          <a:bodyPr lIns="0" rIns="0" tIns="0" bIns="0" anchor="ctr"/>
+          <a:bodyPr lIns="0" tIns="0" rIns="0" bIns="0" anchor="ctr"/>
+          <a:lstStyle/>
           <a:p>
             <a:pPr algn="ctr"/>
-            <a:endParaRPr b="0" lang="en-GB" sz="4400" spc="-1" strike="noStrike">
+            <a:endParaRPr lang="en-GB" sz="4400" b="0" strike="noStrike" spc="-1">
               <a:latin typeface="Arial"/>
             </a:endParaRPr>
           </a:p>
@@ -1251,11 +1484,12 @@
           </a:prstGeom>
         </p:spPr>
         <p:txBody>
-          <a:bodyPr lIns="0" rIns="0" tIns="0" bIns="0">
+          <a:bodyPr lIns="0" tIns="0" rIns="0" bIns="0">
             <a:normAutofit/>
           </a:bodyPr>
-          <a:p>
-            <a:endParaRPr b="0" lang="en-GB" sz="3200" spc="-1" strike="noStrike">
+          <a:lstStyle/>
+          <a:p>
+            <a:endParaRPr lang="en-GB" sz="3200" b="0" strike="noStrike" spc="-1">
               <a:latin typeface="Arial"/>
             </a:endParaRPr>
           </a:p>
@@ -1281,11 +1515,12 @@
           </a:prstGeom>
         </p:spPr>
         <p:txBody>
-          <a:bodyPr lIns="0" rIns="0" tIns="0" bIns="0">
+          <a:bodyPr lIns="0" tIns="0" rIns="0" bIns="0">
             <a:normAutofit/>
           </a:bodyPr>
-          <a:p>
-            <a:endParaRPr b="0" lang="en-GB" sz="3200" spc="-1" strike="noStrike">
+          <a:lstStyle/>
+          <a:p>
+            <a:endParaRPr lang="en-GB" sz="3200" b="0" strike="noStrike" spc="-1">
               <a:latin typeface="Arial"/>
             </a:endParaRPr>
           </a:p>
@@ -1311,11 +1546,12 @@
           </a:prstGeom>
         </p:spPr>
         <p:txBody>
-          <a:bodyPr lIns="0" rIns="0" tIns="0" bIns="0">
+          <a:bodyPr lIns="0" tIns="0" rIns="0" bIns="0">
             <a:normAutofit/>
           </a:bodyPr>
-          <a:p>
-            <a:endParaRPr b="0" lang="en-GB" sz="3200" spc="-1" strike="noStrike">
+          <a:lstStyle/>
+          <a:p>
+            <a:endParaRPr lang="en-GB" sz="3200" b="0" strike="noStrike" spc="-1">
               <a:latin typeface="Arial"/>
             </a:endParaRPr>
           </a:p>
@@ -1323,11 +1559,14 @@
       </p:sp>
     </p:spTree>
   </p:cSld>
+  <p:clrMapOvr>
+    <a:masterClrMapping/>
+  </p:clrMapOvr>
 </p:sldLayout>
 </file>
 
 <file path=ppt/slideLayouts/slideLayout21.xml><?xml version="1.0" encoding="utf-8"?>
-<p:sldLayout xmlns:a="http://schemas.openxmlformats.org/drawingml/2006/main" xmlns:p="http://schemas.openxmlformats.org/presentationml/2006/main" xmlns:r="http://schemas.openxmlformats.org/officeDocument/2006/relationships" xmlns:p14="http://schemas.microsoft.com/office/powerpoint/2010/main" xmlns:p15="http://schemas.microsoft.com/office/powerpoint/2012/main" xmlns:mc="http://schemas.openxmlformats.org/markup-compatibility/2006" type="twoObjOverTx" preserve="1">
+<p:sldLayout xmlns:a="http://schemas.openxmlformats.org/drawingml/2006/main" xmlns:r="http://schemas.openxmlformats.org/officeDocument/2006/relationships" xmlns:p="http://schemas.openxmlformats.org/presentationml/2006/main" type="twoObjOverTx" preserve="1">
   <p:cSld name="Title, 2 Content over Content">
     <p:spTree>
       <p:nvGrpSpPr>
@@ -1363,10 +1602,11 @@
           </a:prstGeom>
         </p:spPr>
         <p:txBody>
-          <a:bodyPr lIns="0" rIns="0" tIns="0" bIns="0" anchor="ctr"/>
+          <a:bodyPr lIns="0" tIns="0" rIns="0" bIns="0" anchor="ctr"/>
+          <a:lstStyle/>
           <a:p>
             <a:pPr algn="ctr"/>
-            <a:endParaRPr b="0" lang="en-GB" sz="4400" spc="-1" strike="noStrike">
+            <a:endParaRPr lang="en-GB" sz="4400" b="0" strike="noStrike" spc="-1">
               <a:latin typeface="Arial"/>
             </a:endParaRPr>
           </a:p>
@@ -1392,11 +1632,12 @@
           </a:prstGeom>
         </p:spPr>
         <p:txBody>
-          <a:bodyPr lIns="0" rIns="0" tIns="0" bIns="0">
+          <a:bodyPr lIns="0" tIns="0" rIns="0" bIns="0">
             <a:normAutofit/>
           </a:bodyPr>
-          <a:p>
-            <a:endParaRPr b="0" lang="en-GB" sz="3200" spc="-1" strike="noStrike">
+          <a:lstStyle/>
+          <a:p>
+            <a:endParaRPr lang="en-GB" sz="3200" b="0" strike="noStrike" spc="-1">
               <a:latin typeface="Arial"/>
             </a:endParaRPr>
           </a:p>
@@ -1422,11 +1663,12 @@
           </a:prstGeom>
         </p:spPr>
         <p:txBody>
-          <a:bodyPr lIns="0" rIns="0" tIns="0" bIns="0">
+          <a:bodyPr lIns="0" tIns="0" rIns="0" bIns="0">
             <a:normAutofit/>
           </a:bodyPr>
-          <a:p>
-            <a:endParaRPr b="0" lang="en-GB" sz="3200" spc="-1" strike="noStrike">
+          <a:lstStyle/>
+          <a:p>
+            <a:endParaRPr lang="en-GB" sz="3200" b="0" strike="noStrike" spc="-1">
               <a:latin typeface="Arial"/>
             </a:endParaRPr>
           </a:p>
@@ -1452,11 +1694,12 @@
           </a:prstGeom>
         </p:spPr>
         <p:txBody>
-          <a:bodyPr lIns="0" rIns="0" tIns="0" bIns="0">
+          <a:bodyPr lIns="0" tIns="0" rIns="0" bIns="0">
             <a:normAutofit/>
           </a:bodyPr>
-          <a:p>
-            <a:endParaRPr b="0" lang="en-GB" sz="3200" spc="-1" strike="noStrike">
+          <a:lstStyle/>
+          <a:p>
+            <a:endParaRPr lang="en-GB" sz="3200" b="0" strike="noStrike" spc="-1">
               <a:latin typeface="Arial"/>
             </a:endParaRPr>
           </a:p>
@@ -1464,11 +1707,14 @@
       </p:sp>
     </p:spTree>
   </p:cSld>
+  <p:clrMapOvr>
+    <a:masterClrMapping/>
+  </p:clrMapOvr>
 </p:sldLayout>
 </file>
 
 <file path=ppt/slideLayouts/slideLayout22.xml><?xml version="1.0" encoding="utf-8"?>
-<p:sldLayout xmlns:a="http://schemas.openxmlformats.org/drawingml/2006/main" xmlns:p="http://schemas.openxmlformats.org/presentationml/2006/main" xmlns:r="http://schemas.openxmlformats.org/officeDocument/2006/relationships" xmlns:p14="http://schemas.microsoft.com/office/powerpoint/2010/main" xmlns:p15="http://schemas.microsoft.com/office/powerpoint/2012/main" xmlns:mc="http://schemas.openxmlformats.org/markup-compatibility/2006" type="objOverTx" preserve="1">
+<p:sldLayout xmlns:a="http://schemas.openxmlformats.org/drawingml/2006/main" xmlns:r="http://schemas.openxmlformats.org/officeDocument/2006/relationships" xmlns:p="http://schemas.openxmlformats.org/presentationml/2006/main" type="objOverTx" preserve="1">
   <p:cSld name="Title, Content over Content">
     <p:spTree>
       <p:nvGrpSpPr>
@@ -1504,10 +1750,11 @@
           </a:prstGeom>
         </p:spPr>
         <p:txBody>
-          <a:bodyPr lIns="0" rIns="0" tIns="0" bIns="0" anchor="ctr"/>
+          <a:bodyPr lIns="0" tIns="0" rIns="0" bIns="0" anchor="ctr"/>
+          <a:lstStyle/>
           <a:p>
             <a:pPr algn="ctr"/>
-            <a:endParaRPr b="0" lang="en-GB" sz="4400" spc="-1" strike="noStrike">
+            <a:endParaRPr lang="en-GB" sz="4400" b="0" strike="noStrike" spc="-1">
               <a:latin typeface="Arial"/>
             </a:endParaRPr>
           </a:p>
@@ -1533,11 +1780,12 @@
           </a:prstGeom>
         </p:spPr>
         <p:txBody>
-          <a:bodyPr lIns="0" rIns="0" tIns="0" bIns="0">
+          <a:bodyPr lIns="0" tIns="0" rIns="0" bIns="0">
             <a:normAutofit/>
           </a:bodyPr>
-          <a:p>
-            <a:endParaRPr b="0" lang="en-GB" sz="3200" spc="-1" strike="noStrike">
+          <a:lstStyle/>
+          <a:p>
+            <a:endParaRPr lang="en-GB" sz="3200" b="0" strike="noStrike" spc="-1">
               <a:latin typeface="Arial"/>
             </a:endParaRPr>
           </a:p>
@@ -1563,11 +1811,12 @@
           </a:prstGeom>
         </p:spPr>
         <p:txBody>
-          <a:bodyPr lIns="0" rIns="0" tIns="0" bIns="0">
+          <a:bodyPr lIns="0" tIns="0" rIns="0" bIns="0">
             <a:normAutofit/>
           </a:bodyPr>
-          <a:p>
-            <a:endParaRPr b="0" lang="en-GB" sz="3200" spc="-1" strike="noStrike">
+          <a:lstStyle/>
+          <a:p>
+            <a:endParaRPr lang="en-GB" sz="3200" b="0" strike="noStrike" spc="-1">
               <a:latin typeface="Arial"/>
             </a:endParaRPr>
           </a:p>
@@ -1575,11 +1824,14 @@
       </p:sp>
     </p:spTree>
   </p:cSld>
+  <p:clrMapOvr>
+    <a:masterClrMapping/>
+  </p:clrMapOvr>
 </p:sldLayout>
 </file>
 
 <file path=ppt/slideLayouts/slideLayout23.xml><?xml version="1.0" encoding="utf-8"?>
-<p:sldLayout xmlns:a="http://schemas.openxmlformats.org/drawingml/2006/main" xmlns:p="http://schemas.openxmlformats.org/presentationml/2006/main" xmlns:r="http://schemas.openxmlformats.org/officeDocument/2006/relationships" xmlns:p14="http://schemas.microsoft.com/office/powerpoint/2010/main" xmlns:p15="http://schemas.microsoft.com/office/powerpoint/2012/main" xmlns:mc="http://schemas.openxmlformats.org/markup-compatibility/2006" type="fourObj" preserve="1">
+<p:sldLayout xmlns:a="http://schemas.openxmlformats.org/drawingml/2006/main" xmlns:r="http://schemas.openxmlformats.org/officeDocument/2006/relationships" xmlns:p="http://schemas.openxmlformats.org/presentationml/2006/main" type="fourObj" preserve="1">
   <p:cSld name="Title, 4 Content">
     <p:spTree>
       <p:nvGrpSpPr>
@@ -1615,10 +1867,11 @@
           </a:prstGeom>
         </p:spPr>
         <p:txBody>
-          <a:bodyPr lIns="0" rIns="0" tIns="0" bIns="0" anchor="ctr"/>
+          <a:bodyPr lIns="0" tIns="0" rIns="0" bIns="0" anchor="ctr"/>
+          <a:lstStyle/>
           <a:p>
             <a:pPr algn="ctr"/>
-            <a:endParaRPr b="0" lang="en-GB" sz="4400" spc="-1" strike="noStrike">
+            <a:endParaRPr lang="en-GB" sz="4400" b="0" strike="noStrike" spc="-1">
               <a:latin typeface="Arial"/>
             </a:endParaRPr>
           </a:p>
@@ -1644,11 +1897,12 @@
           </a:prstGeom>
         </p:spPr>
         <p:txBody>
-          <a:bodyPr lIns="0" rIns="0" tIns="0" bIns="0">
+          <a:bodyPr lIns="0" tIns="0" rIns="0" bIns="0">
             <a:normAutofit/>
           </a:bodyPr>
-          <a:p>
-            <a:endParaRPr b="0" lang="en-GB" sz="3200" spc="-1" strike="noStrike">
+          <a:lstStyle/>
+          <a:p>
+            <a:endParaRPr lang="en-GB" sz="3200" b="0" strike="noStrike" spc="-1">
               <a:latin typeface="Arial"/>
             </a:endParaRPr>
           </a:p>
@@ -1674,11 +1928,12 @@
           </a:prstGeom>
         </p:spPr>
         <p:txBody>
-          <a:bodyPr lIns="0" rIns="0" tIns="0" bIns="0">
+          <a:bodyPr lIns="0" tIns="0" rIns="0" bIns="0">
             <a:normAutofit/>
           </a:bodyPr>
-          <a:p>
-            <a:endParaRPr b="0" lang="en-GB" sz="3200" spc="-1" strike="noStrike">
+          <a:lstStyle/>
+          <a:p>
+            <a:endParaRPr lang="en-GB" sz="3200" b="0" strike="noStrike" spc="-1">
               <a:latin typeface="Arial"/>
             </a:endParaRPr>
           </a:p>
@@ -1704,11 +1959,12 @@
           </a:prstGeom>
         </p:spPr>
         <p:txBody>
-          <a:bodyPr lIns="0" rIns="0" tIns="0" bIns="0">
+          <a:bodyPr lIns="0" tIns="0" rIns="0" bIns="0">
             <a:normAutofit/>
           </a:bodyPr>
-          <a:p>
-            <a:endParaRPr b="0" lang="en-GB" sz="3200" spc="-1" strike="noStrike">
+          <a:lstStyle/>
+          <a:p>
+            <a:endParaRPr lang="en-GB" sz="3200" b="0" strike="noStrike" spc="-1">
               <a:latin typeface="Arial"/>
             </a:endParaRPr>
           </a:p>
@@ -1734,11 +1990,12 @@
           </a:prstGeom>
         </p:spPr>
         <p:txBody>
-          <a:bodyPr lIns="0" rIns="0" tIns="0" bIns="0">
+          <a:bodyPr lIns="0" tIns="0" rIns="0" bIns="0">
             <a:normAutofit/>
           </a:bodyPr>
-          <a:p>
-            <a:endParaRPr b="0" lang="en-GB" sz="3200" spc="-1" strike="noStrike">
+          <a:lstStyle/>
+          <a:p>
+            <a:endParaRPr lang="en-GB" sz="3200" b="0" strike="noStrike" spc="-1">
               <a:latin typeface="Arial"/>
             </a:endParaRPr>
           </a:p>
@@ -1746,11 +2003,14 @@
       </p:sp>
     </p:spTree>
   </p:cSld>
+  <p:clrMapOvr>
+    <a:masterClrMapping/>
+  </p:clrMapOvr>
 </p:sldLayout>
 </file>
 
 <file path=ppt/slideLayouts/slideLayout24.xml><?xml version="1.0" encoding="utf-8"?>
-<p:sldLayout xmlns:a="http://schemas.openxmlformats.org/drawingml/2006/main" xmlns:p="http://schemas.openxmlformats.org/presentationml/2006/main" xmlns:r="http://schemas.openxmlformats.org/officeDocument/2006/relationships" xmlns:p14="http://schemas.microsoft.com/office/powerpoint/2010/main" xmlns:p15="http://schemas.microsoft.com/office/powerpoint/2012/main" xmlns:mc="http://schemas.openxmlformats.org/markup-compatibility/2006" type="blank" preserve="1">
+<p:sldLayout xmlns:a="http://schemas.openxmlformats.org/drawingml/2006/main" xmlns:r="http://schemas.openxmlformats.org/officeDocument/2006/relationships" xmlns:p="http://schemas.openxmlformats.org/presentationml/2006/main" type="blank" preserve="1">
   <p:cSld name="Title, 6 Content">
     <p:spTree>
       <p:nvGrpSpPr>
@@ -1786,10 +2046,11 @@
           </a:prstGeom>
         </p:spPr>
         <p:txBody>
-          <a:bodyPr lIns="0" rIns="0" tIns="0" bIns="0" anchor="ctr"/>
+          <a:bodyPr lIns="0" tIns="0" rIns="0" bIns="0" anchor="ctr"/>
+          <a:lstStyle/>
           <a:p>
             <a:pPr algn="ctr"/>
-            <a:endParaRPr b="0" lang="en-GB" sz="4400" spc="-1" strike="noStrike">
+            <a:endParaRPr lang="en-GB" sz="4400" b="0" strike="noStrike" spc="-1">
               <a:latin typeface="Arial"/>
             </a:endParaRPr>
           </a:p>
@@ -1815,11 +2076,12 @@
           </a:prstGeom>
         </p:spPr>
         <p:txBody>
-          <a:bodyPr lIns="0" rIns="0" tIns="0" bIns="0">
+          <a:bodyPr lIns="0" tIns="0" rIns="0" bIns="0">
             <a:normAutofit/>
           </a:bodyPr>
-          <a:p>
-            <a:endParaRPr b="0" lang="en-GB" sz="3200" spc="-1" strike="noStrike">
+          <a:lstStyle/>
+          <a:p>
+            <a:endParaRPr lang="en-GB" sz="3200" b="0" strike="noStrike" spc="-1">
               <a:latin typeface="Arial"/>
             </a:endParaRPr>
           </a:p>
@@ -1845,11 +2107,12 @@
           </a:prstGeom>
         </p:spPr>
         <p:txBody>
-          <a:bodyPr lIns="0" rIns="0" tIns="0" bIns="0">
+          <a:bodyPr lIns="0" tIns="0" rIns="0" bIns="0">
             <a:normAutofit/>
           </a:bodyPr>
-          <a:p>
-            <a:endParaRPr b="0" lang="en-GB" sz="3200" spc="-1" strike="noStrike">
+          <a:lstStyle/>
+          <a:p>
+            <a:endParaRPr lang="en-GB" sz="3200" b="0" strike="noStrike" spc="-1">
               <a:latin typeface="Arial"/>
             </a:endParaRPr>
           </a:p>
@@ -1875,11 +2138,12 @@
           </a:prstGeom>
         </p:spPr>
         <p:txBody>
-          <a:bodyPr lIns="0" rIns="0" tIns="0" bIns="0">
+          <a:bodyPr lIns="0" tIns="0" rIns="0" bIns="0">
             <a:normAutofit/>
           </a:bodyPr>
-          <a:p>
-            <a:endParaRPr b="0" lang="en-GB" sz="3200" spc="-1" strike="noStrike">
+          <a:lstStyle/>
+          <a:p>
+            <a:endParaRPr lang="en-GB" sz="3200" b="0" strike="noStrike" spc="-1">
               <a:latin typeface="Arial"/>
             </a:endParaRPr>
           </a:p>
@@ -1905,11 +2169,12 @@
           </a:prstGeom>
         </p:spPr>
         <p:txBody>
-          <a:bodyPr lIns="0" rIns="0" tIns="0" bIns="0">
+          <a:bodyPr lIns="0" tIns="0" rIns="0" bIns="0">
             <a:normAutofit/>
           </a:bodyPr>
-          <a:p>
-            <a:endParaRPr b="0" lang="en-GB" sz="3200" spc="-1" strike="noStrike">
+          <a:lstStyle/>
+          <a:p>
+            <a:endParaRPr lang="en-GB" sz="3200" b="0" strike="noStrike" spc="-1">
               <a:latin typeface="Arial"/>
             </a:endParaRPr>
           </a:p>
@@ -1935,11 +2200,12 @@
           </a:prstGeom>
         </p:spPr>
         <p:txBody>
-          <a:bodyPr lIns="0" rIns="0" tIns="0" bIns="0">
+          <a:bodyPr lIns="0" tIns="0" rIns="0" bIns="0">
             <a:normAutofit/>
           </a:bodyPr>
-          <a:p>
-            <a:endParaRPr b="0" lang="en-GB" sz="3200" spc="-1" strike="noStrike">
+          <a:lstStyle/>
+          <a:p>
+            <a:endParaRPr lang="en-GB" sz="3200" b="0" strike="noStrike" spc="-1">
               <a:latin typeface="Arial"/>
             </a:endParaRPr>
           </a:p>
@@ -1965,11 +2231,12 @@
           </a:prstGeom>
         </p:spPr>
         <p:txBody>
-          <a:bodyPr lIns="0" rIns="0" tIns="0" bIns="0">
+          <a:bodyPr lIns="0" tIns="0" rIns="0" bIns="0">
             <a:normAutofit/>
           </a:bodyPr>
-          <a:p>
-            <a:endParaRPr b="0" lang="en-GB" sz="3200" spc="-1" strike="noStrike">
+          <a:lstStyle/>
+          <a:p>
+            <a:endParaRPr lang="en-GB" sz="3200" b="0" strike="noStrike" spc="-1">
               <a:latin typeface="Arial"/>
             </a:endParaRPr>
           </a:p>
@@ -1977,11 +2244,14 @@
       </p:sp>
     </p:spTree>
   </p:cSld>
+  <p:clrMapOvr>
+    <a:masterClrMapping/>
+  </p:clrMapOvr>
 </p:sldLayout>
 </file>
 
 <file path=ppt/slideLayouts/slideLayout3.xml><?xml version="1.0" encoding="utf-8"?>
-<p:sldLayout xmlns:a="http://schemas.openxmlformats.org/drawingml/2006/main" xmlns:p="http://schemas.openxmlformats.org/presentationml/2006/main" xmlns:r="http://schemas.openxmlformats.org/officeDocument/2006/relationships" xmlns:p14="http://schemas.microsoft.com/office/powerpoint/2010/main" xmlns:p15="http://schemas.microsoft.com/office/powerpoint/2012/main" xmlns:mc="http://schemas.openxmlformats.org/markup-compatibility/2006" type="obj" preserve="1">
+<p:sldLayout xmlns:a="http://schemas.openxmlformats.org/drawingml/2006/main" xmlns:r="http://schemas.openxmlformats.org/officeDocument/2006/relationships" xmlns:p="http://schemas.openxmlformats.org/presentationml/2006/main" type="obj" preserve="1">
   <p:cSld name="Title, Content">
     <p:spTree>
       <p:nvGrpSpPr>
@@ -2017,10 +2287,11 @@
           </a:prstGeom>
         </p:spPr>
         <p:txBody>
-          <a:bodyPr lIns="0" rIns="0" tIns="0" bIns="0" anchor="ctr"/>
+          <a:bodyPr lIns="0" tIns="0" rIns="0" bIns="0" anchor="ctr"/>
+          <a:lstStyle/>
           <a:p>
             <a:pPr algn="ctr"/>
-            <a:endParaRPr b="0" lang="en-GB" sz="4400" spc="-1" strike="noStrike">
+            <a:endParaRPr lang="en-GB" sz="4400" b="0" strike="noStrike" spc="-1">
               <a:latin typeface="Arial"/>
             </a:endParaRPr>
           </a:p>
@@ -2046,11 +2317,12 @@
           </a:prstGeom>
         </p:spPr>
         <p:txBody>
-          <a:bodyPr lIns="0" rIns="0" tIns="0" bIns="0">
+          <a:bodyPr lIns="0" tIns="0" rIns="0" bIns="0">
             <a:normAutofit/>
           </a:bodyPr>
-          <a:p>
-            <a:endParaRPr b="0" lang="en-GB" sz="3200" spc="-1" strike="noStrike">
+          <a:lstStyle/>
+          <a:p>
+            <a:endParaRPr lang="en-GB" sz="3200" b="0" strike="noStrike" spc="-1">
               <a:latin typeface="Arial"/>
             </a:endParaRPr>
           </a:p>
@@ -2058,11 +2330,14 @@
       </p:sp>
     </p:spTree>
   </p:cSld>
+  <p:clrMapOvr>
+    <a:masterClrMapping/>
+  </p:clrMapOvr>
 </p:sldLayout>
 </file>
 
 <file path=ppt/slideLayouts/slideLayout4.xml><?xml version="1.0" encoding="utf-8"?>
-<p:sldLayout xmlns:a="http://schemas.openxmlformats.org/drawingml/2006/main" xmlns:p="http://schemas.openxmlformats.org/presentationml/2006/main" xmlns:r="http://schemas.openxmlformats.org/officeDocument/2006/relationships" xmlns:p14="http://schemas.microsoft.com/office/powerpoint/2010/main" xmlns:p15="http://schemas.microsoft.com/office/powerpoint/2012/main" xmlns:mc="http://schemas.openxmlformats.org/markup-compatibility/2006" type="twoObj" preserve="1">
+<p:sldLayout xmlns:a="http://schemas.openxmlformats.org/drawingml/2006/main" xmlns:r="http://schemas.openxmlformats.org/officeDocument/2006/relationships" xmlns:p="http://schemas.openxmlformats.org/presentationml/2006/main" type="twoObj" preserve="1">
   <p:cSld name="Title, 2 Content">
     <p:spTree>
       <p:nvGrpSpPr>
@@ -2098,10 +2373,11 @@
           </a:prstGeom>
         </p:spPr>
         <p:txBody>
-          <a:bodyPr lIns="0" rIns="0" tIns="0" bIns="0" anchor="ctr"/>
+          <a:bodyPr lIns="0" tIns="0" rIns="0" bIns="0" anchor="ctr"/>
+          <a:lstStyle/>
           <a:p>
             <a:pPr algn="ctr"/>
-            <a:endParaRPr b="0" lang="en-GB" sz="4400" spc="-1" strike="noStrike">
+            <a:endParaRPr lang="en-GB" sz="4400" b="0" strike="noStrike" spc="-1">
               <a:latin typeface="Arial"/>
             </a:endParaRPr>
           </a:p>
@@ -2127,11 +2403,12 @@
           </a:prstGeom>
         </p:spPr>
         <p:txBody>
-          <a:bodyPr lIns="0" rIns="0" tIns="0" bIns="0">
+          <a:bodyPr lIns="0" tIns="0" rIns="0" bIns="0">
             <a:normAutofit/>
           </a:bodyPr>
-          <a:p>
-            <a:endParaRPr b="0" lang="en-GB" sz="3200" spc="-1" strike="noStrike">
+          <a:lstStyle/>
+          <a:p>
+            <a:endParaRPr lang="en-GB" sz="3200" b="0" strike="noStrike" spc="-1">
               <a:latin typeface="Arial"/>
             </a:endParaRPr>
           </a:p>
@@ -2157,11 +2434,12 @@
           </a:prstGeom>
         </p:spPr>
         <p:txBody>
-          <a:bodyPr lIns="0" rIns="0" tIns="0" bIns="0">
+          <a:bodyPr lIns="0" tIns="0" rIns="0" bIns="0">
             <a:normAutofit/>
           </a:bodyPr>
-          <a:p>
-            <a:endParaRPr b="0" lang="en-GB" sz="3200" spc="-1" strike="noStrike">
+          <a:lstStyle/>
+          <a:p>
+            <a:endParaRPr lang="en-GB" sz="3200" b="0" strike="noStrike" spc="-1">
               <a:latin typeface="Arial"/>
             </a:endParaRPr>
           </a:p>
@@ -2169,11 +2447,14 @@
       </p:sp>
     </p:spTree>
   </p:cSld>
+  <p:clrMapOvr>
+    <a:masterClrMapping/>
+  </p:clrMapOvr>
 </p:sldLayout>
 </file>
 
 <file path=ppt/slideLayouts/slideLayout5.xml><?xml version="1.0" encoding="utf-8"?>
-<p:sldLayout xmlns:a="http://schemas.openxmlformats.org/drawingml/2006/main" xmlns:p="http://schemas.openxmlformats.org/presentationml/2006/main" xmlns:r="http://schemas.openxmlformats.org/officeDocument/2006/relationships" xmlns:p14="http://schemas.microsoft.com/office/powerpoint/2010/main" xmlns:p15="http://schemas.microsoft.com/office/powerpoint/2012/main" xmlns:mc="http://schemas.openxmlformats.org/markup-compatibility/2006" type="titleOnly" preserve="1">
+<p:sldLayout xmlns:a="http://schemas.openxmlformats.org/drawingml/2006/main" xmlns:r="http://schemas.openxmlformats.org/officeDocument/2006/relationships" xmlns:p="http://schemas.openxmlformats.org/presentationml/2006/main" type="titleOnly" preserve="1">
   <p:cSld name="Title Only">
     <p:spTree>
       <p:nvGrpSpPr>
@@ -2209,10 +2490,11 @@
           </a:prstGeom>
         </p:spPr>
         <p:txBody>
-          <a:bodyPr lIns="0" rIns="0" tIns="0" bIns="0" anchor="ctr"/>
+          <a:bodyPr lIns="0" tIns="0" rIns="0" bIns="0" anchor="ctr"/>
+          <a:lstStyle/>
           <a:p>
             <a:pPr algn="ctr"/>
-            <a:endParaRPr b="0" lang="en-GB" sz="4400" spc="-1" strike="noStrike">
+            <a:endParaRPr lang="en-GB" sz="4400" b="0" strike="noStrike" spc="-1">
               <a:latin typeface="Arial"/>
             </a:endParaRPr>
           </a:p>
@@ -2220,11 +2502,14 @@
       </p:sp>
     </p:spTree>
   </p:cSld>
+  <p:clrMapOvr>
+    <a:masterClrMapping/>
+  </p:clrMapOvr>
 </p:sldLayout>
 </file>
 
 <file path=ppt/slideLayouts/slideLayout6.xml><?xml version="1.0" encoding="utf-8"?>
-<p:sldLayout xmlns:a="http://schemas.openxmlformats.org/drawingml/2006/main" xmlns:p="http://schemas.openxmlformats.org/presentationml/2006/main" xmlns:r="http://schemas.openxmlformats.org/officeDocument/2006/relationships" xmlns:p14="http://schemas.microsoft.com/office/powerpoint/2010/main" xmlns:p15="http://schemas.microsoft.com/office/powerpoint/2012/main" xmlns:mc="http://schemas.openxmlformats.org/markup-compatibility/2006" type="objOnly" preserve="1">
+<p:sldLayout xmlns:a="http://schemas.openxmlformats.org/drawingml/2006/main" xmlns:r="http://schemas.openxmlformats.org/officeDocument/2006/relationships" xmlns:p="http://schemas.openxmlformats.org/presentationml/2006/main" type="objOnly" preserve="1">
   <p:cSld name="Centered Text">
     <p:spTree>
       <p:nvGrpSpPr>
@@ -2260,10 +2545,11 @@
           </a:prstGeom>
         </p:spPr>
         <p:txBody>
-          <a:bodyPr lIns="0" rIns="0" tIns="0" bIns="0" anchor="ctr"/>
+          <a:bodyPr lIns="0" tIns="0" rIns="0" bIns="0" anchor="ctr"/>
+          <a:lstStyle/>
           <a:p>
             <a:pPr algn="ctr"/>
-            <a:endParaRPr b="0" lang="en-GB" sz="3200" spc="-1" strike="noStrike">
+            <a:endParaRPr lang="en-GB" sz="3200" b="0" strike="noStrike" spc="-1">
               <a:latin typeface="Arial"/>
             </a:endParaRPr>
           </a:p>
@@ -2271,11 +2557,14 @@
       </p:sp>
     </p:spTree>
   </p:cSld>
+  <p:clrMapOvr>
+    <a:masterClrMapping/>
+  </p:clrMapOvr>
 </p:sldLayout>
 </file>
 
 <file path=ppt/slideLayouts/slideLayout7.xml><?xml version="1.0" encoding="utf-8"?>
-<p:sldLayout xmlns:a="http://schemas.openxmlformats.org/drawingml/2006/main" xmlns:p="http://schemas.openxmlformats.org/presentationml/2006/main" xmlns:r="http://schemas.openxmlformats.org/officeDocument/2006/relationships" xmlns:p14="http://schemas.microsoft.com/office/powerpoint/2010/main" xmlns:p15="http://schemas.microsoft.com/office/powerpoint/2012/main" xmlns:mc="http://schemas.openxmlformats.org/markup-compatibility/2006" type="twoObjAndObj" preserve="1">
+<p:sldLayout xmlns:a="http://schemas.openxmlformats.org/drawingml/2006/main" xmlns:r="http://schemas.openxmlformats.org/officeDocument/2006/relationships" xmlns:p="http://schemas.openxmlformats.org/presentationml/2006/main" type="twoObjAndObj" preserve="1">
   <p:cSld name="Title, 2 Content and Content">
     <p:spTree>
       <p:nvGrpSpPr>
@@ -2311,10 +2600,11 @@
           </a:prstGeom>
         </p:spPr>
         <p:txBody>
-          <a:bodyPr lIns="0" rIns="0" tIns="0" bIns="0" anchor="ctr"/>
+          <a:bodyPr lIns="0" tIns="0" rIns="0" bIns="0" anchor="ctr"/>
+          <a:lstStyle/>
           <a:p>
             <a:pPr algn="ctr"/>
-            <a:endParaRPr b="0" lang="en-GB" sz="4400" spc="-1" strike="noStrike">
+            <a:endParaRPr lang="en-GB" sz="4400" b="0" strike="noStrike" spc="-1">
               <a:latin typeface="Arial"/>
             </a:endParaRPr>
           </a:p>
@@ -2340,11 +2630,12 @@
           </a:prstGeom>
         </p:spPr>
         <p:txBody>
-          <a:bodyPr lIns="0" rIns="0" tIns="0" bIns="0">
+          <a:bodyPr lIns="0" tIns="0" rIns="0" bIns="0">
             <a:normAutofit/>
           </a:bodyPr>
-          <a:p>
-            <a:endParaRPr b="0" lang="en-GB" sz="3200" spc="-1" strike="noStrike">
+          <a:lstStyle/>
+          <a:p>
+            <a:endParaRPr lang="en-GB" sz="3200" b="0" strike="noStrike" spc="-1">
               <a:latin typeface="Arial"/>
             </a:endParaRPr>
           </a:p>
@@ -2370,11 +2661,12 @@
           </a:prstGeom>
         </p:spPr>
         <p:txBody>
-          <a:bodyPr lIns="0" rIns="0" tIns="0" bIns="0">
+          <a:bodyPr lIns="0" tIns="0" rIns="0" bIns="0">
             <a:normAutofit/>
           </a:bodyPr>
-          <a:p>
-            <a:endParaRPr b="0" lang="en-GB" sz="3200" spc="-1" strike="noStrike">
+          <a:lstStyle/>
+          <a:p>
+            <a:endParaRPr lang="en-GB" sz="3200" b="0" strike="noStrike" spc="-1">
               <a:latin typeface="Arial"/>
             </a:endParaRPr>
           </a:p>
@@ -2400,11 +2692,12 @@
           </a:prstGeom>
         </p:spPr>
         <p:txBody>
-          <a:bodyPr lIns="0" rIns="0" tIns="0" bIns="0">
+          <a:bodyPr lIns="0" tIns="0" rIns="0" bIns="0">
             <a:normAutofit/>
           </a:bodyPr>
-          <a:p>
-            <a:endParaRPr b="0" lang="en-GB" sz="3200" spc="-1" strike="noStrike">
+          <a:lstStyle/>
+          <a:p>
+            <a:endParaRPr lang="en-GB" sz="3200" b="0" strike="noStrike" spc="-1">
               <a:latin typeface="Arial"/>
             </a:endParaRPr>
           </a:p>
@@ -2412,11 +2705,14 @@
       </p:sp>
     </p:spTree>
   </p:cSld>
+  <p:clrMapOvr>
+    <a:masterClrMapping/>
+  </p:clrMapOvr>
 </p:sldLayout>
 </file>
 
 <file path=ppt/slideLayouts/slideLayout8.xml><?xml version="1.0" encoding="utf-8"?>
-<p:sldLayout xmlns:a="http://schemas.openxmlformats.org/drawingml/2006/main" xmlns:p="http://schemas.openxmlformats.org/presentationml/2006/main" xmlns:r="http://schemas.openxmlformats.org/officeDocument/2006/relationships" xmlns:p14="http://schemas.microsoft.com/office/powerpoint/2010/main" xmlns:p15="http://schemas.microsoft.com/office/powerpoint/2012/main" xmlns:mc="http://schemas.openxmlformats.org/markup-compatibility/2006" type="objAndTwoObj" preserve="1">
+<p:sldLayout xmlns:a="http://schemas.openxmlformats.org/drawingml/2006/main" xmlns:r="http://schemas.openxmlformats.org/officeDocument/2006/relationships" xmlns:p="http://schemas.openxmlformats.org/presentationml/2006/main" type="objAndTwoObj" preserve="1">
   <p:cSld name="Title Content and 2 Content">
     <p:spTree>
       <p:nvGrpSpPr>
@@ -2452,10 +2748,11 @@
           </a:prstGeom>
         </p:spPr>
         <p:txBody>
-          <a:bodyPr lIns="0" rIns="0" tIns="0" bIns="0" anchor="ctr"/>
+          <a:bodyPr lIns="0" tIns="0" rIns="0" bIns="0" anchor="ctr"/>
+          <a:lstStyle/>
           <a:p>
             <a:pPr algn="ctr"/>
-            <a:endParaRPr b="0" lang="en-GB" sz="4400" spc="-1" strike="noStrike">
+            <a:endParaRPr lang="en-GB" sz="4400" b="0" strike="noStrike" spc="-1">
               <a:latin typeface="Arial"/>
             </a:endParaRPr>
           </a:p>
@@ -2481,11 +2778,12 @@
           </a:prstGeom>
         </p:spPr>
         <p:txBody>
-          <a:bodyPr lIns="0" rIns="0" tIns="0" bIns="0">
+          <a:bodyPr lIns="0" tIns="0" rIns="0" bIns="0">
             <a:normAutofit/>
           </a:bodyPr>
-          <a:p>
-            <a:endParaRPr b="0" lang="en-GB" sz="3200" spc="-1" strike="noStrike">
+          <a:lstStyle/>
+          <a:p>
+            <a:endParaRPr lang="en-GB" sz="3200" b="0" strike="noStrike" spc="-1">
               <a:latin typeface="Arial"/>
             </a:endParaRPr>
           </a:p>
@@ -2511,11 +2809,12 @@
           </a:prstGeom>
         </p:spPr>
         <p:txBody>
-          <a:bodyPr lIns="0" rIns="0" tIns="0" bIns="0">
+          <a:bodyPr lIns="0" tIns="0" rIns="0" bIns="0">
             <a:normAutofit/>
           </a:bodyPr>
-          <a:p>
-            <a:endParaRPr b="0" lang="en-GB" sz="3200" spc="-1" strike="noStrike">
+          <a:lstStyle/>
+          <a:p>
+            <a:endParaRPr lang="en-GB" sz="3200" b="0" strike="noStrike" spc="-1">
               <a:latin typeface="Arial"/>
             </a:endParaRPr>
           </a:p>
@@ -2541,11 +2840,12 @@
           </a:prstGeom>
         </p:spPr>
         <p:txBody>
-          <a:bodyPr lIns="0" rIns="0" tIns="0" bIns="0">
+          <a:bodyPr lIns="0" tIns="0" rIns="0" bIns="0">
             <a:normAutofit/>
           </a:bodyPr>
-          <a:p>
-            <a:endParaRPr b="0" lang="en-GB" sz="3200" spc="-1" strike="noStrike">
+          <a:lstStyle/>
+          <a:p>
+            <a:endParaRPr lang="en-GB" sz="3200" b="0" strike="noStrike" spc="-1">
               <a:latin typeface="Arial"/>
             </a:endParaRPr>
           </a:p>
@@ -2553,11 +2853,14 @@
       </p:sp>
     </p:spTree>
   </p:cSld>
+  <p:clrMapOvr>
+    <a:masterClrMapping/>
+  </p:clrMapOvr>
 </p:sldLayout>
 </file>
 
 <file path=ppt/slideLayouts/slideLayout9.xml><?xml version="1.0" encoding="utf-8"?>
-<p:sldLayout xmlns:a="http://schemas.openxmlformats.org/drawingml/2006/main" xmlns:p="http://schemas.openxmlformats.org/presentationml/2006/main" xmlns:r="http://schemas.openxmlformats.org/officeDocument/2006/relationships" xmlns:p14="http://schemas.microsoft.com/office/powerpoint/2010/main" xmlns:p15="http://schemas.microsoft.com/office/powerpoint/2012/main" xmlns:mc="http://schemas.openxmlformats.org/markup-compatibility/2006" type="twoObjOverTx" preserve="1">
+<p:sldLayout xmlns:a="http://schemas.openxmlformats.org/drawingml/2006/main" xmlns:r="http://schemas.openxmlformats.org/officeDocument/2006/relationships" xmlns:p="http://schemas.openxmlformats.org/presentationml/2006/main" type="twoObjOverTx" preserve="1">
   <p:cSld name="Title, 2 Content over Content">
     <p:spTree>
       <p:nvGrpSpPr>
@@ -2593,10 +2896,11 @@
           </a:prstGeom>
         </p:spPr>
         <p:txBody>
-          <a:bodyPr lIns="0" rIns="0" tIns="0" bIns="0" anchor="ctr"/>
+          <a:bodyPr lIns="0" tIns="0" rIns="0" bIns="0" anchor="ctr"/>
+          <a:lstStyle/>
           <a:p>
             <a:pPr algn="ctr"/>
-            <a:endParaRPr b="0" lang="en-GB" sz="4400" spc="-1" strike="noStrike">
+            <a:endParaRPr lang="en-GB" sz="4400" b="0" strike="noStrike" spc="-1">
               <a:latin typeface="Arial"/>
             </a:endParaRPr>
           </a:p>
@@ -2622,11 +2926,12 @@
           </a:prstGeom>
         </p:spPr>
         <p:txBody>
-          <a:bodyPr lIns="0" rIns="0" tIns="0" bIns="0">
+          <a:bodyPr lIns="0" tIns="0" rIns="0" bIns="0">
             <a:normAutofit/>
           </a:bodyPr>
-          <a:p>
-            <a:endParaRPr b="0" lang="en-GB" sz="3200" spc="-1" strike="noStrike">
+          <a:lstStyle/>
+          <a:p>
+            <a:endParaRPr lang="en-GB" sz="3200" b="0" strike="noStrike" spc="-1">
               <a:latin typeface="Arial"/>
             </a:endParaRPr>
           </a:p>
@@ -2652,11 +2957,12 @@
           </a:prstGeom>
         </p:spPr>
         <p:txBody>
-          <a:bodyPr lIns="0" rIns="0" tIns="0" bIns="0">
+          <a:bodyPr lIns="0" tIns="0" rIns="0" bIns="0">
             <a:normAutofit/>
           </a:bodyPr>
-          <a:p>
-            <a:endParaRPr b="0" lang="en-GB" sz="3200" spc="-1" strike="noStrike">
+          <a:lstStyle/>
+          <a:p>
+            <a:endParaRPr lang="en-GB" sz="3200" b="0" strike="noStrike" spc="-1">
               <a:latin typeface="Arial"/>
             </a:endParaRPr>
           </a:p>
@@ -2682,11 +2988,12 @@
           </a:prstGeom>
         </p:spPr>
         <p:txBody>
-          <a:bodyPr lIns="0" rIns="0" tIns="0" bIns="0">
+          <a:bodyPr lIns="0" tIns="0" rIns="0" bIns="0">
             <a:normAutofit/>
           </a:bodyPr>
-          <a:p>
-            <a:endParaRPr b="0" lang="en-GB" sz="3200" spc="-1" strike="noStrike">
+          <a:lstStyle/>
+          <a:p>
+            <a:endParaRPr lang="en-GB" sz="3200" b="0" strike="noStrike" spc="-1">
               <a:latin typeface="Arial"/>
             </a:endParaRPr>
           </a:p>
@@ -2694,12 +3001,20 @@
       </p:sp>
     </p:spTree>
   </p:cSld>
+  <p:clrMapOvr>
+    <a:masterClrMapping/>
+  </p:clrMapOvr>
 </p:sldLayout>
 </file>
 
 <file path=ppt/slideMasters/slideMaster1.xml><?xml version="1.0" encoding="utf-8"?>
-<p:sldMaster xmlns:a="http://schemas.openxmlformats.org/drawingml/2006/main" xmlns:p="http://schemas.openxmlformats.org/presentationml/2006/main" xmlns:r="http://schemas.openxmlformats.org/officeDocument/2006/relationships" xmlns:p14="http://schemas.microsoft.com/office/powerpoint/2010/main" xmlns:p15="http://schemas.microsoft.com/office/powerpoint/2012/main" xmlns:mc="http://schemas.openxmlformats.org/markup-compatibility/2006">
+<p:sldMaster xmlns:a="http://schemas.openxmlformats.org/drawingml/2006/main" xmlns:r="http://schemas.openxmlformats.org/officeDocument/2006/relationships" xmlns:p="http://schemas.openxmlformats.org/presentationml/2006/main">
   <p:cSld>
+    <p:bg>
+      <p:bgRef idx="1001">
+        <a:schemeClr val="bg1"/>
+      </p:bgRef>
+    </p:bg>
     <p:spTree>
       <p:nvGrpSpPr>
         <p:cNvPr id="1" name=""/>
@@ -2716,7 +3031,7 @@
       </p:grpSpPr>
       <p:sp>
         <p:nvSpPr>
-          <p:cNvPr id="0" name="PlaceHolder 1"/>
+          <p:cNvPr id="2" name="PlaceHolder 1"/>
           <p:cNvSpPr>
             <a:spLocks noGrp="1"/>
           </p:cNvSpPr>
@@ -2734,23 +3049,21 @@
           </a:prstGeom>
         </p:spPr>
         <p:txBody>
-          <a:bodyPr lIns="0" rIns="0" tIns="0" bIns="0" anchor="ctr"/>
-          <a:p>
-            <a:r>
-              <a:rPr b="0" lang="en-GB" sz="1800" spc="-1" strike="noStrike">
+          <a:bodyPr lIns="0" tIns="0" rIns="0" bIns="0" anchor="ctr"/>
+          <a:lstStyle/>
+          <a:p>
+            <a:r>
+              <a:rPr lang="en-GB" sz="1800" b="0" strike="noStrike" spc="-1">
                 <a:latin typeface="Arial"/>
               </a:rPr>
               <a:t>Click to edit the title text format</a:t>
             </a:r>
-            <a:endParaRPr b="0" lang="en-GB" sz="1800" spc="-1" strike="noStrike">
-              <a:latin typeface="Arial"/>
-            </a:endParaRPr>
-          </a:p>
-        </p:txBody>
-      </p:sp>
-      <p:sp>
-        <p:nvSpPr>
-          <p:cNvPr id="1" name="PlaceHolder 2"/>
+          </a:p>
+        </p:txBody>
+      </p:sp>
+      <p:sp>
+        <p:nvSpPr>
+          <p:cNvPr id="3" name="PlaceHolder 2"/>
           <p:cNvSpPr>
             <a:spLocks noGrp="1"/>
           </p:cNvSpPr>
@@ -2768,9 +3081,10 @@
           </a:prstGeom>
         </p:spPr>
         <p:txBody>
-          <a:bodyPr lIns="0" rIns="0" tIns="0" bIns="0">
+          <a:bodyPr lIns="0" tIns="0" rIns="0" bIns="0">
             <a:normAutofit/>
           </a:bodyPr>
+          <a:lstStyle/>
           <a:p>
             <a:pPr marL="432000" indent="-324000">
               <a:spcBef>
@@ -2784,17 +3098,14 @@
               <a:buChar char=""/>
             </a:pPr>
             <a:r>
-              <a:rPr b="0" lang="en-GB" sz="3200" spc="-1" strike="noStrike">
+              <a:rPr lang="en-GB" sz="3200" b="0" strike="noStrike" spc="-1">
                 <a:latin typeface="Arial"/>
               </a:rPr>
               <a:t>Click to edit the outline text format</a:t>
             </a:r>
-            <a:endParaRPr b="0" lang="en-GB" sz="3200" spc="-1" strike="noStrike">
-              <a:latin typeface="Arial"/>
-            </a:endParaRPr>
-          </a:p>
-          <a:p>
-            <a:pPr lvl="1" marL="864000" indent="-324000">
+          </a:p>
+          <a:p>
+            <a:pPr marL="864000" lvl="1" indent="-324000">
               <a:spcBef>
                 <a:spcPts val="1134"/>
               </a:spcBef>
@@ -2806,17 +3117,14 @@
               <a:buChar char=""/>
             </a:pPr>
             <a:r>
-              <a:rPr b="0" lang="en-GB" sz="2800" spc="-1" strike="noStrike">
+              <a:rPr lang="en-GB" sz="2800" b="0" strike="noStrike" spc="-1">
                 <a:latin typeface="Arial"/>
               </a:rPr>
               <a:t>Second Outline Level</a:t>
             </a:r>
-            <a:endParaRPr b="0" lang="en-GB" sz="2800" spc="-1" strike="noStrike">
-              <a:latin typeface="Arial"/>
-            </a:endParaRPr>
-          </a:p>
-          <a:p>
-            <a:pPr lvl="2" marL="1296000" indent="-288000">
+          </a:p>
+          <a:p>
+            <a:pPr marL="1296000" lvl="2" indent="-288000">
               <a:spcBef>
                 <a:spcPts val="850"/>
               </a:spcBef>
@@ -2828,17 +3136,14 @@
               <a:buChar char=""/>
             </a:pPr>
             <a:r>
-              <a:rPr b="0" lang="en-GB" sz="2400" spc="-1" strike="noStrike">
+              <a:rPr lang="en-GB" sz="2400" b="0" strike="noStrike" spc="-1">
                 <a:latin typeface="Arial"/>
               </a:rPr>
               <a:t>Third Outline Level</a:t>
             </a:r>
-            <a:endParaRPr b="0" lang="en-GB" sz="2400" spc="-1" strike="noStrike">
-              <a:latin typeface="Arial"/>
-            </a:endParaRPr>
-          </a:p>
-          <a:p>
-            <a:pPr lvl="3" marL="1728000" indent="-216000">
+          </a:p>
+          <a:p>
+            <a:pPr marL="1728000" lvl="3" indent="-216000">
               <a:spcBef>
                 <a:spcPts val="567"/>
               </a:spcBef>
@@ -2850,17 +3155,14 @@
               <a:buChar char=""/>
             </a:pPr>
             <a:r>
-              <a:rPr b="0" lang="en-GB" sz="2000" spc="-1" strike="noStrike">
+              <a:rPr lang="en-GB" sz="2000" b="0" strike="noStrike" spc="-1">
                 <a:latin typeface="Arial"/>
               </a:rPr>
               <a:t>Fourth Outline Level</a:t>
             </a:r>
-            <a:endParaRPr b="0" lang="en-GB" sz="2000" spc="-1" strike="noStrike">
-              <a:latin typeface="Arial"/>
-            </a:endParaRPr>
-          </a:p>
-          <a:p>
-            <a:pPr lvl="4" marL="2160000" indent="-216000">
+          </a:p>
+          <a:p>
+            <a:pPr marL="2160000" lvl="4" indent="-216000">
               <a:spcBef>
                 <a:spcPts val="283"/>
               </a:spcBef>
@@ -2872,17 +3174,14 @@
               <a:buChar char=""/>
             </a:pPr>
             <a:r>
-              <a:rPr b="0" lang="en-GB" sz="2000" spc="-1" strike="noStrike">
+              <a:rPr lang="en-GB" sz="2000" b="0" strike="noStrike" spc="-1">
                 <a:latin typeface="Arial"/>
               </a:rPr>
               <a:t>Fifth Outline Level</a:t>
             </a:r>
-            <a:endParaRPr b="0" lang="en-GB" sz="2000" spc="-1" strike="noStrike">
-              <a:latin typeface="Arial"/>
-            </a:endParaRPr>
-          </a:p>
-          <a:p>
-            <a:pPr lvl="5" marL="2592000" indent="-216000">
+          </a:p>
+          <a:p>
+            <a:pPr marL="2592000" lvl="5" indent="-216000">
               <a:spcBef>
                 <a:spcPts val="283"/>
               </a:spcBef>
@@ -2894,17 +3193,14 @@
               <a:buChar char=""/>
             </a:pPr>
             <a:r>
-              <a:rPr b="0" lang="en-GB" sz="2000" spc="-1" strike="noStrike">
+              <a:rPr lang="en-GB" sz="2000" b="0" strike="noStrike" spc="-1">
                 <a:latin typeface="Arial"/>
               </a:rPr>
               <a:t>Sixth Outline Level</a:t>
             </a:r>
-            <a:endParaRPr b="0" lang="en-GB" sz="2000" spc="-1" strike="noStrike">
-              <a:latin typeface="Arial"/>
-            </a:endParaRPr>
-          </a:p>
-          <a:p>
-            <a:pPr lvl="6" marL="3024000" indent="-216000">
+          </a:p>
+          <a:p>
+            <a:pPr marL="3024000" lvl="6" indent="-216000">
               <a:spcBef>
                 <a:spcPts val="283"/>
               </a:spcBef>
@@ -2916,40 +3212,322 @@
               <a:buChar char=""/>
             </a:pPr>
             <a:r>
-              <a:rPr b="0" lang="en-GB" sz="2000" spc="-1" strike="noStrike">
+              <a:rPr lang="en-GB" sz="2000" b="0" strike="noStrike" spc="-1">
                 <a:latin typeface="Arial"/>
               </a:rPr>
               <a:t>Seventh Outline Level</a:t>
             </a:r>
-            <a:endParaRPr b="0" lang="en-GB" sz="2000" spc="-1" strike="noStrike">
-              <a:latin typeface="Arial"/>
-            </a:endParaRPr>
           </a:p>
         </p:txBody>
       </p:sp>
     </p:spTree>
   </p:cSld>
-  <p:clrMap bg1="lt1" bg2="lt2" tx1="dk1" tx2="dk2" accent1="accent1" accent2="accent2" accent3="accent3" accent4="accent4" accent5="accent5" accent6="accent6" hlink="hlink" folHlink="folHlink"/>
+  <p:clrMap bg1="lt1" tx1="dk1" bg2="lt2" tx2="dk2" accent1="accent1" accent2="accent2" accent3="accent3" accent4="accent4" accent5="accent5" accent6="accent6" hlink="hlink" folHlink="folHlink"/>
   <p:sldLayoutIdLst>
-    <p:sldLayoutId id="2147483649" r:id="rId2"/>
-    <p:sldLayoutId id="2147483650" r:id="rId3"/>
-    <p:sldLayoutId id="2147483651" r:id="rId4"/>
-    <p:sldLayoutId id="2147483652" r:id="rId5"/>
-    <p:sldLayoutId id="2147483653" r:id="rId6"/>
-    <p:sldLayoutId id="2147483654" r:id="rId7"/>
-    <p:sldLayoutId id="2147483655" r:id="rId8"/>
-    <p:sldLayoutId id="2147483656" r:id="rId9"/>
-    <p:sldLayoutId id="2147483657" r:id="rId10"/>
-    <p:sldLayoutId id="2147483658" r:id="rId11"/>
-    <p:sldLayoutId id="2147483659" r:id="rId12"/>
-    <p:sldLayoutId id="2147483660" r:id="rId13"/>
+    <p:sldLayoutId id="2147483649" r:id="rId1"/>
+    <p:sldLayoutId id="2147483650" r:id="rId2"/>
+    <p:sldLayoutId id="2147483651" r:id="rId3"/>
+    <p:sldLayoutId id="2147483652" r:id="rId4"/>
+    <p:sldLayoutId id="2147483653" r:id="rId5"/>
+    <p:sldLayoutId id="2147483654" r:id="rId6"/>
+    <p:sldLayoutId id="2147483655" r:id="rId7"/>
+    <p:sldLayoutId id="2147483656" r:id="rId8"/>
+    <p:sldLayoutId id="2147483657" r:id="rId9"/>
+    <p:sldLayoutId id="2147483658" r:id="rId10"/>
+    <p:sldLayoutId id="2147483659" r:id="rId11"/>
+    <p:sldLayoutId id="2147483660" r:id="rId12"/>
   </p:sldLayoutIdLst>
+  <p:txStyles>
+    <p:titleStyle>
+      <a:lvl1pPr algn="l" defTabSz="914400" rtl="0" eaLnBrk="1" latinLnBrk="0" hangingPunct="1">
+        <a:lnSpc>
+          <a:spcPct val="90000"/>
+        </a:lnSpc>
+        <a:spcBef>
+          <a:spcPct val="0"/>
+        </a:spcBef>
+        <a:buNone/>
+        <a:defRPr sz="4400" kern="1200">
+          <a:solidFill>
+            <a:schemeClr val="tx1"/>
+          </a:solidFill>
+          <a:latin typeface="+mj-lt"/>
+          <a:ea typeface="+mj-ea"/>
+          <a:cs typeface="+mj-cs"/>
+        </a:defRPr>
+      </a:lvl1pPr>
+    </p:titleStyle>
+    <p:bodyStyle>
+      <a:lvl1pPr marL="228600" indent="-228600" algn="l" defTabSz="914400" rtl="0" eaLnBrk="1" latinLnBrk="0" hangingPunct="1">
+        <a:lnSpc>
+          <a:spcPct val="90000"/>
+        </a:lnSpc>
+        <a:spcBef>
+          <a:spcPts val="1000"/>
+        </a:spcBef>
+        <a:buFont typeface="Arial" panose="020B0604020202020204" pitchFamily="34" charset="0"/>
+        <a:buChar char="•"/>
+        <a:defRPr sz="2800" kern="1200">
+          <a:solidFill>
+            <a:schemeClr val="tx1"/>
+          </a:solidFill>
+          <a:latin typeface="+mn-lt"/>
+          <a:ea typeface="+mn-ea"/>
+          <a:cs typeface="+mn-cs"/>
+        </a:defRPr>
+      </a:lvl1pPr>
+      <a:lvl2pPr marL="685800" indent="-228600" algn="l" defTabSz="914400" rtl="0" eaLnBrk="1" latinLnBrk="0" hangingPunct="1">
+        <a:lnSpc>
+          <a:spcPct val="90000"/>
+        </a:lnSpc>
+        <a:spcBef>
+          <a:spcPts val="500"/>
+        </a:spcBef>
+        <a:buFont typeface="Arial" panose="020B0604020202020204" pitchFamily="34" charset="0"/>
+        <a:buChar char="•"/>
+        <a:defRPr sz="2400" kern="1200">
+          <a:solidFill>
+            <a:schemeClr val="tx1"/>
+          </a:solidFill>
+          <a:latin typeface="+mn-lt"/>
+          <a:ea typeface="+mn-ea"/>
+          <a:cs typeface="+mn-cs"/>
+        </a:defRPr>
+      </a:lvl2pPr>
+      <a:lvl3pPr marL="1143000" indent="-228600" algn="l" defTabSz="914400" rtl="0" eaLnBrk="1" latinLnBrk="0" hangingPunct="1">
+        <a:lnSpc>
+          <a:spcPct val="90000"/>
+        </a:lnSpc>
+        <a:spcBef>
+          <a:spcPts val="500"/>
+        </a:spcBef>
+        <a:buFont typeface="Arial" panose="020B0604020202020204" pitchFamily="34" charset="0"/>
+        <a:buChar char="•"/>
+        <a:defRPr sz="2000" kern="1200">
+          <a:solidFill>
+            <a:schemeClr val="tx1"/>
+          </a:solidFill>
+          <a:latin typeface="+mn-lt"/>
+          <a:ea typeface="+mn-ea"/>
+          <a:cs typeface="+mn-cs"/>
+        </a:defRPr>
+      </a:lvl3pPr>
+      <a:lvl4pPr marL="1600200" indent="-228600" algn="l" defTabSz="914400" rtl="0" eaLnBrk="1" latinLnBrk="0" hangingPunct="1">
+        <a:lnSpc>
+          <a:spcPct val="90000"/>
+        </a:lnSpc>
+        <a:spcBef>
+          <a:spcPts val="500"/>
+        </a:spcBef>
+        <a:buFont typeface="Arial" panose="020B0604020202020204" pitchFamily="34" charset="0"/>
+        <a:buChar char="•"/>
+        <a:defRPr sz="1800" kern="1200">
+          <a:solidFill>
+            <a:schemeClr val="tx1"/>
+          </a:solidFill>
+          <a:latin typeface="+mn-lt"/>
+          <a:ea typeface="+mn-ea"/>
+          <a:cs typeface="+mn-cs"/>
+        </a:defRPr>
+      </a:lvl4pPr>
+      <a:lvl5pPr marL="2057400" indent="-228600" algn="l" defTabSz="914400" rtl="0" eaLnBrk="1" latinLnBrk="0" hangingPunct="1">
+        <a:lnSpc>
+          <a:spcPct val="90000"/>
+        </a:lnSpc>
+        <a:spcBef>
+          <a:spcPts val="500"/>
+        </a:spcBef>
+        <a:buFont typeface="Arial" panose="020B0604020202020204" pitchFamily="34" charset="0"/>
+        <a:buChar char="•"/>
+        <a:defRPr sz="1800" kern="1200">
+          <a:solidFill>
+            <a:schemeClr val="tx1"/>
+          </a:solidFill>
+          <a:latin typeface="+mn-lt"/>
+          <a:ea typeface="+mn-ea"/>
+          <a:cs typeface="+mn-cs"/>
+        </a:defRPr>
+      </a:lvl5pPr>
+      <a:lvl6pPr marL="2514600" indent="-228600" algn="l" defTabSz="914400" rtl="0" eaLnBrk="1" latinLnBrk="0" hangingPunct="1">
+        <a:lnSpc>
+          <a:spcPct val="90000"/>
+        </a:lnSpc>
+        <a:spcBef>
+          <a:spcPts val="500"/>
+        </a:spcBef>
+        <a:buFont typeface="Arial" panose="020B0604020202020204" pitchFamily="34" charset="0"/>
+        <a:buChar char="•"/>
+        <a:defRPr sz="1800" kern="1200">
+          <a:solidFill>
+            <a:schemeClr val="tx1"/>
+          </a:solidFill>
+          <a:latin typeface="+mn-lt"/>
+          <a:ea typeface="+mn-ea"/>
+          <a:cs typeface="+mn-cs"/>
+        </a:defRPr>
+      </a:lvl6pPr>
+      <a:lvl7pPr marL="2971800" indent="-228600" algn="l" defTabSz="914400" rtl="0" eaLnBrk="1" latinLnBrk="0" hangingPunct="1">
+        <a:lnSpc>
+          <a:spcPct val="90000"/>
+        </a:lnSpc>
+        <a:spcBef>
+          <a:spcPts val="500"/>
+        </a:spcBef>
+        <a:buFont typeface="Arial" panose="020B0604020202020204" pitchFamily="34" charset="0"/>
+        <a:buChar char="•"/>
+        <a:defRPr sz="1800" kern="1200">
+          <a:solidFill>
+            <a:schemeClr val="tx1"/>
+          </a:solidFill>
+          <a:latin typeface="+mn-lt"/>
+          <a:ea typeface="+mn-ea"/>
+          <a:cs typeface="+mn-cs"/>
+        </a:defRPr>
+      </a:lvl7pPr>
+      <a:lvl8pPr marL="3429000" indent="-228600" algn="l" defTabSz="914400" rtl="0" eaLnBrk="1" latinLnBrk="0" hangingPunct="1">
+        <a:lnSpc>
+          <a:spcPct val="90000"/>
+        </a:lnSpc>
+        <a:spcBef>
+          <a:spcPts val="500"/>
+        </a:spcBef>
+        <a:buFont typeface="Arial" panose="020B0604020202020204" pitchFamily="34" charset="0"/>
+        <a:buChar char="•"/>
+        <a:defRPr sz="1800" kern="1200">
+          <a:solidFill>
+            <a:schemeClr val="tx1"/>
+          </a:solidFill>
+          <a:latin typeface="+mn-lt"/>
+          <a:ea typeface="+mn-ea"/>
+          <a:cs typeface="+mn-cs"/>
+        </a:defRPr>
+      </a:lvl8pPr>
+      <a:lvl9pPr marL="3886200" indent="-228600" algn="l" defTabSz="914400" rtl="0" eaLnBrk="1" latinLnBrk="0" hangingPunct="1">
+        <a:lnSpc>
+          <a:spcPct val="90000"/>
+        </a:lnSpc>
+        <a:spcBef>
+          <a:spcPts val="500"/>
+        </a:spcBef>
+        <a:buFont typeface="Arial" panose="020B0604020202020204" pitchFamily="34" charset="0"/>
+        <a:buChar char="•"/>
+        <a:defRPr sz="1800" kern="1200">
+          <a:solidFill>
+            <a:schemeClr val="tx1"/>
+          </a:solidFill>
+          <a:latin typeface="+mn-lt"/>
+          <a:ea typeface="+mn-ea"/>
+          <a:cs typeface="+mn-cs"/>
+        </a:defRPr>
+      </a:lvl9pPr>
+    </p:bodyStyle>
+    <p:otherStyle>
+      <a:defPPr>
+        <a:defRPr lang="en-US"/>
+      </a:defPPr>
+      <a:lvl1pPr marL="0" algn="l" defTabSz="914400" rtl="0" eaLnBrk="1" latinLnBrk="0" hangingPunct="1">
+        <a:defRPr sz="1800" kern="1200">
+          <a:solidFill>
+            <a:schemeClr val="tx1"/>
+          </a:solidFill>
+          <a:latin typeface="+mn-lt"/>
+          <a:ea typeface="+mn-ea"/>
+          <a:cs typeface="+mn-cs"/>
+        </a:defRPr>
+      </a:lvl1pPr>
+      <a:lvl2pPr marL="457200" algn="l" defTabSz="914400" rtl="0" eaLnBrk="1" latinLnBrk="0" hangingPunct="1">
+        <a:defRPr sz="1800" kern="1200">
+          <a:solidFill>
+            <a:schemeClr val="tx1"/>
+          </a:solidFill>
+          <a:latin typeface="+mn-lt"/>
+          <a:ea typeface="+mn-ea"/>
+          <a:cs typeface="+mn-cs"/>
+        </a:defRPr>
+      </a:lvl2pPr>
+      <a:lvl3pPr marL="914400" algn="l" defTabSz="914400" rtl="0" eaLnBrk="1" latinLnBrk="0" hangingPunct="1">
+        <a:defRPr sz="1800" kern="1200">
+          <a:solidFill>
+            <a:schemeClr val="tx1"/>
+          </a:solidFill>
+          <a:latin typeface="+mn-lt"/>
+          <a:ea typeface="+mn-ea"/>
+          <a:cs typeface="+mn-cs"/>
+        </a:defRPr>
+      </a:lvl3pPr>
+      <a:lvl4pPr marL="1371600" algn="l" defTabSz="914400" rtl="0" eaLnBrk="1" latinLnBrk="0" hangingPunct="1">
+        <a:defRPr sz="1800" kern="1200">
+          <a:solidFill>
+            <a:schemeClr val="tx1"/>
+          </a:solidFill>
+          <a:latin typeface="+mn-lt"/>
+          <a:ea typeface="+mn-ea"/>
+          <a:cs typeface="+mn-cs"/>
+        </a:defRPr>
+      </a:lvl4pPr>
+      <a:lvl5pPr marL="1828800" algn="l" defTabSz="914400" rtl="0" eaLnBrk="1" latinLnBrk="0" hangingPunct="1">
+        <a:defRPr sz="1800" kern="1200">
+          <a:solidFill>
+            <a:schemeClr val="tx1"/>
+          </a:solidFill>
+          <a:latin typeface="+mn-lt"/>
+          <a:ea typeface="+mn-ea"/>
+          <a:cs typeface="+mn-cs"/>
+        </a:defRPr>
+      </a:lvl5pPr>
+      <a:lvl6pPr marL="2286000" algn="l" defTabSz="914400" rtl="0" eaLnBrk="1" latinLnBrk="0" hangingPunct="1">
+        <a:defRPr sz="1800" kern="1200">
+          <a:solidFill>
+            <a:schemeClr val="tx1"/>
+          </a:solidFill>
+          <a:latin typeface="+mn-lt"/>
+          <a:ea typeface="+mn-ea"/>
+          <a:cs typeface="+mn-cs"/>
+        </a:defRPr>
+      </a:lvl6pPr>
+      <a:lvl7pPr marL="2743200" algn="l" defTabSz="914400" rtl="0" eaLnBrk="1" latinLnBrk="0" hangingPunct="1">
+        <a:defRPr sz="1800" kern="1200">
+          <a:solidFill>
+            <a:schemeClr val="tx1"/>
+          </a:solidFill>
+          <a:latin typeface="+mn-lt"/>
+          <a:ea typeface="+mn-ea"/>
+          <a:cs typeface="+mn-cs"/>
+        </a:defRPr>
+      </a:lvl7pPr>
+      <a:lvl8pPr marL="3200400" algn="l" defTabSz="914400" rtl="0" eaLnBrk="1" latinLnBrk="0" hangingPunct="1">
+        <a:defRPr sz="1800" kern="1200">
+          <a:solidFill>
+            <a:schemeClr val="tx1"/>
+          </a:solidFill>
+          <a:latin typeface="+mn-lt"/>
+          <a:ea typeface="+mn-ea"/>
+          <a:cs typeface="+mn-cs"/>
+        </a:defRPr>
+      </a:lvl8pPr>
+      <a:lvl9pPr marL="3657600" algn="l" defTabSz="914400" rtl="0" eaLnBrk="1" latinLnBrk="0" hangingPunct="1">
+        <a:defRPr sz="1800" kern="1200">
+          <a:solidFill>
+            <a:schemeClr val="tx1"/>
+          </a:solidFill>
+          <a:latin typeface="+mn-lt"/>
+          <a:ea typeface="+mn-ea"/>
+          <a:cs typeface="+mn-cs"/>
+        </a:defRPr>
+      </a:lvl9pPr>
+    </p:otherStyle>
+  </p:txStyles>
 </p:sldMaster>
 </file>
 
 <file path=ppt/slideMasters/slideMaster2.xml><?xml version="1.0" encoding="utf-8"?>
-<p:sldMaster xmlns:a="http://schemas.openxmlformats.org/drawingml/2006/main" xmlns:p="http://schemas.openxmlformats.org/presentationml/2006/main" xmlns:r="http://schemas.openxmlformats.org/officeDocument/2006/relationships" xmlns:p14="http://schemas.microsoft.com/office/powerpoint/2010/main" xmlns:p15="http://schemas.microsoft.com/office/powerpoint/2012/main" xmlns:mc="http://schemas.openxmlformats.org/markup-compatibility/2006">
+<p:sldMaster xmlns:a="http://schemas.openxmlformats.org/drawingml/2006/main" xmlns:r="http://schemas.openxmlformats.org/officeDocument/2006/relationships" xmlns:p="http://schemas.openxmlformats.org/presentationml/2006/main">
   <p:cSld>
+    <p:bg>
+      <p:bgRef idx="1001">
+        <a:schemeClr val="bg1"/>
+      </p:bgRef>
+    </p:bg>
     <p:spTree>
       <p:nvGrpSpPr>
         <p:cNvPr id="1" name=""/>
@@ -2984,17 +3562,15 @@
           </a:prstGeom>
         </p:spPr>
         <p:txBody>
-          <a:bodyPr lIns="0" rIns="0" tIns="0" bIns="0" anchor="ctr"/>
-          <a:p>
-            <a:r>
-              <a:rPr b="0" lang="en-GB" sz="1800" spc="-1" strike="noStrike">
+          <a:bodyPr lIns="0" tIns="0" rIns="0" bIns="0" anchor="ctr"/>
+          <a:lstStyle/>
+          <a:p>
+            <a:r>
+              <a:rPr lang="en-GB" sz="1800" b="0" strike="noStrike" spc="-1">
                 <a:latin typeface="Arial"/>
               </a:rPr>
               <a:t>Click to edit the title text format</a:t>
             </a:r>
-            <a:endParaRPr b="0" lang="en-GB" sz="1800" spc="-1" strike="noStrike">
-              <a:latin typeface="Arial"/>
-            </a:endParaRPr>
           </a:p>
         </p:txBody>
       </p:sp>
@@ -3018,9 +3594,10 @@
           </a:prstGeom>
         </p:spPr>
         <p:txBody>
-          <a:bodyPr lIns="0" rIns="0" tIns="0" bIns="0">
+          <a:bodyPr lIns="0" tIns="0" rIns="0" bIns="0">
             <a:normAutofit/>
           </a:bodyPr>
+          <a:lstStyle/>
           <a:p>
             <a:pPr marL="432000" indent="-324000">
               <a:spcBef>
@@ -3034,17 +3611,14 @@
               <a:buChar char=""/>
             </a:pPr>
             <a:r>
-              <a:rPr b="0" lang="en-GB" sz="1800" spc="-1" strike="noStrike">
+              <a:rPr lang="en-GB" sz="1800" b="0" strike="noStrike" spc="-1">
                 <a:latin typeface="Arial"/>
               </a:rPr>
               <a:t>Click to edit the outline text format</a:t>
             </a:r>
-            <a:endParaRPr b="0" lang="en-GB" sz="1800" spc="-1" strike="noStrike">
-              <a:latin typeface="Arial"/>
-            </a:endParaRPr>
-          </a:p>
-          <a:p>
-            <a:pPr lvl="1" marL="864000" indent="-324000">
+          </a:p>
+          <a:p>
+            <a:pPr marL="864000" lvl="1" indent="-324000">
               <a:spcBef>
                 <a:spcPts val="1134"/>
               </a:spcBef>
@@ -3056,17 +3630,14 @@
               <a:buChar char=""/>
             </a:pPr>
             <a:r>
-              <a:rPr b="0" lang="en-GB" sz="1800" spc="-1" strike="noStrike">
+              <a:rPr lang="en-GB" sz="1800" b="0" strike="noStrike" spc="-1">
                 <a:latin typeface="Arial"/>
               </a:rPr>
               <a:t>Second Outline Level</a:t>
             </a:r>
-            <a:endParaRPr b="0" lang="en-GB" sz="1800" spc="-1" strike="noStrike">
-              <a:latin typeface="Arial"/>
-            </a:endParaRPr>
-          </a:p>
-          <a:p>
-            <a:pPr lvl="2" marL="1296000" indent="-288000">
+          </a:p>
+          <a:p>
+            <a:pPr marL="1296000" lvl="2" indent="-288000">
               <a:spcBef>
                 <a:spcPts val="850"/>
               </a:spcBef>
@@ -3078,17 +3649,14 @@
               <a:buChar char=""/>
             </a:pPr>
             <a:r>
-              <a:rPr b="0" lang="en-GB" sz="1800" spc="-1" strike="noStrike">
+              <a:rPr lang="en-GB" sz="1800" b="0" strike="noStrike" spc="-1">
                 <a:latin typeface="Arial"/>
               </a:rPr>
               <a:t>Third Outline Level</a:t>
             </a:r>
-            <a:endParaRPr b="0" lang="en-GB" sz="1800" spc="-1" strike="noStrike">
-              <a:latin typeface="Arial"/>
-            </a:endParaRPr>
-          </a:p>
-          <a:p>
-            <a:pPr lvl="3" marL="1728000" indent="-216000">
+          </a:p>
+          <a:p>
+            <a:pPr marL="1728000" lvl="3" indent="-216000">
               <a:spcBef>
                 <a:spcPts val="567"/>
               </a:spcBef>
@@ -3100,17 +3668,14 @@
               <a:buChar char=""/>
             </a:pPr>
             <a:r>
-              <a:rPr b="0" lang="en-GB" sz="1800" spc="-1" strike="noStrike">
+              <a:rPr lang="en-GB" sz="1800" b="0" strike="noStrike" spc="-1">
                 <a:latin typeface="Arial"/>
               </a:rPr>
               <a:t>Fourth Outline Level</a:t>
             </a:r>
-            <a:endParaRPr b="0" lang="en-GB" sz="1800" spc="-1" strike="noStrike">
-              <a:latin typeface="Arial"/>
-            </a:endParaRPr>
-          </a:p>
-          <a:p>
-            <a:pPr lvl="4" marL="2160000" indent="-216000">
+          </a:p>
+          <a:p>
+            <a:pPr marL="2160000" lvl="4" indent="-216000">
               <a:spcBef>
                 <a:spcPts val="283"/>
               </a:spcBef>
@@ -3122,17 +3687,14 @@
               <a:buChar char=""/>
             </a:pPr>
             <a:r>
-              <a:rPr b="0" lang="en-GB" sz="1800" spc="-1" strike="noStrike">
+              <a:rPr lang="en-GB" sz="1800" b="0" strike="noStrike" spc="-1">
                 <a:latin typeface="Arial"/>
               </a:rPr>
               <a:t>Fifth Outline Level</a:t>
             </a:r>
-            <a:endParaRPr b="0" lang="en-GB" sz="1800" spc="-1" strike="noStrike">
-              <a:latin typeface="Arial"/>
-            </a:endParaRPr>
-          </a:p>
-          <a:p>
-            <a:pPr lvl="5" marL="2592000" indent="-216000">
+          </a:p>
+          <a:p>
+            <a:pPr marL="2592000" lvl="5" indent="-216000">
               <a:spcBef>
                 <a:spcPts val="283"/>
               </a:spcBef>
@@ -3144,17 +3706,14 @@
               <a:buChar char=""/>
             </a:pPr>
             <a:r>
-              <a:rPr b="0" lang="en-GB" sz="1800" spc="-1" strike="noStrike">
+              <a:rPr lang="en-GB" sz="1800" b="0" strike="noStrike" spc="-1">
                 <a:latin typeface="Arial"/>
               </a:rPr>
               <a:t>Sixth Outline Level</a:t>
             </a:r>
-            <a:endParaRPr b="0" lang="en-GB" sz="1800" spc="-1" strike="noStrike">
-              <a:latin typeface="Arial"/>
-            </a:endParaRPr>
-          </a:p>
-          <a:p>
-            <a:pPr lvl="6" marL="3024000" indent="-216000">
+          </a:p>
+          <a:p>
+            <a:pPr marL="3024000" lvl="6" indent="-216000">
               <a:spcBef>
                 <a:spcPts val="283"/>
               </a:spcBef>
@@ -3166,40 +3725,325 @@
               <a:buChar char=""/>
             </a:pPr>
             <a:r>
-              <a:rPr b="0" lang="en-GB" sz="1800" spc="-1" strike="noStrike">
+              <a:rPr lang="en-GB" sz="1800" b="0" strike="noStrike" spc="-1">
                 <a:latin typeface="Arial"/>
               </a:rPr>
               <a:t>Seventh Outline Level</a:t>
             </a:r>
-            <a:endParaRPr b="0" lang="en-GB" sz="1800" spc="-1" strike="noStrike">
-              <a:latin typeface="Arial"/>
-            </a:endParaRPr>
           </a:p>
         </p:txBody>
       </p:sp>
     </p:spTree>
   </p:cSld>
-  <p:clrMap bg1="lt1" bg2="lt2" tx1="dk1" tx2="dk2" accent1="accent1" accent2="accent2" accent3="accent3" accent4="accent4" accent5="accent5" accent6="accent6" hlink="hlink" folHlink="folHlink"/>
+  <p:clrMap bg1="lt1" tx1="dk1" bg2="lt2" tx2="dk2" accent1="accent1" accent2="accent2" accent3="accent3" accent4="accent4" accent5="accent5" accent6="accent6" hlink="hlink" folHlink="folHlink"/>
   <p:sldLayoutIdLst>
-    <p:sldLayoutId id="2147483662" r:id="rId2"/>
-    <p:sldLayoutId id="2147483663" r:id="rId3"/>
-    <p:sldLayoutId id="2147483664" r:id="rId4"/>
-    <p:sldLayoutId id="2147483665" r:id="rId5"/>
-    <p:sldLayoutId id="2147483666" r:id="rId6"/>
-    <p:sldLayoutId id="2147483667" r:id="rId7"/>
-    <p:sldLayoutId id="2147483668" r:id="rId8"/>
-    <p:sldLayoutId id="2147483669" r:id="rId9"/>
-    <p:sldLayoutId id="2147483670" r:id="rId10"/>
-    <p:sldLayoutId id="2147483671" r:id="rId11"/>
-    <p:sldLayoutId id="2147483672" r:id="rId12"/>
-    <p:sldLayoutId id="2147483673" r:id="rId13"/>
+    <p:sldLayoutId id="2147483662" r:id="rId1"/>
+    <p:sldLayoutId id="2147483663" r:id="rId2"/>
+    <p:sldLayoutId id="2147483664" r:id="rId3"/>
+    <p:sldLayoutId id="2147483665" r:id="rId4"/>
+    <p:sldLayoutId id="2147483666" r:id="rId5"/>
+    <p:sldLayoutId id="2147483667" r:id="rId6"/>
+    <p:sldLayoutId id="2147483668" r:id="rId7"/>
+    <p:sldLayoutId id="2147483669" r:id="rId8"/>
+    <p:sldLayoutId id="2147483670" r:id="rId9"/>
+    <p:sldLayoutId id="2147483671" r:id="rId10"/>
+    <p:sldLayoutId id="2147483672" r:id="rId11"/>
+    <p:sldLayoutId id="2147483673" r:id="rId12"/>
   </p:sldLayoutIdLst>
+  <p:txStyles>
+    <p:titleStyle>
+      <a:lvl1pPr algn="l" defTabSz="914400" rtl="0" eaLnBrk="1" latinLnBrk="0" hangingPunct="1">
+        <a:lnSpc>
+          <a:spcPct val="90000"/>
+        </a:lnSpc>
+        <a:spcBef>
+          <a:spcPct val="0"/>
+        </a:spcBef>
+        <a:buNone/>
+        <a:defRPr sz="4400" kern="1200">
+          <a:solidFill>
+            <a:schemeClr val="tx1"/>
+          </a:solidFill>
+          <a:latin typeface="+mj-lt"/>
+          <a:ea typeface="+mj-ea"/>
+          <a:cs typeface="+mj-cs"/>
+        </a:defRPr>
+      </a:lvl1pPr>
+    </p:titleStyle>
+    <p:bodyStyle>
+      <a:lvl1pPr marL="228600" indent="-228600" algn="l" defTabSz="914400" rtl="0" eaLnBrk="1" latinLnBrk="0" hangingPunct="1">
+        <a:lnSpc>
+          <a:spcPct val="90000"/>
+        </a:lnSpc>
+        <a:spcBef>
+          <a:spcPts val="1000"/>
+        </a:spcBef>
+        <a:buFont typeface="Arial" panose="020B0604020202020204" pitchFamily="34" charset="0"/>
+        <a:buChar char="•"/>
+        <a:defRPr sz="2800" kern="1200">
+          <a:solidFill>
+            <a:schemeClr val="tx1"/>
+          </a:solidFill>
+          <a:latin typeface="+mn-lt"/>
+          <a:ea typeface="+mn-ea"/>
+          <a:cs typeface="+mn-cs"/>
+        </a:defRPr>
+      </a:lvl1pPr>
+      <a:lvl2pPr marL="685800" indent="-228600" algn="l" defTabSz="914400" rtl="0" eaLnBrk="1" latinLnBrk="0" hangingPunct="1">
+        <a:lnSpc>
+          <a:spcPct val="90000"/>
+        </a:lnSpc>
+        <a:spcBef>
+          <a:spcPts val="500"/>
+        </a:spcBef>
+        <a:buFont typeface="Arial" panose="020B0604020202020204" pitchFamily="34" charset="0"/>
+        <a:buChar char="•"/>
+        <a:defRPr sz="2400" kern="1200">
+          <a:solidFill>
+            <a:schemeClr val="tx1"/>
+          </a:solidFill>
+          <a:latin typeface="+mn-lt"/>
+          <a:ea typeface="+mn-ea"/>
+          <a:cs typeface="+mn-cs"/>
+        </a:defRPr>
+      </a:lvl2pPr>
+      <a:lvl3pPr marL="1143000" indent="-228600" algn="l" defTabSz="914400" rtl="0" eaLnBrk="1" latinLnBrk="0" hangingPunct="1">
+        <a:lnSpc>
+          <a:spcPct val="90000"/>
+        </a:lnSpc>
+        <a:spcBef>
+          <a:spcPts val="500"/>
+        </a:spcBef>
+        <a:buFont typeface="Arial" panose="020B0604020202020204" pitchFamily="34" charset="0"/>
+        <a:buChar char="•"/>
+        <a:defRPr sz="2000" kern="1200">
+          <a:solidFill>
+            <a:schemeClr val="tx1"/>
+          </a:solidFill>
+          <a:latin typeface="+mn-lt"/>
+          <a:ea typeface="+mn-ea"/>
+          <a:cs typeface="+mn-cs"/>
+        </a:defRPr>
+      </a:lvl3pPr>
+      <a:lvl4pPr marL="1600200" indent="-228600" algn="l" defTabSz="914400" rtl="0" eaLnBrk="1" latinLnBrk="0" hangingPunct="1">
+        <a:lnSpc>
+          <a:spcPct val="90000"/>
+        </a:lnSpc>
+        <a:spcBef>
+          <a:spcPts val="500"/>
+        </a:spcBef>
+        <a:buFont typeface="Arial" panose="020B0604020202020204" pitchFamily="34" charset="0"/>
+        <a:buChar char="•"/>
+        <a:defRPr sz="1800" kern="1200">
+          <a:solidFill>
+            <a:schemeClr val="tx1"/>
+          </a:solidFill>
+          <a:latin typeface="+mn-lt"/>
+          <a:ea typeface="+mn-ea"/>
+          <a:cs typeface="+mn-cs"/>
+        </a:defRPr>
+      </a:lvl4pPr>
+      <a:lvl5pPr marL="2057400" indent="-228600" algn="l" defTabSz="914400" rtl="0" eaLnBrk="1" latinLnBrk="0" hangingPunct="1">
+        <a:lnSpc>
+          <a:spcPct val="90000"/>
+        </a:lnSpc>
+        <a:spcBef>
+          <a:spcPts val="500"/>
+        </a:spcBef>
+        <a:buFont typeface="Arial" panose="020B0604020202020204" pitchFamily="34" charset="0"/>
+        <a:buChar char="•"/>
+        <a:defRPr sz="1800" kern="1200">
+          <a:solidFill>
+            <a:schemeClr val="tx1"/>
+          </a:solidFill>
+          <a:latin typeface="+mn-lt"/>
+          <a:ea typeface="+mn-ea"/>
+          <a:cs typeface="+mn-cs"/>
+        </a:defRPr>
+      </a:lvl5pPr>
+      <a:lvl6pPr marL="2514600" indent="-228600" algn="l" defTabSz="914400" rtl="0" eaLnBrk="1" latinLnBrk="0" hangingPunct="1">
+        <a:lnSpc>
+          <a:spcPct val="90000"/>
+        </a:lnSpc>
+        <a:spcBef>
+          <a:spcPts val="500"/>
+        </a:spcBef>
+        <a:buFont typeface="Arial" panose="020B0604020202020204" pitchFamily="34" charset="0"/>
+        <a:buChar char="•"/>
+        <a:defRPr sz="1800" kern="1200">
+          <a:solidFill>
+            <a:schemeClr val="tx1"/>
+          </a:solidFill>
+          <a:latin typeface="+mn-lt"/>
+          <a:ea typeface="+mn-ea"/>
+          <a:cs typeface="+mn-cs"/>
+        </a:defRPr>
+      </a:lvl6pPr>
+      <a:lvl7pPr marL="2971800" indent="-228600" algn="l" defTabSz="914400" rtl="0" eaLnBrk="1" latinLnBrk="0" hangingPunct="1">
+        <a:lnSpc>
+          <a:spcPct val="90000"/>
+        </a:lnSpc>
+        <a:spcBef>
+          <a:spcPts val="500"/>
+        </a:spcBef>
+        <a:buFont typeface="Arial" panose="020B0604020202020204" pitchFamily="34" charset="0"/>
+        <a:buChar char="•"/>
+        <a:defRPr sz="1800" kern="1200">
+          <a:solidFill>
+            <a:schemeClr val="tx1"/>
+          </a:solidFill>
+          <a:latin typeface="+mn-lt"/>
+          <a:ea typeface="+mn-ea"/>
+          <a:cs typeface="+mn-cs"/>
+        </a:defRPr>
+      </a:lvl7pPr>
+      <a:lvl8pPr marL="3429000" indent="-228600" algn="l" defTabSz="914400" rtl="0" eaLnBrk="1" latinLnBrk="0" hangingPunct="1">
+        <a:lnSpc>
+          <a:spcPct val="90000"/>
+        </a:lnSpc>
+        <a:spcBef>
+          <a:spcPts val="500"/>
+        </a:spcBef>
+        <a:buFont typeface="Arial" panose="020B0604020202020204" pitchFamily="34" charset="0"/>
+        <a:buChar char="•"/>
+        <a:defRPr sz="1800" kern="1200">
+          <a:solidFill>
+            <a:schemeClr val="tx1"/>
+          </a:solidFill>
+          <a:latin typeface="+mn-lt"/>
+          <a:ea typeface="+mn-ea"/>
+          <a:cs typeface="+mn-cs"/>
+        </a:defRPr>
+      </a:lvl8pPr>
+      <a:lvl9pPr marL="3886200" indent="-228600" algn="l" defTabSz="914400" rtl="0" eaLnBrk="1" latinLnBrk="0" hangingPunct="1">
+        <a:lnSpc>
+          <a:spcPct val="90000"/>
+        </a:lnSpc>
+        <a:spcBef>
+          <a:spcPts val="500"/>
+        </a:spcBef>
+        <a:buFont typeface="Arial" panose="020B0604020202020204" pitchFamily="34" charset="0"/>
+        <a:buChar char="•"/>
+        <a:defRPr sz="1800" kern="1200">
+          <a:solidFill>
+            <a:schemeClr val="tx1"/>
+          </a:solidFill>
+          <a:latin typeface="+mn-lt"/>
+          <a:ea typeface="+mn-ea"/>
+          <a:cs typeface="+mn-cs"/>
+        </a:defRPr>
+      </a:lvl9pPr>
+    </p:bodyStyle>
+    <p:otherStyle>
+      <a:defPPr>
+        <a:defRPr lang="en-US"/>
+      </a:defPPr>
+      <a:lvl1pPr marL="0" algn="l" defTabSz="914400" rtl="0" eaLnBrk="1" latinLnBrk="0" hangingPunct="1">
+        <a:defRPr sz="1800" kern="1200">
+          <a:solidFill>
+            <a:schemeClr val="tx1"/>
+          </a:solidFill>
+          <a:latin typeface="+mn-lt"/>
+          <a:ea typeface="+mn-ea"/>
+          <a:cs typeface="+mn-cs"/>
+        </a:defRPr>
+      </a:lvl1pPr>
+      <a:lvl2pPr marL="457200" algn="l" defTabSz="914400" rtl="0" eaLnBrk="1" latinLnBrk="0" hangingPunct="1">
+        <a:defRPr sz="1800" kern="1200">
+          <a:solidFill>
+            <a:schemeClr val="tx1"/>
+          </a:solidFill>
+          <a:latin typeface="+mn-lt"/>
+          <a:ea typeface="+mn-ea"/>
+          <a:cs typeface="+mn-cs"/>
+        </a:defRPr>
+      </a:lvl2pPr>
+      <a:lvl3pPr marL="914400" algn="l" defTabSz="914400" rtl="0" eaLnBrk="1" latinLnBrk="0" hangingPunct="1">
+        <a:defRPr sz="1800" kern="1200">
+          <a:solidFill>
+            <a:schemeClr val="tx1"/>
+          </a:solidFill>
+          <a:latin typeface="+mn-lt"/>
+          <a:ea typeface="+mn-ea"/>
+          <a:cs typeface="+mn-cs"/>
+        </a:defRPr>
+      </a:lvl3pPr>
+      <a:lvl4pPr marL="1371600" algn="l" defTabSz="914400" rtl="0" eaLnBrk="1" latinLnBrk="0" hangingPunct="1">
+        <a:defRPr sz="1800" kern="1200">
+          <a:solidFill>
+            <a:schemeClr val="tx1"/>
+          </a:solidFill>
+          <a:latin typeface="+mn-lt"/>
+          <a:ea typeface="+mn-ea"/>
+          <a:cs typeface="+mn-cs"/>
+        </a:defRPr>
+      </a:lvl4pPr>
+      <a:lvl5pPr marL="1828800" algn="l" defTabSz="914400" rtl="0" eaLnBrk="1" latinLnBrk="0" hangingPunct="1">
+        <a:defRPr sz="1800" kern="1200">
+          <a:solidFill>
+            <a:schemeClr val="tx1"/>
+          </a:solidFill>
+          <a:latin typeface="+mn-lt"/>
+          <a:ea typeface="+mn-ea"/>
+          <a:cs typeface="+mn-cs"/>
+        </a:defRPr>
+      </a:lvl5pPr>
+      <a:lvl6pPr marL="2286000" algn="l" defTabSz="914400" rtl="0" eaLnBrk="1" latinLnBrk="0" hangingPunct="1">
+        <a:defRPr sz="1800" kern="1200">
+          <a:solidFill>
+            <a:schemeClr val="tx1"/>
+          </a:solidFill>
+          <a:latin typeface="+mn-lt"/>
+          <a:ea typeface="+mn-ea"/>
+          <a:cs typeface="+mn-cs"/>
+        </a:defRPr>
+      </a:lvl6pPr>
+      <a:lvl7pPr marL="2743200" algn="l" defTabSz="914400" rtl="0" eaLnBrk="1" latinLnBrk="0" hangingPunct="1">
+        <a:defRPr sz="1800" kern="1200">
+          <a:solidFill>
+            <a:schemeClr val="tx1"/>
+          </a:solidFill>
+          <a:latin typeface="+mn-lt"/>
+          <a:ea typeface="+mn-ea"/>
+          <a:cs typeface="+mn-cs"/>
+        </a:defRPr>
+      </a:lvl7pPr>
+      <a:lvl8pPr marL="3200400" algn="l" defTabSz="914400" rtl="0" eaLnBrk="1" latinLnBrk="0" hangingPunct="1">
+        <a:defRPr sz="1800" kern="1200">
+          <a:solidFill>
+            <a:schemeClr val="tx1"/>
+          </a:solidFill>
+          <a:latin typeface="+mn-lt"/>
+          <a:ea typeface="+mn-ea"/>
+          <a:cs typeface="+mn-cs"/>
+        </a:defRPr>
+      </a:lvl8pPr>
+      <a:lvl9pPr marL="3657600" algn="l" defTabSz="914400" rtl="0" eaLnBrk="1" latinLnBrk="0" hangingPunct="1">
+        <a:defRPr sz="1800" kern="1200">
+          <a:solidFill>
+            <a:schemeClr val="tx1"/>
+          </a:solidFill>
+          <a:latin typeface="+mn-lt"/>
+          <a:ea typeface="+mn-ea"/>
+          <a:cs typeface="+mn-cs"/>
+        </a:defRPr>
+      </a:lvl9pPr>
+    </p:otherStyle>
+  </p:txStyles>
 </p:sldMaster>
 </file>
 
 <file path=ppt/slides/slide1.xml><?xml version="1.0" encoding="utf-8"?>
-<p:sld xmlns:a="http://schemas.openxmlformats.org/drawingml/2006/main" xmlns:p="http://schemas.openxmlformats.org/presentationml/2006/main" xmlns:r="http://schemas.openxmlformats.org/officeDocument/2006/relationships" xmlns:p14="http://schemas.microsoft.com/office/powerpoint/2010/main" xmlns:p15="http://schemas.microsoft.com/office/powerpoint/2012/main" xmlns:mc="http://schemas.openxmlformats.org/markup-compatibility/2006">
+<p:sld xmlns:a="http://schemas.openxmlformats.org/drawingml/2006/main" xmlns:r="http://schemas.openxmlformats.org/officeDocument/2006/relationships" xmlns:p="http://schemas.openxmlformats.org/presentationml/2006/main">
   <p:cSld>
+    <p:bg>
+      <p:bgPr>
+        <a:solidFill>
+          <a:schemeClr val="tx1"/>
+        </a:solidFill>
+        <a:effectLst/>
+      </p:bgPr>
+    </p:bg>
     <p:spTree>
       <p:nvGrpSpPr>
         <p:cNvPr id="1" name=""/>
@@ -3214,6 +4058,36 @@
           <a:chExt cx="0" cy="0"/>
         </a:xfrm>
       </p:grpSpPr>
+      <p:pic>
+        <p:nvPicPr>
+          <p:cNvPr id="4" name="Picture 3"/>
+          <p:cNvPicPr>
+            <a:picLocks noChangeAspect="1"/>
+          </p:cNvPicPr>
+          <p:nvPr/>
+        </p:nvPicPr>
+        <p:blipFill>
+          <a:blip r:embed="rId2">
+            <a:extLst>
+              <a:ext uri="{28A0092B-C50C-407E-A947-70E740481C1C}">
+                <a14:useLocalDpi xmlns:a14="http://schemas.microsoft.com/office/drawing/2010/main" val="0"/>
+              </a:ext>
+            </a:extLst>
+          </a:blip>
+          <a:stretch>
+            <a:fillRect/>
+          </a:stretch>
+        </p:blipFill>
+        <p:spPr>
+          <a:xfrm>
+            <a:off x="1727" y="0"/>
+            <a:ext cx="6405621" cy="5670550"/>
+          </a:xfrm>
+          <a:prstGeom prst="rect">
+            <a:avLst/>
+          </a:prstGeom>
+        </p:spPr>
+      </p:pic>
       <p:sp>
         <p:nvSpPr>
           <p:cNvPr id="76" name="CustomShape 1"/>
@@ -3234,26 +4108,30 @@
           </a:ln>
         </p:spPr>
         <p:style>
-          <a:lnRef idx="0"/>
-          <a:fillRef idx="0"/>
-          <a:effectRef idx="0"/>
+          <a:lnRef idx="0">
+            <a:scrgbClr r="0" g="0" b="0"/>
+          </a:lnRef>
+          <a:fillRef idx="0">
+            <a:scrgbClr r="0" g="0" b="0"/>
+          </a:fillRef>
+          <a:effectRef idx="0">
+            <a:scrgbClr r="0" g="0" b="0"/>
+          </a:effectRef>
           <a:fontRef idx="minor"/>
         </p:style>
         <p:txBody>
-          <a:bodyPr lIns="0" rIns="0" tIns="0" bIns="0" anchor="ctr"/>
+          <a:bodyPr lIns="0" tIns="0" rIns="0" bIns="0" anchor="ctr"/>
+          <a:lstStyle/>
           <a:p>
             <a:pPr algn="ctr">
               <a:lnSpc>
                 <a:spcPct val="100000"/>
               </a:lnSpc>
             </a:pPr>
-            <a:r>
-              <a:rPr b="0" lang="en-GB" sz="4400" spc="-1" strike="noStrike">
-                <a:latin typeface="FF Mark Pro"/>
-              </a:rPr>
-              <a:t>Cover Slide</a:t>
-            </a:r>
-            <a:endParaRPr b="0" lang="en-GB" sz="4400" spc="-1" strike="noStrike">
+            <a:endParaRPr lang="en-GB" sz="4400" b="0" strike="noStrike" spc="-1" dirty="0">
+              <a:solidFill>
+                <a:schemeClr val="bg1"/>
+              </a:solidFill>
               <a:latin typeface="FF Mark Pro"/>
             </a:endParaRPr>
           </a:p>
@@ -3268,7 +4146,7 @@
         <p:spPr>
           <a:xfrm>
             <a:off x="504000" y="1326600"/>
-            <a:ext cx="9071280" cy="3287880"/>
+            <a:ext cx="8403780" cy="3287880"/>
           </a:xfrm>
           <a:prstGeom prst="rect">
             <a:avLst/>
@@ -3279,70 +4157,107 @@
           </a:ln>
         </p:spPr>
         <p:style>
-          <a:lnRef idx="0"/>
-          <a:fillRef idx="0"/>
-          <a:effectRef idx="0"/>
+          <a:lnRef idx="0">
+            <a:scrgbClr r="0" g="0" b="0"/>
+          </a:lnRef>
+          <a:fillRef idx="0">
+            <a:scrgbClr r="0" g="0" b="0"/>
+          </a:fillRef>
+          <a:effectRef idx="0">
+            <a:scrgbClr r="0" g="0" b="0"/>
+          </a:effectRef>
           <a:fontRef idx="minor"/>
         </p:style>
         <p:txBody>
-          <a:bodyPr lIns="0" rIns="0" tIns="0" bIns="0" anchor="ctr"/>
-          <a:p>
-            <a:pPr algn="ctr">
+          <a:bodyPr lIns="0" tIns="0" rIns="0" bIns="0" anchor="ctr"/>
+          <a:lstStyle/>
+          <a:p>
+            <a:pPr algn="r">
               <a:lnSpc>
                 <a:spcPct val="100000"/>
               </a:lnSpc>
             </a:pPr>
             <a:r>
-              <a:rPr b="1" lang="en-GB" sz="4800" spc="-1" strike="noStrike">
-                <a:latin typeface="FF Mark Pro"/>
+              <a:rPr lang="en-GB" sz="4800" b="1" strike="noStrike" spc="-1" dirty="0" smtClean="0">
+                <a:solidFill>
+                  <a:srgbClr val="937535"/>
+                </a:solidFill>
+                <a:latin typeface="Impact" panose="020B0806030902050204" pitchFamily="34" charset="0"/>
               </a:rPr>
               <a:t>NPC</a:t>
             </a:r>
-            <a:endParaRPr b="0" lang="en-GB" sz="4800" spc="-1" strike="noStrike">
-              <a:latin typeface="Arial"/>
-            </a:endParaRPr>
-          </a:p>
-          <a:p>
-            <a:pPr algn="ctr">
+            <a:endParaRPr lang="en-GB" sz="4800" b="0" strike="noStrike" spc="-1" dirty="0">
+              <a:solidFill>
+                <a:srgbClr val="937535"/>
+              </a:solidFill>
+              <a:latin typeface="Impact" panose="020B0806030902050204" pitchFamily="34" charset="0"/>
+            </a:endParaRPr>
+          </a:p>
+          <a:p>
+            <a:pPr algn="r">
               <a:lnSpc>
                 <a:spcPct val="100000"/>
               </a:lnSpc>
             </a:pPr>
             <a:r>
-              <a:rPr b="0" i="1" lang="en-GB" sz="3200" spc="-1" strike="noStrike">
+              <a:rPr lang="en-GB" sz="3200" b="0" i="1" strike="noStrike" spc="-1" dirty="0" smtClean="0">
+                <a:solidFill>
+                  <a:srgbClr val="7C5B33"/>
+                </a:solidFill>
                 <a:latin typeface="FF Mark Pro"/>
               </a:rPr>
               <a:t>Presents</a:t>
             </a:r>
-            <a:endParaRPr b="0" lang="en-GB" sz="3200" spc="-1" strike="noStrike">
+            <a:endParaRPr lang="en-GB" sz="3200" b="0" strike="noStrike" spc="-1" dirty="0">
+              <a:solidFill>
+                <a:srgbClr val="7C5B33"/>
+              </a:solidFill>
               <a:latin typeface="Arial"/>
             </a:endParaRPr>
           </a:p>
           <a:p>
-            <a:pPr algn="ctr">
+            <a:pPr algn="r">
               <a:lnSpc>
                 <a:spcPct val="100000"/>
               </a:lnSpc>
             </a:pPr>
             <a:r>
-              <a:rPr b="1" lang="en-GB" sz="4400" spc="-1" strike="noStrike">
-                <a:latin typeface="FF Mark Pro"/>
-              </a:rPr>
-              <a:t>Sekai Saviour</a:t>
-            </a:r>
-            <a:endParaRPr b="0" lang="en-GB" sz="4400" spc="-1" strike="noStrike">
-              <a:latin typeface="Arial"/>
+              <a:rPr lang="en-GB" sz="4400" b="1" strike="noStrike" spc="-1" dirty="0">
+                <a:solidFill>
+                  <a:srgbClr val="937535"/>
+                </a:solidFill>
+                <a:latin typeface="Tandysoft" panose="02000500000000000000" pitchFamily="2" charset="0"/>
+              </a:rPr>
+              <a:t>Sekai </a:t>
+            </a:r>
+            <a:r>
+              <a:rPr lang="en-GB" sz="4400" b="1" strike="noStrike" spc="-1" dirty="0" smtClean="0">
+                <a:solidFill>
+                  <a:srgbClr val="937535"/>
+                </a:solidFill>
+                <a:latin typeface="Tandysoft" panose="02000500000000000000" pitchFamily="2" charset="0"/>
+              </a:rPr>
+              <a:t>Saviour</a:t>
+            </a:r>
+            <a:endParaRPr lang="en-GB" sz="4400" b="0" strike="noStrike" spc="-1" dirty="0">
+              <a:solidFill>
+                <a:srgbClr val="937535"/>
+              </a:solidFill>
+              <a:latin typeface="Tandysoft" panose="02000500000000000000" pitchFamily="2" charset="0"/>
             </a:endParaRPr>
           </a:p>
         </p:txBody>
       </p:sp>
     </p:spTree>
   </p:cSld>
-  <mc:AlternateContent>
+  <p:clrMapOvr>
+    <a:masterClrMapping/>
+  </p:clrMapOvr>
+  <mc:AlternateContent xmlns:mc="http://schemas.openxmlformats.org/markup-compatibility/2006" xmlns:p14="http://schemas.microsoft.com/office/powerpoint/2010/main">
     <mc:Choice Requires="p14">
       <p:transition spd="slow" p14:dur="2000"/>
     </mc:Choice>
-    <mc:Fallback>
+    <mc:Fallback xmlns:p15="http://schemas.microsoft.com/office/powerpoint/2012/main" xmlns="">
       <p:transition spd="slow"/>
     </mc:Fallback>
   </mc:AlternateContent>
@@ -3354,14 +4269,14 @@
             <p:seq>
               <p:cTn id="2" dur="indefinite" nodeType="mainSeq"/>
               <p:prevCondLst>
-                <p:cond delay="0" evt="onPrev">
+                <p:cond evt="onPrev" delay="0">
                   <p:tgtEl>
                     <p:sldTgt/>
                   </p:tgtEl>
                 </p:cond>
               </p:prevCondLst>
               <p:nextCondLst>
-                <p:cond delay="0" evt="onNext">
+                <p:cond evt="onNext" delay="0">
                   <p:tgtEl>
                     <p:sldTgt/>
                   </p:tgtEl>
@@ -3377,8 +4292,16 @@
 </file>
 
 <file path=ppt/slides/slide10.xml><?xml version="1.0" encoding="utf-8"?>
-<p:sld xmlns:a="http://schemas.openxmlformats.org/drawingml/2006/main" xmlns:p="http://schemas.openxmlformats.org/presentationml/2006/main" xmlns:r="http://schemas.openxmlformats.org/officeDocument/2006/relationships" xmlns:p14="http://schemas.microsoft.com/office/powerpoint/2010/main" xmlns:p15="http://schemas.microsoft.com/office/powerpoint/2012/main" xmlns:mc="http://schemas.openxmlformats.org/markup-compatibility/2006">
+<p:sld xmlns:a="http://schemas.openxmlformats.org/drawingml/2006/main" xmlns:r="http://schemas.openxmlformats.org/officeDocument/2006/relationships" xmlns:p="http://schemas.openxmlformats.org/presentationml/2006/main">
   <p:cSld>
+    <p:bg>
+      <p:bgPr>
+        <a:solidFill>
+          <a:schemeClr val="tx1"/>
+        </a:solidFill>
+        <a:effectLst/>
+      </p:bgPr>
+    </p:bg>
     <p:spTree>
       <p:nvGrpSpPr>
         <p:cNvPr id="1" name=""/>
@@ -3413,13 +4336,20 @@
           </a:ln>
         </p:spPr>
         <p:style>
-          <a:lnRef idx="0"/>
-          <a:fillRef idx="0"/>
-          <a:effectRef idx="0"/>
+          <a:lnRef idx="0">
+            <a:scrgbClr r="0" g="0" b="0"/>
+          </a:lnRef>
+          <a:fillRef idx="0">
+            <a:scrgbClr r="0" g="0" b="0"/>
+          </a:fillRef>
+          <a:effectRef idx="0">
+            <a:scrgbClr r="0" g="0" b="0"/>
+          </a:effectRef>
           <a:fontRef idx="minor"/>
         </p:style>
         <p:txBody>
-          <a:bodyPr lIns="0" rIns="0" tIns="0" bIns="0" anchor="ctr"/>
+          <a:bodyPr lIns="0" tIns="0" rIns="0" bIns="0" anchor="ctr"/>
+          <a:lstStyle/>
           <a:p>
             <a:pPr algn="ctr">
               <a:lnSpc>
@@ -3427,14 +4357,23 @@
               </a:lnSpc>
             </a:pPr>
             <a:r>
-              <a:rPr b="0" lang="en-GB" sz="4400" spc="-1" strike="noStrike">
-                <a:latin typeface="FF Mark Pro"/>
-              </a:rPr>
-              <a:t>Unique Selling Points</a:t>
-            </a:r>
-            <a:endParaRPr b="0" lang="en-GB" sz="4400" spc="-1" strike="noStrike">
-              <a:latin typeface="FF Mark Pro"/>
-            </a:endParaRPr>
+              <a:rPr lang="en-GB" sz="4400" b="0" strike="noStrike" spc="-1" dirty="0" smtClean="0">
+                <a:solidFill>
+                  <a:srgbClr val="7C5B33"/>
+                </a:solidFill>
+                <a:latin typeface="Century Gothic" panose="020B0502020202020204" pitchFamily="34" charset="0"/>
+              </a:rPr>
+              <a:t>Selling </a:t>
+            </a:r>
+            <a:r>
+              <a:rPr lang="en-GB" sz="4400" b="0" strike="noStrike" spc="-1" dirty="0">
+                <a:solidFill>
+                  <a:srgbClr val="7C5B33"/>
+                </a:solidFill>
+                <a:latin typeface="Century Gothic" panose="020B0502020202020204" pitchFamily="34" charset="0"/>
+              </a:rPr>
+              <a:t>Points</a:t>
+            </a:r>
           </a:p>
         </p:txBody>
       </p:sp>
@@ -3458,15 +4397,22 @@
           </a:ln>
         </p:spPr>
         <p:style>
-          <a:lnRef idx="0"/>
-          <a:fillRef idx="0"/>
-          <a:effectRef idx="0"/>
+          <a:lnRef idx="0">
+            <a:scrgbClr r="0" g="0" b="0"/>
+          </a:lnRef>
+          <a:fillRef idx="0">
+            <a:scrgbClr r="0" g="0" b="0"/>
+          </a:fillRef>
+          <a:effectRef idx="0">
+            <a:scrgbClr r="0" g="0" b="0"/>
+          </a:effectRef>
           <a:fontRef idx="minor"/>
         </p:style>
         <p:txBody>
-          <a:bodyPr lIns="0" rIns="0" tIns="0" bIns="0">
+          <a:bodyPr lIns="0" tIns="0" rIns="0" bIns="0">
             <a:normAutofit/>
           </a:bodyPr>
+          <a:lstStyle/>
           <a:p>
             <a:pPr marL="432000" indent="-323640">
               <a:lnSpc>
@@ -3482,44 +4428,105 @@
               <a:buFont typeface="Wingdings" charset="2"/>
               <a:buChar char=""/>
             </a:pPr>
-            <a:r>
-              <a:rPr b="0" lang="en-GB" sz="3200" spc="-1" strike="noStrike">
-                <a:latin typeface="FF Mark Pro"/>
-              </a:rPr>
-              <a:t>Our game is good</a:t>
-            </a:r>
-            <a:endParaRPr b="0" lang="en-GB" sz="3200" spc="-1" strike="noStrike">
-              <a:latin typeface="FF Mark Pro"/>
-            </a:endParaRPr>
-          </a:p>
-        </p:txBody>
-      </p:sp>
+            <a:endParaRPr lang="en-GB" sz="3200" b="0" strike="noStrike" spc="-1" dirty="0" smtClean="0">
+              <a:latin typeface="Century Gothic" panose="020B0502020202020204" pitchFamily="34" charset="0"/>
+            </a:endParaRPr>
+          </a:p>
+          <a:p>
+            <a:pPr marL="432000" indent="-323640">
+              <a:lnSpc>
+                <a:spcPct val="100000"/>
+              </a:lnSpc>
+              <a:spcBef>
+                <a:spcPts val="1417"/>
+              </a:spcBef>
+              <a:buClr>
+                <a:srgbClr val="000000"/>
+              </a:buClr>
+              <a:buSzPct val="45000"/>
+              <a:buFont typeface="Wingdings" charset="2"/>
+              <a:buChar char=""/>
+            </a:pPr>
+            <a:r>
+              <a:rPr lang="en-GB" sz="3200" b="0" strike="noStrike" spc="-1" dirty="0" smtClean="0">
+                <a:solidFill>
+                  <a:srgbClr val="937535"/>
+                </a:solidFill>
+                <a:latin typeface="Century Gothic" panose="020B0502020202020204" pitchFamily="34" charset="0"/>
+              </a:rPr>
+              <a:t>Our </a:t>
+            </a:r>
+            <a:r>
+              <a:rPr lang="en-GB" sz="3200" b="0" strike="noStrike" spc="-1" dirty="0">
+                <a:solidFill>
+                  <a:srgbClr val="937535"/>
+                </a:solidFill>
+                <a:latin typeface="Century Gothic" panose="020B0502020202020204" pitchFamily="34" charset="0"/>
+              </a:rPr>
+              <a:t>game is good</a:t>
+            </a:r>
+          </a:p>
+        </p:txBody>
+      </p:sp>
+      <p:pic>
+        <p:nvPicPr>
+          <p:cNvPr id="4" name="Picture 3"/>
+          <p:cNvPicPr>
+            <a:picLocks noChangeAspect="1"/>
+          </p:cNvPicPr>
+          <p:nvPr/>
+        </p:nvPicPr>
+        <p:blipFill>
+          <a:blip r:embed="rId2" cstate="print">
+            <a:extLst>
+              <a:ext uri="{28A0092B-C50C-407E-A947-70E740481C1C}">
+                <a14:useLocalDpi xmlns:a14="http://schemas.microsoft.com/office/drawing/2010/main" val="0"/>
+              </a:ext>
+            </a:extLst>
+          </a:blip>
+          <a:stretch>
+            <a:fillRect/>
+          </a:stretch>
+        </p:blipFill>
+        <p:spPr>
+          <a:xfrm>
+            <a:off x="-1299" y="-1"/>
+            <a:ext cx="2130137" cy="1885695"/>
+          </a:xfrm>
+          <a:prstGeom prst="rect">
+            <a:avLst/>
+          </a:prstGeom>
+        </p:spPr>
+      </p:pic>
     </p:spTree>
   </p:cSld>
-  <mc:AlternateContent>
+  <p:clrMapOvr>
+    <a:masterClrMapping/>
+  </p:clrMapOvr>
+  <mc:AlternateContent xmlns:mc="http://schemas.openxmlformats.org/markup-compatibility/2006" xmlns:p14="http://schemas.microsoft.com/office/powerpoint/2010/main">
     <mc:Choice Requires="p14">
       <p:transition spd="slow" p14:dur="2000"/>
     </mc:Choice>
-    <mc:Fallback>
+    <mc:Fallback xmlns:p15="http://schemas.microsoft.com/office/powerpoint/2012/main" xmlns="">
       <p:transition spd="slow"/>
     </mc:Fallback>
   </mc:AlternateContent>
   <p:timing>
     <p:tnLst>
       <p:par>
-        <p:cTn id="19" dur="indefinite" restart="never" nodeType="tmRoot">
+        <p:cTn id="1" dur="indefinite" restart="never" nodeType="tmRoot">
           <p:childTnLst>
             <p:seq>
-              <p:cTn id="20" dur="indefinite" nodeType="mainSeq"/>
+              <p:cTn id="2" dur="indefinite" nodeType="mainSeq"/>
               <p:prevCondLst>
-                <p:cond delay="0" evt="onPrev">
+                <p:cond evt="onPrev" delay="0">
                   <p:tgtEl>
                     <p:sldTgt/>
                   </p:tgtEl>
                 </p:cond>
               </p:prevCondLst>
               <p:nextCondLst>
-                <p:cond delay="0" evt="onNext">
+                <p:cond evt="onNext" delay="0">
                   <p:tgtEl>
                     <p:sldTgt/>
                   </p:tgtEl>
@@ -3535,8 +4542,16 @@
 </file>
 
 <file path=ppt/slides/slide11.xml><?xml version="1.0" encoding="utf-8"?>
-<p:sld xmlns:a="http://schemas.openxmlformats.org/drawingml/2006/main" xmlns:p="http://schemas.openxmlformats.org/presentationml/2006/main" xmlns:r="http://schemas.openxmlformats.org/officeDocument/2006/relationships" xmlns:p14="http://schemas.microsoft.com/office/powerpoint/2010/main" xmlns:p15="http://schemas.microsoft.com/office/powerpoint/2012/main" xmlns:mc="http://schemas.openxmlformats.org/markup-compatibility/2006">
+<p:sld xmlns:a="http://schemas.openxmlformats.org/drawingml/2006/main" xmlns:r="http://schemas.openxmlformats.org/officeDocument/2006/relationships" xmlns:p="http://schemas.openxmlformats.org/presentationml/2006/main">
   <p:cSld>
+    <p:bg>
+      <p:bgPr>
+        <a:solidFill>
+          <a:schemeClr val="tx1"/>
+        </a:solidFill>
+        <a:effectLst/>
+      </p:bgPr>
+    </p:bg>
     <p:spTree>
       <p:nvGrpSpPr>
         <p:cNvPr id="1" name=""/>
@@ -3571,13 +4586,20 @@
           </a:ln>
         </p:spPr>
         <p:style>
-          <a:lnRef idx="0"/>
-          <a:fillRef idx="0"/>
-          <a:effectRef idx="0"/>
+          <a:lnRef idx="0">
+            <a:scrgbClr r="0" g="0" b="0"/>
+          </a:lnRef>
+          <a:fillRef idx="0">
+            <a:scrgbClr r="0" g="0" b="0"/>
+          </a:fillRef>
+          <a:effectRef idx="0">
+            <a:scrgbClr r="0" g="0" b="0"/>
+          </a:effectRef>
           <a:fontRef idx="minor"/>
         </p:style>
         <p:txBody>
-          <a:bodyPr lIns="0" rIns="0" tIns="0" bIns="0" anchor="ctr"/>
+          <a:bodyPr lIns="0" tIns="0" rIns="0" bIns="0" anchor="ctr"/>
+          <a:lstStyle/>
           <a:p>
             <a:pPr algn="ctr">
               <a:lnSpc>
@@ -3585,14 +4607,14 @@
               </a:lnSpc>
             </a:pPr>
             <a:r>
-              <a:rPr b="0" lang="en-GB" sz="4400" spc="-1" strike="noStrike">
-                <a:latin typeface="FF Mark Pro"/>
+              <a:rPr lang="en-GB" sz="4400" b="0" strike="noStrike" spc="-1" dirty="0">
+                <a:solidFill>
+                  <a:srgbClr val="7C5B33"/>
+                </a:solidFill>
+                <a:latin typeface="Century Gothic" panose="020B0502020202020204" pitchFamily="34" charset="0"/>
               </a:rPr>
               <a:t>Development Plan</a:t>
             </a:r>
-            <a:endParaRPr b="0" lang="en-GB" sz="4400" spc="-1" strike="noStrike">
-              <a:latin typeface="FF Mark Pro"/>
-            </a:endParaRPr>
           </a:p>
         </p:txBody>
       </p:sp>
@@ -3616,38 +4638,393 @@
           </a:ln>
         </p:spPr>
         <p:style>
-          <a:lnRef idx="0"/>
-          <a:fillRef idx="0"/>
-          <a:effectRef idx="0"/>
+          <a:lnRef idx="0">
+            <a:scrgbClr r="0" g="0" b="0"/>
+          </a:lnRef>
+          <a:fillRef idx="0">
+            <a:scrgbClr r="0" g="0" b="0"/>
+          </a:fillRef>
+          <a:effectRef idx="0">
+            <a:scrgbClr r="0" g="0" b="0"/>
+          </a:effectRef>
           <a:fontRef idx="minor"/>
         </p:style>
       </p:sp>
+      <p:sp>
+        <p:nvSpPr>
+          <p:cNvPr id="2" name="Rectangle 1"/>
+          <p:cNvSpPr/>
+          <p:nvPr/>
+        </p:nvSpPr>
+        <p:spPr>
+          <a:xfrm>
+            <a:off x="504000" y="1326600"/>
+            <a:ext cx="9071280" cy="3170099"/>
+          </a:xfrm>
+          <a:prstGeom prst="rect">
+            <a:avLst/>
+          </a:prstGeom>
+        </p:spPr>
+        <p:txBody>
+          <a:bodyPr wrap="square">
+            <a:spAutoFit/>
+          </a:bodyPr>
+          <a:lstStyle/>
+          <a:p>
+            <a:pPr algn="ctr"/>
+            <a:r>
+              <a:rPr lang="en-GB" b="0" dirty="0" smtClean="0">
+                <a:solidFill>
+                  <a:srgbClr val="937535"/>
+                </a:solidFill>
+                <a:effectLst/>
+                <a:latin typeface="Century Gothic" panose="020B0502020202020204" pitchFamily="34" charset="0"/>
+              </a:rPr>
+              <a:t/>
+            </a:r>
+            <a:br>
+              <a:rPr lang="en-GB" b="0" dirty="0" smtClean="0">
+                <a:solidFill>
+                  <a:srgbClr val="937535"/>
+                </a:solidFill>
+                <a:effectLst/>
+                <a:latin typeface="Century Gothic" panose="020B0502020202020204" pitchFamily="34" charset="0"/>
+              </a:rPr>
+            </a:br>
+            <a:r>
+              <a:rPr lang="en-GB" sz="2800" b="0" i="0" u="sng" dirty="0" smtClean="0">
+                <a:solidFill>
+                  <a:srgbClr val="937535"/>
+                </a:solidFill>
+                <a:effectLst/>
+                <a:latin typeface="Century Gothic" panose="020B0502020202020204" pitchFamily="34" charset="0"/>
+              </a:rPr>
+              <a:t>POST RELEASE ROADMAP</a:t>
+            </a:r>
+          </a:p>
+          <a:p>
+            <a:pPr algn="ctr"/>
+            <a:r>
+              <a:rPr lang="en-GB" i="1" dirty="0" smtClean="0">
+                <a:solidFill>
+                  <a:srgbClr val="937535"/>
+                </a:solidFill>
+                <a:latin typeface="Century Gothic" panose="020B0502020202020204" pitchFamily="34" charset="0"/>
+              </a:rPr>
+              <a:t>Note</a:t>
+            </a:r>
+            <a:r>
+              <a:rPr lang="en-GB" i="1" dirty="0">
+                <a:solidFill>
+                  <a:srgbClr val="937535"/>
+                </a:solidFill>
+                <a:latin typeface="Century Gothic" panose="020B0502020202020204" pitchFamily="34" charset="0"/>
+              </a:rPr>
+              <a:t>: All expansions are paid unless otherwise stated</a:t>
+            </a:r>
+            <a:endParaRPr lang="en-GB" b="0" dirty="0" smtClean="0">
+              <a:solidFill>
+                <a:srgbClr val="937535"/>
+              </a:solidFill>
+              <a:effectLst/>
+              <a:latin typeface="Century Gothic" panose="020B0502020202020204" pitchFamily="34" charset="0"/>
+            </a:endParaRPr>
+          </a:p>
+          <a:p>
+            <a:pPr algn="ctr"/>
+            <a:endParaRPr lang="en-GB" b="1" dirty="0" smtClean="0">
+              <a:solidFill>
+                <a:srgbClr val="937535"/>
+              </a:solidFill>
+              <a:latin typeface="Century Gothic" panose="020B0502020202020204" pitchFamily="34" charset="0"/>
+            </a:endParaRPr>
+          </a:p>
+          <a:p>
+            <a:pPr algn="ctr"/>
+            <a:r>
+              <a:rPr lang="en-GB" b="1" dirty="0" smtClean="0">
+                <a:solidFill>
+                  <a:srgbClr val="937535"/>
+                </a:solidFill>
+                <a:latin typeface="Century Gothic" panose="020B0502020202020204" pitchFamily="34" charset="0"/>
+              </a:rPr>
+              <a:t>Month </a:t>
+            </a:r>
+            <a:r>
+              <a:rPr lang="en-GB" b="1" dirty="0">
+                <a:solidFill>
+                  <a:srgbClr val="937535"/>
+                </a:solidFill>
+                <a:latin typeface="Century Gothic" panose="020B0502020202020204" pitchFamily="34" charset="0"/>
+              </a:rPr>
+              <a:t>2:</a:t>
+            </a:r>
+            <a:r>
+              <a:rPr lang="en-GB" dirty="0">
+                <a:solidFill>
+                  <a:srgbClr val="937535"/>
+                </a:solidFill>
+                <a:latin typeface="Century Gothic" panose="020B0502020202020204" pitchFamily="34" charset="0"/>
+              </a:rPr>
+              <a:t> Current date, this presentation</a:t>
+            </a:r>
+            <a:endParaRPr lang="en-GB" b="0" dirty="0" smtClean="0">
+              <a:solidFill>
+                <a:srgbClr val="937535"/>
+              </a:solidFill>
+              <a:effectLst/>
+              <a:latin typeface="Century Gothic" panose="020B0502020202020204" pitchFamily="34" charset="0"/>
+            </a:endParaRPr>
+          </a:p>
+          <a:p>
+            <a:pPr algn="ctr"/>
+            <a:endParaRPr lang="en-GB" b="1" dirty="0" smtClean="0">
+              <a:solidFill>
+                <a:srgbClr val="937535"/>
+              </a:solidFill>
+              <a:latin typeface="Century Gothic" panose="020B0502020202020204" pitchFamily="34" charset="0"/>
+            </a:endParaRPr>
+          </a:p>
+          <a:p>
+            <a:pPr algn="ctr"/>
+            <a:r>
+              <a:rPr lang="en-GB" b="1" dirty="0" smtClean="0">
+                <a:solidFill>
+                  <a:srgbClr val="937535"/>
+                </a:solidFill>
+                <a:latin typeface="Century Gothic" panose="020B0502020202020204" pitchFamily="34" charset="0"/>
+              </a:rPr>
+              <a:t>End </a:t>
+            </a:r>
+            <a:r>
+              <a:rPr lang="en-GB" b="1" dirty="0">
+                <a:solidFill>
+                  <a:srgbClr val="937535"/>
+                </a:solidFill>
+                <a:latin typeface="Century Gothic" panose="020B0502020202020204" pitchFamily="34" charset="0"/>
+              </a:rPr>
+              <a:t>of Month 3</a:t>
+            </a:r>
+            <a:r>
+              <a:rPr lang="en-GB" dirty="0">
+                <a:solidFill>
+                  <a:srgbClr val="937535"/>
+                </a:solidFill>
+                <a:latin typeface="Century Gothic" panose="020B0502020202020204" pitchFamily="34" charset="0"/>
+              </a:rPr>
+              <a:t>: Korean and Chinese translations finished.</a:t>
+            </a:r>
+            <a:endParaRPr lang="en-GB" b="0" dirty="0" smtClean="0">
+              <a:solidFill>
+                <a:srgbClr val="937535"/>
+              </a:solidFill>
+              <a:effectLst/>
+              <a:latin typeface="Century Gothic" panose="020B0502020202020204" pitchFamily="34" charset="0"/>
+            </a:endParaRPr>
+          </a:p>
+          <a:p>
+            <a:pPr algn="ctr"/>
+            <a:endParaRPr lang="en-GB" b="1" dirty="0" smtClean="0">
+              <a:solidFill>
+                <a:srgbClr val="937535"/>
+              </a:solidFill>
+              <a:latin typeface="Century Gothic" panose="020B0502020202020204" pitchFamily="34" charset="0"/>
+            </a:endParaRPr>
+          </a:p>
+          <a:p>
+            <a:pPr algn="ctr"/>
+            <a:r>
+              <a:rPr lang="en-GB" b="1" dirty="0" smtClean="0">
+                <a:solidFill>
+                  <a:srgbClr val="937535"/>
+                </a:solidFill>
+                <a:latin typeface="Century Gothic" panose="020B0502020202020204" pitchFamily="34" charset="0"/>
+              </a:rPr>
+              <a:t>Month </a:t>
+            </a:r>
+            <a:r>
+              <a:rPr lang="en-GB" b="1" dirty="0">
+                <a:solidFill>
+                  <a:srgbClr val="937535"/>
+                </a:solidFill>
+                <a:latin typeface="Century Gothic" panose="020B0502020202020204" pitchFamily="34" charset="0"/>
+              </a:rPr>
+              <a:t>4:</a:t>
+            </a:r>
+            <a:r>
+              <a:rPr lang="en-GB" dirty="0">
+                <a:solidFill>
+                  <a:srgbClr val="937535"/>
+                </a:solidFill>
+                <a:latin typeface="Century Gothic" panose="020B0502020202020204" pitchFamily="34" charset="0"/>
+              </a:rPr>
+              <a:t> Release: </a:t>
+            </a:r>
+            <a:r>
+              <a:rPr lang="en-GB" i="1" dirty="0">
+                <a:solidFill>
+                  <a:srgbClr val="937535"/>
+                </a:solidFill>
+                <a:latin typeface="Century Gothic" panose="020B0502020202020204" pitchFamily="34" charset="0"/>
+              </a:rPr>
+              <a:t>Sekai Saviour </a:t>
+            </a:r>
+            <a:r>
+              <a:rPr lang="en-GB" dirty="0">
+                <a:solidFill>
+                  <a:srgbClr val="937535"/>
+                </a:solidFill>
+                <a:latin typeface="Century Gothic" panose="020B0502020202020204" pitchFamily="34" charset="0"/>
+              </a:rPr>
+              <a:t>in UK, </a:t>
+            </a:r>
+            <a:r>
+              <a:rPr lang="en-GB" dirty="0" smtClean="0">
+                <a:solidFill>
+                  <a:srgbClr val="937535"/>
+                </a:solidFill>
+                <a:latin typeface="Century Gothic" panose="020B0502020202020204" pitchFamily="34" charset="0"/>
+              </a:rPr>
+              <a:t>USA, AUS, </a:t>
+            </a:r>
+            <a:r>
+              <a:rPr lang="en-GB" dirty="0">
+                <a:solidFill>
+                  <a:srgbClr val="937535"/>
+                </a:solidFill>
+                <a:latin typeface="Century Gothic" panose="020B0502020202020204" pitchFamily="34" charset="0"/>
+              </a:rPr>
+              <a:t>China and South Korea.</a:t>
+            </a:r>
+            <a:endParaRPr lang="en-GB" b="0" dirty="0" smtClean="0">
+              <a:solidFill>
+                <a:srgbClr val="937535"/>
+              </a:solidFill>
+              <a:effectLst/>
+              <a:latin typeface="Century Gothic" panose="020B0502020202020204" pitchFamily="34" charset="0"/>
+            </a:endParaRPr>
+          </a:p>
+          <a:p>
+            <a:pPr algn="ctr"/>
+            <a:r>
+              <a:rPr lang="en-GB" sz="1400" b="0" i="0" u="none" strike="noStrike" dirty="0" smtClean="0">
+                <a:solidFill>
+                  <a:srgbClr val="937535"/>
+                </a:solidFill>
+                <a:effectLst/>
+                <a:latin typeface="Century Gothic" panose="020B0502020202020204" pitchFamily="34" charset="0"/>
+              </a:rPr>
+              <a:t>(Our game is free-to-play with minimal </a:t>
+            </a:r>
+            <a:r>
+              <a:rPr lang="en-GB" sz="1400" b="0" i="0" u="none" strike="noStrike" dirty="0" err="1" smtClean="0">
+                <a:solidFill>
+                  <a:srgbClr val="937535"/>
+                </a:solidFill>
+                <a:effectLst/>
+                <a:latin typeface="Century Gothic" panose="020B0502020202020204" pitchFamily="34" charset="0"/>
+              </a:rPr>
+              <a:t>microtransactions</a:t>
+            </a:r>
+            <a:r>
+              <a:rPr lang="en-GB" sz="1400" b="0" i="0" u="none" strike="noStrike" dirty="0" smtClean="0">
+                <a:solidFill>
+                  <a:srgbClr val="937535"/>
+                </a:solidFill>
+                <a:effectLst/>
+                <a:latin typeface="Century Gothic" panose="020B0502020202020204" pitchFamily="34" charset="0"/>
+              </a:rPr>
+              <a:t>)</a:t>
+            </a:r>
+            <a:endParaRPr lang="en-GB" b="0" dirty="0" smtClean="0">
+              <a:solidFill>
+                <a:srgbClr val="937535"/>
+              </a:solidFill>
+              <a:effectLst/>
+              <a:latin typeface="Century Gothic" panose="020B0502020202020204" pitchFamily="34" charset="0"/>
+            </a:endParaRPr>
+          </a:p>
+          <a:p>
+            <a:pPr algn="ctr"/>
+            <a:r>
+              <a:rPr lang="en-GB" sz="1400" b="0" i="0" u="none" strike="noStrike" dirty="0" smtClean="0">
+                <a:solidFill>
+                  <a:srgbClr val="937535"/>
+                </a:solidFill>
+                <a:effectLst/>
+                <a:latin typeface="Century Gothic" panose="020B0502020202020204" pitchFamily="34" charset="0"/>
+              </a:rPr>
+              <a:t>(Ads are few and far between, but there is an Ad-Free option for £0.49)</a:t>
+            </a:r>
+            <a:endParaRPr lang="en-GB" b="0" dirty="0" smtClean="0">
+              <a:solidFill>
+                <a:srgbClr val="937535"/>
+              </a:solidFill>
+              <a:effectLst/>
+              <a:latin typeface="Century Gothic" panose="020B0502020202020204" pitchFamily="34" charset="0"/>
+            </a:endParaRPr>
+          </a:p>
+        </p:txBody>
+      </p:sp>
+      <p:pic>
+        <p:nvPicPr>
+          <p:cNvPr id="5" name="Picture 4"/>
+          <p:cNvPicPr>
+            <a:picLocks noChangeAspect="1"/>
+          </p:cNvPicPr>
+          <p:nvPr/>
+        </p:nvPicPr>
+        <p:blipFill>
+          <a:blip r:embed="rId2" cstate="print">
+            <a:extLst>
+              <a:ext uri="{28A0092B-C50C-407E-A947-70E740481C1C}">
+                <a14:useLocalDpi xmlns:a14="http://schemas.microsoft.com/office/drawing/2010/main" val="0"/>
+              </a:ext>
+            </a:extLst>
+          </a:blip>
+          <a:stretch>
+            <a:fillRect/>
+          </a:stretch>
+        </p:blipFill>
+        <p:spPr>
+          <a:xfrm>
+            <a:off x="-1299" y="-1"/>
+            <a:ext cx="2130137" cy="1885695"/>
+          </a:xfrm>
+          <a:prstGeom prst="rect">
+            <a:avLst/>
+          </a:prstGeom>
+        </p:spPr>
+      </p:pic>
     </p:spTree>
   </p:cSld>
-  <mc:AlternateContent>
+  <p:clrMapOvr>
+    <a:masterClrMapping/>
+  </p:clrMapOvr>
+  <mc:AlternateContent xmlns:mc="http://schemas.openxmlformats.org/markup-compatibility/2006" xmlns:p14="http://schemas.microsoft.com/office/powerpoint/2010/main">
     <mc:Choice Requires="p14">
       <p:transition spd="slow" p14:dur="2000"/>
     </mc:Choice>
-    <mc:Fallback>
+    <mc:Fallback xmlns:p15="http://schemas.microsoft.com/office/powerpoint/2012/main" xmlns="">
       <p:transition spd="slow"/>
     </mc:Fallback>
   </mc:AlternateContent>
   <p:timing>
     <p:tnLst>
       <p:par>
-        <p:cTn id="21" dur="indefinite" restart="never" nodeType="tmRoot">
+        <p:cTn id="1" dur="indefinite" restart="never" nodeType="tmRoot">
           <p:childTnLst>
             <p:seq>
-              <p:cTn id="22" dur="indefinite" nodeType="mainSeq"/>
+              <p:cTn id="2" dur="indefinite" nodeType="mainSeq"/>
               <p:prevCondLst>
-                <p:cond delay="0" evt="onPrev">
+                <p:cond evt="onPrev" delay="0">
                   <p:tgtEl>
                     <p:sldTgt/>
                   </p:tgtEl>
                 </p:cond>
               </p:prevCondLst>
               <p:nextCondLst>
-                <p:cond delay="0" evt="onNext">
+                <p:cond evt="onNext" delay="0">
                   <p:tgtEl>
                     <p:sldTgt/>
                   </p:tgtEl>
@@ -3663,8 +5040,16 @@
 </file>
 
 <file path=ppt/slides/slide12.xml><?xml version="1.0" encoding="utf-8"?>
-<p:sld xmlns:a="http://schemas.openxmlformats.org/drawingml/2006/main" xmlns:p="http://schemas.openxmlformats.org/presentationml/2006/main" xmlns:r="http://schemas.openxmlformats.org/officeDocument/2006/relationships" xmlns:p14="http://schemas.microsoft.com/office/powerpoint/2010/main" xmlns:p15="http://schemas.microsoft.com/office/powerpoint/2012/main" xmlns:mc="http://schemas.openxmlformats.org/markup-compatibility/2006">
+<p:sld xmlns:a="http://schemas.openxmlformats.org/drawingml/2006/main" xmlns:r="http://schemas.openxmlformats.org/officeDocument/2006/relationships" xmlns:p="http://schemas.openxmlformats.org/presentationml/2006/main">
   <p:cSld>
+    <p:bg>
+      <p:bgPr>
+        <a:solidFill>
+          <a:schemeClr val="tx1"/>
+        </a:solidFill>
+        <a:effectLst/>
+      </p:bgPr>
+    </p:bg>
     <p:spTree>
       <p:nvGrpSpPr>
         <p:cNvPr id="1" name=""/>
@@ -3681,7 +5066,7 @@
       </p:grpSpPr>
       <p:sp>
         <p:nvSpPr>
-          <p:cNvPr id="98" name="CustomShape 1"/>
+          <p:cNvPr id="96" name="CustomShape 1"/>
           <p:cNvSpPr/>
           <p:nvPr/>
         </p:nvSpPr>
@@ -3699,13 +5084,20 @@
           </a:ln>
         </p:spPr>
         <p:style>
-          <a:lnRef idx="0"/>
-          <a:fillRef idx="0"/>
-          <a:effectRef idx="0"/>
+          <a:lnRef idx="0">
+            <a:scrgbClr r="0" g="0" b="0"/>
+          </a:lnRef>
+          <a:fillRef idx="0">
+            <a:scrgbClr r="0" g="0" b="0"/>
+          </a:fillRef>
+          <a:effectRef idx="0">
+            <a:scrgbClr r="0" g="0" b="0"/>
+          </a:effectRef>
           <a:fontRef idx="minor"/>
         </p:style>
         <p:txBody>
-          <a:bodyPr lIns="0" rIns="0" tIns="0" bIns="0" anchor="ctr"/>
+          <a:bodyPr lIns="0" tIns="0" rIns="0" bIns="0" anchor="ctr"/>
+          <a:lstStyle/>
           <a:p>
             <a:pPr algn="ctr">
               <a:lnSpc>
@@ -3713,20 +5105,20 @@
               </a:lnSpc>
             </a:pPr>
             <a:r>
-              <a:rPr b="0" lang="en-GB" sz="4400" spc="-1" strike="noStrike">
-                <a:latin typeface="FF Mark Pro"/>
+              <a:rPr lang="en-GB" sz="4400" b="0" strike="noStrike" spc="-1" dirty="0">
+                <a:solidFill>
+                  <a:srgbClr val="7C5B33"/>
+                </a:solidFill>
+                <a:latin typeface="Century Gothic" panose="020B0502020202020204" pitchFamily="34" charset="0"/>
               </a:rPr>
               <a:t>Development Plan</a:t>
             </a:r>
-            <a:endParaRPr b="0" lang="en-GB" sz="4400" spc="-1" strike="noStrike">
-              <a:latin typeface="FF Mark Pro"/>
-            </a:endParaRPr>
-          </a:p>
-        </p:txBody>
-      </p:sp>
-      <p:sp>
-        <p:nvSpPr>
-          <p:cNvPr id="99" name="CustomShape 2"/>
+          </a:p>
+        </p:txBody>
+      </p:sp>
+      <p:sp>
+        <p:nvSpPr>
+          <p:cNvPr id="97" name="CustomShape 2"/>
           <p:cNvSpPr/>
           <p:nvPr/>
         </p:nvSpPr>
@@ -3744,38 +5136,381 @@
           </a:ln>
         </p:spPr>
         <p:style>
-          <a:lnRef idx="0"/>
-          <a:fillRef idx="0"/>
-          <a:effectRef idx="0"/>
+          <a:lnRef idx="0">
+            <a:scrgbClr r="0" g="0" b="0"/>
+          </a:lnRef>
+          <a:fillRef idx="0">
+            <a:scrgbClr r="0" g="0" b="0"/>
+          </a:fillRef>
+          <a:effectRef idx="0">
+            <a:scrgbClr r="0" g="0" b="0"/>
+          </a:effectRef>
           <a:fontRef idx="minor"/>
         </p:style>
       </p:sp>
+      <p:sp>
+        <p:nvSpPr>
+          <p:cNvPr id="2" name="Rectangle 1"/>
+          <p:cNvSpPr/>
+          <p:nvPr/>
+        </p:nvSpPr>
+        <p:spPr>
+          <a:xfrm>
+            <a:off x="504000" y="1326600"/>
+            <a:ext cx="9071280" cy="3600986"/>
+          </a:xfrm>
+          <a:prstGeom prst="rect">
+            <a:avLst/>
+          </a:prstGeom>
+        </p:spPr>
+        <p:txBody>
+          <a:bodyPr wrap="square">
+            <a:spAutoFit/>
+          </a:bodyPr>
+          <a:lstStyle/>
+          <a:p>
+            <a:pPr algn="ctr"/>
+            <a:r>
+              <a:rPr lang="en-GB" b="0" dirty="0" smtClean="0">
+                <a:solidFill>
+                  <a:srgbClr val="937535"/>
+                </a:solidFill>
+                <a:effectLst/>
+                <a:latin typeface="Century Gothic" panose="020B0502020202020204" pitchFamily="34" charset="0"/>
+              </a:rPr>
+              <a:t/>
+            </a:r>
+            <a:br>
+              <a:rPr lang="en-GB" b="0" dirty="0" smtClean="0">
+                <a:solidFill>
+                  <a:srgbClr val="937535"/>
+                </a:solidFill>
+                <a:effectLst/>
+                <a:latin typeface="Century Gothic" panose="020B0502020202020204" pitchFamily="34" charset="0"/>
+              </a:rPr>
+            </a:br>
+            <a:r>
+              <a:rPr lang="en-GB" sz="2800" b="0" i="0" u="sng" dirty="0" smtClean="0">
+                <a:solidFill>
+                  <a:srgbClr val="937535"/>
+                </a:solidFill>
+                <a:effectLst/>
+                <a:latin typeface="Century Gothic" panose="020B0502020202020204" pitchFamily="34" charset="0"/>
+              </a:rPr>
+              <a:t>POST RELEASE ROADMAP</a:t>
+            </a:r>
+          </a:p>
+          <a:p>
+            <a:pPr algn="ctr"/>
+            <a:r>
+              <a:rPr lang="en-GB" i="1" dirty="0" smtClean="0">
+                <a:solidFill>
+                  <a:srgbClr val="937535"/>
+                </a:solidFill>
+                <a:latin typeface="Century Gothic" panose="020B0502020202020204" pitchFamily="34" charset="0"/>
+              </a:rPr>
+              <a:t>Note</a:t>
+            </a:r>
+            <a:r>
+              <a:rPr lang="en-GB" i="1" dirty="0">
+                <a:solidFill>
+                  <a:srgbClr val="937535"/>
+                </a:solidFill>
+                <a:latin typeface="Century Gothic" panose="020B0502020202020204" pitchFamily="34" charset="0"/>
+              </a:rPr>
+              <a:t>: All expansions are paid unless otherwise stated</a:t>
+            </a:r>
+            <a:endParaRPr lang="en-GB" b="0" dirty="0" smtClean="0">
+              <a:solidFill>
+                <a:srgbClr val="937535"/>
+              </a:solidFill>
+              <a:effectLst/>
+              <a:latin typeface="Century Gothic" panose="020B0502020202020204" pitchFamily="34" charset="0"/>
+            </a:endParaRPr>
+          </a:p>
+          <a:p>
+            <a:pPr algn="ctr"/>
+            <a:endParaRPr lang="en-GB" b="1" dirty="0" smtClean="0">
+              <a:solidFill>
+                <a:srgbClr val="937535"/>
+              </a:solidFill>
+              <a:latin typeface="Century Gothic" panose="020B0502020202020204" pitchFamily="34" charset="0"/>
+            </a:endParaRPr>
+          </a:p>
+          <a:p>
+            <a:r>
+              <a:rPr lang="en-GB" b="1" dirty="0" smtClean="0">
+                <a:solidFill>
+                  <a:srgbClr val="937535"/>
+                </a:solidFill>
+                <a:latin typeface="Century Gothic" panose="020B0502020202020204" pitchFamily="34" charset="0"/>
+              </a:rPr>
+              <a:t>Month 5</a:t>
+            </a:r>
+            <a:r>
+              <a:rPr lang="en-GB" dirty="0" smtClean="0">
+                <a:solidFill>
+                  <a:srgbClr val="937535"/>
+                </a:solidFill>
+                <a:latin typeface="Century Gothic" panose="020B0502020202020204" pitchFamily="34" charset="0"/>
+              </a:rPr>
+              <a:t>: Minor expansion: </a:t>
+            </a:r>
+            <a:r>
+              <a:rPr lang="en-GB" i="1" dirty="0" smtClean="0">
+                <a:solidFill>
+                  <a:srgbClr val="937535"/>
+                </a:solidFill>
+                <a:latin typeface="Century Gothic" panose="020B0502020202020204" pitchFamily="34" charset="0"/>
+              </a:rPr>
+              <a:t>Sekai Saviour: Exploring the Aftermath</a:t>
+            </a:r>
+            <a:endParaRPr lang="en-GB" b="0" dirty="0" smtClean="0">
+              <a:solidFill>
+                <a:srgbClr val="937535"/>
+              </a:solidFill>
+              <a:effectLst/>
+              <a:latin typeface="Century Gothic" panose="020B0502020202020204" pitchFamily="34" charset="0"/>
+            </a:endParaRPr>
+          </a:p>
+          <a:p>
+            <a:r>
+              <a:rPr lang="en-GB" sz="1400" b="0" i="0" u="none" strike="noStrike" dirty="0" smtClean="0">
+                <a:solidFill>
+                  <a:srgbClr val="937535"/>
+                </a:solidFill>
+                <a:effectLst/>
+                <a:latin typeface="Century Gothic" panose="020B0502020202020204" pitchFamily="34" charset="0"/>
+              </a:rPr>
+              <a:t>	(Unpaid, depending on current daily players. Otherwise; £0.99)</a:t>
+            </a:r>
+            <a:r>
+              <a:rPr lang="en-GB" dirty="0" smtClean="0">
+                <a:solidFill>
+                  <a:srgbClr val="937535"/>
+                </a:solidFill>
+                <a:latin typeface="Century Gothic" panose="020B0502020202020204" pitchFamily="34" charset="0"/>
+              </a:rPr>
+              <a:t/>
+            </a:r>
+            <a:br>
+              <a:rPr lang="en-GB" dirty="0" smtClean="0">
+                <a:solidFill>
+                  <a:srgbClr val="937535"/>
+                </a:solidFill>
+                <a:latin typeface="Century Gothic" panose="020B0502020202020204" pitchFamily="34" charset="0"/>
+              </a:rPr>
+            </a:br>
+            <a:endParaRPr lang="en-GB" b="0" dirty="0" smtClean="0">
+              <a:solidFill>
+                <a:srgbClr val="937535"/>
+              </a:solidFill>
+              <a:effectLst/>
+              <a:latin typeface="Century Gothic" panose="020B0502020202020204" pitchFamily="34" charset="0"/>
+            </a:endParaRPr>
+          </a:p>
+          <a:p>
+            <a:r>
+              <a:rPr lang="en-GB" b="1" dirty="0" smtClean="0">
+                <a:solidFill>
+                  <a:srgbClr val="937535"/>
+                </a:solidFill>
+                <a:latin typeface="Century Gothic" panose="020B0502020202020204" pitchFamily="34" charset="0"/>
+              </a:rPr>
+              <a:t>Month 6</a:t>
+            </a:r>
+            <a:r>
+              <a:rPr lang="en-GB" dirty="0" smtClean="0">
+                <a:solidFill>
+                  <a:srgbClr val="937535"/>
+                </a:solidFill>
+                <a:latin typeface="Century Gothic" panose="020B0502020202020204" pitchFamily="34" charset="0"/>
+              </a:rPr>
+              <a:t>: Minor Expansion 2: </a:t>
+            </a:r>
+            <a:r>
+              <a:rPr lang="en-GB" i="1" dirty="0" smtClean="0">
+                <a:solidFill>
+                  <a:srgbClr val="937535"/>
+                </a:solidFill>
+                <a:latin typeface="Century Gothic" panose="020B0502020202020204" pitchFamily="34" charset="0"/>
+              </a:rPr>
+              <a:t>Sekai Saviour: The Emperor Crashes The Party</a:t>
+            </a:r>
+            <a:r>
+              <a:rPr lang="en-GB" dirty="0">
+                <a:solidFill>
+                  <a:srgbClr val="937535"/>
+                </a:solidFill>
+                <a:latin typeface="Century Gothic" panose="020B0502020202020204" pitchFamily="34" charset="0"/>
+              </a:rPr>
+              <a:t> </a:t>
+            </a:r>
+            <a:endParaRPr lang="en-GB" dirty="0" smtClean="0">
+              <a:solidFill>
+                <a:srgbClr val="937535"/>
+              </a:solidFill>
+              <a:latin typeface="Century Gothic" panose="020B0502020202020204" pitchFamily="34" charset="0"/>
+            </a:endParaRPr>
+          </a:p>
+          <a:p>
+            <a:r>
+              <a:rPr lang="en-GB" sz="1400" dirty="0">
+                <a:solidFill>
+                  <a:srgbClr val="937535"/>
+                </a:solidFill>
+                <a:latin typeface="Century Gothic" panose="020B0502020202020204" pitchFamily="34" charset="0"/>
+              </a:rPr>
+              <a:t>	</a:t>
+            </a:r>
+            <a:r>
+              <a:rPr lang="en-GB" sz="1400" dirty="0" smtClean="0">
+                <a:solidFill>
+                  <a:srgbClr val="937535"/>
+                </a:solidFill>
+                <a:latin typeface="Century Gothic" panose="020B0502020202020204" pitchFamily="34" charset="0"/>
+                <a:cs typeface="Arial" panose="020B0604020202020204" pitchFamily="34" charset="0"/>
+              </a:rPr>
+              <a:t>(£1.49)</a:t>
+            </a:r>
+            <a:endParaRPr lang="en-GB" sz="1400" b="0" dirty="0" smtClean="0">
+              <a:solidFill>
+                <a:srgbClr val="937535"/>
+              </a:solidFill>
+              <a:effectLst/>
+              <a:latin typeface="Century Gothic" panose="020B0502020202020204" pitchFamily="34" charset="0"/>
+              <a:cs typeface="Arial" panose="020B0604020202020204" pitchFamily="34" charset="0"/>
+            </a:endParaRPr>
+          </a:p>
+          <a:p>
+            <a:endParaRPr lang="en-GB" b="1" dirty="0" smtClean="0">
+              <a:solidFill>
+                <a:srgbClr val="937535"/>
+              </a:solidFill>
+              <a:latin typeface="Century Gothic" panose="020B0502020202020204" pitchFamily="34" charset="0"/>
+            </a:endParaRPr>
+          </a:p>
+          <a:p>
+            <a:r>
+              <a:rPr lang="en-GB" b="1" dirty="0" smtClean="0">
+                <a:solidFill>
+                  <a:srgbClr val="937535"/>
+                </a:solidFill>
+                <a:latin typeface="Century Gothic" panose="020B0502020202020204" pitchFamily="34" charset="0"/>
+              </a:rPr>
+              <a:t>Month 7</a:t>
+            </a:r>
+            <a:r>
+              <a:rPr lang="en-GB" dirty="0" smtClean="0">
+                <a:solidFill>
+                  <a:srgbClr val="937535"/>
+                </a:solidFill>
+                <a:latin typeface="Century Gothic" panose="020B0502020202020204" pitchFamily="34" charset="0"/>
+              </a:rPr>
+              <a:t>: Minor expansion 3: </a:t>
+            </a:r>
+            <a:r>
+              <a:rPr lang="en-GB" i="1" dirty="0" smtClean="0">
+                <a:solidFill>
+                  <a:srgbClr val="937535"/>
+                </a:solidFill>
+                <a:latin typeface="Century Gothic" panose="020B0502020202020204" pitchFamily="34" charset="0"/>
+              </a:rPr>
+              <a:t>Sekai Saviour: The Emperor’s Child</a:t>
+            </a:r>
+            <a:endParaRPr lang="en-GB" b="0" dirty="0" smtClean="0">
+              <a:solidFill>
+                <a:srgbClr val="937535"/>
+              </a:solidFill>
+              <a:effectLst/>
+              <a:latin typeface="Century Gothic" panose="020B0502020202020204" pitchFamily="34" charset="0"/>
+            </a:endParaRPr>
+          </a:p>
+          <a:p>
+            <a:r>
+              <a:rPr lang="en-GB" sz="1400" b="0" i="0" u="none" strike="noStrike" dirty="0" smtClean="0">
+                <a:solidFill>
+                  <a:srgbClr val="937535"/>
+                </a:solidFill>
+                <a:effectLst/>
+                <a:latin typeface="Century Gothic" panose="020B0502020202020204" pitchFamily="34" charset="0"/>
+              </a:rPr>
+              <a:t>	(Unpaid, depending on public reception of Month 5 and current daily players. Otherwise, £1.49)</a:t>
+            </a:r>
+            <a:endParaRPr lang="en-GB" b="0" dirty="0" smtClean="0">
+              <a:solidFill>
+                <a:srgbClr val="937535"/>
+              </a:solidFill>
+              <a:effectLst/>
+              <a:latin typeface="Century Gothic" panose="020B0502020202020204" pitchFamily="34" charset="0"/>
+            </a:endParaRPr>
+          </a:p>
+        </p:txBody>
+      </p:sp>
+      <p:pic>
+        <p:nvPicPr>
+          <p:cNvPr id="5" name="Picture 4"/>
+          <p:cNvPicPr>
+            <a:picLocks noChangeAspect="1"/>
+          </p:cNvPicPr>
+          <p:nvPr/>
+        </p:nvPicPr>
+        <p:blipFill>
+          <a:blip r:embed="rId2" cstate="print">
+            <a:extLst>
+              <a:ext uri="{28A0092B-C50C-407E-A947-70E740481C1C}">
+                <a14:useLocalDpi xmlns:a14="http://schemas.microsoft.com/office/drawing/2010/main" val="0"/>
+              </a:ext>
+            </a:extLst>
+          </a:blip>
+          <a:stretch>
+            <a:fillRect/>
+          </a:stretch>
+        </p:blipFill>
+        <p:spPr>
+          <a:xfrm>
+            <a:off x="-1299" y="-1"/>
+            <a:ext cx="2130137" cy="1885695"/>
+          </a:xfrm>
+          <a:prstGeom prst="rect">
+            <a:avLst/>
+          </a:prstGeom>
+        </p:spPr>
+      </p:pic>
     </p:spTree>
+    <p:extLst>
+      <p:ext uri="{BB962C8B-B14F-4D97-AF65-F5344CB8AC3E}">
+        <p14:creationId xmlns:p14="http://schemas.microsoft.com/office/powerpoint/2010/main" val="2997933765"/>
+      </p:ext>
+    </p:extLst>
   </p:cSld>
-  <mc:AlternateContent>
+  <p:clrMapOvr>
+    <a:masterClrMapping/>
+  </p:clrMapOvr>
+  <mc:AlternateContent xmlns:mc="http://schemas.openxmlformats.org/markup-compatibility/2006" xmlns:p14="http://schemas.microsoft.com/office/powerpoint/2010/main">
     <mc:Choice Requires="p14">
       <p:transition spd="slow" p14:dur="2000"/>
     </mc:Choice>
-    <mc:Fallback>
+    <mc:Fallback xmlns:p15="http://schemas.microsoft.com/office/powerpoint/2012/main" xmlns="">
       <p:transition spd="slow"/>
     </mc:Fallback>
   </mc:AlternateContent>
   <p:timing>
     <p:tnLst>
       <p:par>
-        <p:cTn id="23" dur="indefinite" restart="never" nodeType="tmRoot">
+        <p:cTn id="1" dur="indefinite" restart="never" nodeType="tmRoot">
           <p:childTnLst>
             <p:seq>
-              <p:cTn id="24" dur="indefinite" nodeType="mainSeq"/>
+              <p:cTn id="2" dur="indefinite" nodeType="mainSeq"/>
               <p:prevCondLst>
-                <p:cond delay="0" evt="onPrev">
+                <p:cond evt="onPrev" delay="0">
                   <p:tgtEl>
                     <p:sldTgt/>
                   </p:tgtEl>
                 </p:cond>
               </p:prevCondLst>
               <p:nextCondLst>
-                <p:cond delay="0" evt="onNext">
+                <p:cond evt="onNext" delay="0">
                   <p:tgtEl>
                     <p:sldTgt/>
                   </p:tgtEl>
@@ -3791,8 +5526,16 @@
 </file>
 
 <file path=ppt/slides/slide13.xml><?xml version="1.0" encoding="utf-8"?>
-<p:sld xmlns:a="http://schemas.openxmlformats.org/drawingml/2006/main" xmlns:p="http://schemas.openxmlformats.org/presentationml/2006/main" xmlns:r="http://schemas.openxmlformats.org/officeDocument/2006/relationships" xmlns:p14="http://schemas.microsoft.com/office/powerpoint/2010/main" xmlns:p15="http://schemas.microsoft.com/office/powerpoint/2012/main" xmlns:mc="http://schemas.openxmlformats.org/markup-compatibility/2006">
+<p:sld xmlns:a="http://schemas.openxmlformats.org/drawingml/2006/main" xmlns:r="http://schemas.openxmlformats.org/officeDocument/2006/relationships" xmlns:p="http://schemas.openxmlformats.org/presentationml/2006/main">
   <p:cSld>
+    <p:bg>
+      <p:bgPr>
+        <a:solidFill>
+          <a:schemeClr val="tx1"/>
+        </a:solidFill>
+        <a:effectLst/>
+      </p:bgPr>
+    </p:bg>
     <p:spTree>
       <p:nvGrpSpPr>
         <p:cNvPr id="1" name=""/>
@@ -3809,7 +5552,7 @@
       </p:grpSpPr>
       <p:sp>
         <p:nvSpPr>
-          <p:cNvPr id="100" name="CustomShape 1"/>
+          <p:cNvPr id="96" name="CustomShape 1"/>
           <p:cNvSpPr/>
           <p:nvPr/>
         </p:nvSpPr>
@@ -3827,13 +5570,20 @@
           </a:ln>
         </p:spPr>
         <p:style>
-          <a:lnRef idx="0"/>
-          <a:fillRef idx="0"/>
-          <a:effectRef idx="0"/>
+          <a:lnRef idx="0">
+            <a:scrgbClr r="0" g="0" b="0"/>
+          </a:lnRef>
+          <a:fillRef idx="0">
+            <a:scrgbClr r="0" g="0" b="0"/>
+          </a:fillRef>
+          <a:effectRef idx="0">
+            <a:scrgbClr r="0" g="0" b="0"/>
+          </a:effectRef>
           <a:fontRef idx="minor"/>
         </p:style>
         <p:txBody>
-          <a:bodyPr lIns="0" rIns="0" tIns="0" bIns="0" anchor="ctr"/>
+          <a:bodyPr lIns="0" tIns="0" rIns="0" bIns="0" anchor="ctr"/>
+          <a:lstStyle/>
           <a:p>
             <a:pPr algn="ctr">
               <a:lnSpc>
@@ -3841,20 +5591,20 @@
               </a:lnSpc>
             </a:pPr>
             <a:r>
-              <a:rPr b="0" lang="en-GB" sz="4400" spc="-1" strike="noStrike">
-                <a:latin typeface="FF Mark Pro"/>
+              <a:rPr lang="en-GB" sz="4400" b="0" strike="noStrike" spc="-1" dirty="0">
+                <a:solidFill>
+                  <a:srgbClr val="7C5B33"/>
+                </a:solidFill>
+                <a:latin typeface="Century Gothic" panose="020B0502020202020204" pitchFamily="34" charset="0"/>
               </a:rPr>
               <a:t>Development Plan</a:t>
             </a:r>
-            <a:endParaRPr b="0" lang="en-GB" sz="4400" spc="-1" strike="noStrike">
-              <a:latin typeface="FF Mark Pro"/>
-            </a:endParaRPr>
-          </a:p>
-        </p:txBody>
-      </p:sp>
-      <p:sp>
-        <p:nvSpPr>
-          <p:cNvPr id="101" name="CustomShape 2"/>
+          </a:p>
+        </p:txBody>
+      </p:sp>
+      <p:sp>
+        <p:nvSpPr>
+          <p:cNvPr id="97" name="CustomShape 2"/>
           <p:cNvSpPr/>
           <p:nvPr/>
         </p:nvSpPr>
@@ -3872,38 +5622,312 @@
           </a:ln>
         </p:spPr>
         <p:style>
-          <a:lnRef idx="0"/>
-          <a:fillRef idx="0"/>
-          <a:effectRef idx="0"/>
+          <a:lnRef idx="0">
+            <a:scrgbClr r="0" g="0" b="0"/>
+          </a:lnRef>
+          <a:fillRef idx="0">
+            <a:scrgbClr r="0" g="0" b="0"/>
+          </a:fillRef>
+          <a:effectRef idx="0">
+            <a:scrgbClr r="0" g="0" b="0"/>
+          </a:effectRef>
           <a:fontRef idx="minor"/>
         </p:style>
       </p:sp>
+      <p:sp>
+        <p:nvSpPr>
+          <p:cNvPr id="2" name="Rectangle 1"/>
+          <p:cNvSpPr/>
+          <p:nvPr/>
+        </p:nvSpPr>
+        <p:spPr>
+          <a:xfrm>
+            <a:off x="504000" y="1326600"/>
+            <a:ext cx="9071280" cy="2985433"/>
+          </a:xfrm>
+          <a:prstGeom prst="rect">
+            <a:avLst/>
+          </a:prstGeom>
+        </p:spPr>
+        <p:txBody>
+          <a:bodyPr wrap="square">
+            <a:spAutoFit/>
+          </a:bodyPr>
+          <a:lstStyle/>
+          <a:p>
+            <a:pPr algn="ctr"/>
+            <a:r>
+              <a:rPr lang="en-GB" b="0" dirty="0" smtClean="0">
+                <a:solidFill>
+                  <a:srgbClr val="937535"/>
+                </a:solidFill>
+                <a:effectLst/>
+                <a:latin typeface="Century Gothic" panose="020B0502020202020204" pitchFamily="34" charset="0"/>
+              </a:rPr>
+              <a:t/>
+            </a:r>
+            <a:br>
+              <a:rPr lang="en-GB" b="0" dirty="0" smtClean="0">
+                <a:solidFill>
+                  <a:srgbClr val="937535"/>
+                </a:solidFill>
+                <a:effectLst/>
+                <a:latin typeface="Century Gothic" panose="020B0502020202020204" pitchFamily="34" charset="0"/>
+              </a:rPr>
+            </a:br>
+            <a:r>
+              <a:rPr lang="en-GB" sz="2800" b="0" i="0" u="sng" dirty="0" smtClean="0">
+                <a:solidFill>
+                  <a:srgbClr val="937535"/>
+                </a:solidFill>
+                <a:effectLst/>
+                <a:latin typeface="Century Gothic" panose="020B0502020202020204" pitchFamily="34" charset="0"/>
+              </a:rPr>
+              <a:t>POST RELEASE ROADMAP</a:t>
+            </a:r>
+          </a:p>
+          <a:p>
+            <a:pPr algn="ctr"/>
+            <a:r>
+              <a:rPr lang="en-GB" i="1" dirty="0" smtClean="0">
+                <a:solidFill>
+                  <a:srgbClr val="937535"/>
+                </a:solidFill>
+                <a:latin typeface="Century Gothic" panose="020B0502020202020204" pitchFamily="34" charset="0"/>
+              </a:rPr>
+              <a:t>Note</a:t>
+            </a:r>
+            <a:r>
+              <a:rPr lang="en-GB" i="1" dirty="0">
+                <a:solidFill>
+                  <a:srgbClr val="937535"/>
+                </a:solidFill>
+                <a:latin typeface="Century Gothic" panose="020B0502020202020204" pitchFamily="34" charset="0"/>
+              </a:rPr>
+              <a:t>: All expansions are paid unless otherwise </a:t>
+            </a:r>
+            <a:r>
+              <a:rPr lang="en-GB" i="1" dirty="0" smtClean="0">
+                <a:solidFill>
+                  <a:srgbClr val="937535"/>
+                </a:solidFill>
+                <a:latin typeface="Century Gothic" panose="020B0502020202020204" pitchFamily="34" charset="0"/>
+              </a:rPr>
+              <a:t>stated</a:t>
+            </a:r>
+          </a:p>
+          <a:p>
+            <a:pPr algn="ctr"/>
+            <a:endParaRPr lang="en-GB" b="0" dirty="0" smtClean="0">
+              <a:solidFill>
+                <a:srgbClr val="937535"/>
+              </a:solidFill>
+              <a:effectLst/>
+              <a:latin typeface="Century Gothic" panose="020B0502020202020204" pitchFamily="34" charset="0"/>
+            </a:endParaRPr>
+          </a:p>
+          <a:p>
+            <a:r>
+              <a:rPr lang="en-GB" b="1" dirty="0" smtClean="0">
+                <a:solidFill>
+                  <a:srgbClr val="937535"/>
+                </a:solidFill>
+                <a:latin typeface="Century Gothic" panose="020B0502020202020204" pitchFamily="34" charset="0"/>
+              </a:rPr>
+              <a:t>Month 10-11</a:t>
+            </a:r>
+            <a:r>
+              <a:rPr lang="en-GB" dirty="0" smtClean="0">
+                <a:solidFill>
+                  <a:srgbClr val="937535"/>
+                </a:solidFill>
+                <a:latin typeface="Century Gothic" panose="020B0502020202020204" pitchFamily="34" charset="0"/>
+              </a:rPr>
+              <a:t>: Major Expansion: </a:t>
+            </a:r>
+            <a:r>
+              <a:rPr lang="en-GB" i="1" dirty="0" smtClean="0">
+                <a:solidFill>
+                  <a:srgbClr val="937535"/>
+                </a:solidFill>
+                <a:latin typeface="Century Gothic" panose="020B0502020202020204" pitchFamily="34" charset="0"/>
+              </a:rPr>
+              <a:t>Sekai Saviour: The Emperor’s Hidden Porn Collection</a:t>
+            </a:r>
+            <a:endParaRPr lang="en-GB" b="0" dirty="0" smtClean="0">
+              <a:solidFill>
+                <a:srgbClr val="937535"/>
+              </a:solidFill>
+              <a:effectLst/>
+              <a:latin typeface="Century Gothic" panose="020B0502020202020204" pitchFamily="34" charset="0"/>
+            </a:endParaRPr>
+          </a:p>
+          <a:p>
+            <a:r>
+              <a:rPr lang="en-GB" dirty="0" smtClean="0">
+                <a:solidFill>
+                  <a:srgbClr val="937535"/>
+                </a:solidFill>
+                <a:latin typeface="Century Gothic" panose="020B0502020202020204" pitchFamily="34" charset="0"/>
+              </a:rPr>
+              <a:t>	</a:t>
+            </a:r>
+            <a:r>
+              <a:rPr lang="en-GB" sz="1400" dirty="0" smtClean="0">
+                <a:solidFill>
+                  <a:srgbClr val="937535"/>
+                </a:solidFill>
+                <a:latin typeface="Century Gothic" panose="020B0502020202020204" pitchFamily="34" charset="0"/>
+              </a:rPr>
+              <a:t>(£2.89)</a:t>
+            </a:r>
+            <a:endParaRPr lang="en-GB" sz="1400" b="0" dirty="0" smtClean="0">
+              <a:solidFill>
+                <a:srgbClr val="937535"/>
+              </a:solidFill>
+              <a:effectLst/>
+              <a:latin typeface="Century Gothic" panose="020B0502020202020204" pitchFamily="34" charset="0"/>
+            </a:endParaRPr>
+          </a:p>
+          <a:p>
+            <a:endParaRPr lang="en-GB" b="1" dirty="0" smtClean="0">
+              <a:solidFill>
+                <a:srgbClr val="937535"/>
+              </a:solidFill>
+              <a:latin typeface="Century Gothic" panose="020B0502020202020204" pitchFamily="34" charset="0"/>
+            </a:endParaRPr>
+          </a:p>
+          <a:p>
+            <a:r>
+              <a:rPr lang="en-GB" b="1" dirty="0" smtClean="0">
+                <a:solidFill>
+                  <a:srgbClr val="937535"/>
+                </a:solidFill>
+                <a:latin typeface="Century Gothic" panose="020B0502020202020204" pitchFamily="34" charset="0"/>
+              </a:rPr>
+              <a:t>End of Month 12:</a:t>
+            </a:r>
+            <a:r>
+              <a:rPr lang="en-GB" dirty="0" smtClean="0">
+                <a:solidFill>
+                  <a:srgbClr val="937535"/>
+                </a:solidFill>
+                <a:latin typeface="Century Gothic" panose="020B0502020202020204" pitchFamily="34" charset="0"/>
+              </a:rPr>
+              <a:t> Profits are expected to decline</a:t>
+            </a:r>
+            <a:endParaRPr lang="en-GB" dirty="0">
+              <a:solidFill>
+                <a:srgbClr val="937535"/>
+              </a:solidFill>
+              <a:latin typeface="Century Gothic" panose="020B0502020202020204" pitchFamily="34" charset="0"/>
+            </a:endParaRPr>
+          </a:p>
+          <a:p>
+            <a:r>
+              <a:rPr lang="en-GB" sz="1600" b="0" i="0" u="none" strike="noStrike" dirty="0" smtClean="0">
+                <a:solidFill>
+                  <a:srgbClr val="937535"/>
+                </a:solidFill>
+                <a:effectLst/>
+                <a:latin typeface="Century Gothic" panose="020B0502020202020204" pitchFamily="34" charset="0"/>
+              </a:rPr>
+              <a:t>	profit shares with Ninja </a:t>
+            </a:r>
+            <a:r>
+              <a:rPr lang="en-GB" sz="1600" b="0" i="0" u="none" strike="noStrike" dirty="0" err="1" smtClean="0">
+                <a:solidFill>
+                  <a:srgbClr val="937535"/>
+                </a:solidFill>
+                <a:effectLst/>
+                <a:latin typeface="Century Gothic" panose="020B0502020202020204" pitchFamily="34" charset="0"/>
+              </a:rPr>
+              <a:t>Nyan</a:t>
+            </a:r>
+            <a:r>
+              <a:rPr lang="en-GB" sz="1600" b="0" i="0" u="none" strike="noStrike" dirty="0" smtClean="0">
+                <a:solidFill>
+                  <a:srgbClr val="937535"/>
+                </a:solidFill>
+                <a:effectLst/>
+                <a:latin typeface="Century Gothic" panose="020B0502020202020204" pitchFamily="34" charset="0"/>
+              </a:rPr>
+              <a:t> Play Lab end</a:t>
+            </a:r>
+            <a:endParaRPr lang="en-GB" b="0" dirty="0" smtClean="0">
+              <a:solidFill>
+                <a:srgbClr val="937535"/>
+              </a:solidFill>
+              <a:effectLst/>
+              <a:latin typeface="Century Gothic" panose="020B0502020202020204" pitchFamily="34" charset="0"/>
+            </a:endParaRPr>
+          </a:p>
+        </p:txBody>
+      </p:sp>
+      <p:pic>
+        <p:nvPicPr>
+          <p:cNvPr id="5" name="Picture 4"/>
+          <p:cNvPicPr>
+            <a:picLocks noChangeAspect="1"/>
+          </p:cNvPicPr>
+          <p:nvPr/>
+        </p:nvPicPr>
+        <p:blipFill>
+          <a:blip r:embed="rId2" cstate="print">
+            <a:extLst>
+              <a:ext uri="{28A0092B-C50C-407E-A947-70E740481C1C}">
+                <a14:useLocalDpi xmlns:a14="http://schemas.microsoft.com/office/drawing/2010/main" val="0"/>
+              </a:ext>
+            </a:extLst>
+          </a:blip>
+          <a:stretch>
+            <a:fillRect/>
+          </a:stretch>
+        </p:blipFill>
+        <p:spPr>
+          <a:xfrm>
+            <a:off x="-1299" y="-1"/>
+            <a:ext cx="2130137" cy="1885695"/>
+          </a:xfrm>
+          <a:prstGeom prst="rect">
+            <a:avLst/>
+          </a:prstGeom>
+        </p:spPr>
+      </p:pic>
     </p:spTree>
+    <p:extLst>
+      <p:ext uri="{BB962C8B-B14F-4D97-AF65-F5344CB8AC3E}">
+        <p14:creationId xmlns:p14="http://schemas.microsoft.com/office/powerpoint/2010/main" val="1953740979"/>
+      </p:ext>
+    </p:extLst>
   </p:cSld>
-  <mc:AlternateContent>
+  <p:clrMapOvr>
+    <a:masterClrMapping/>
+  </p:clrMapOvr>
+  <mc:AlternateContent xmlns:mc="http://schemas.openxmlformats.org/markup-compatibility/2006" xmlns:p14="http://schemas.microsoft.com/office/powerpoint/2010/main">
     <mc:Choice Requires="p14">
       <p:transition spd="slow" p14:dur="2000"/>
     </mc:Choice>
-    <mc:Fallback>
+    <mc:Fallback xmlns:p15="http://schemas.microsoft.com/office/powerpoint/2012/main" xmlns="">
       <p:transition spd="slow"/>
     </mc:Fallback>
   </mc:AlternateContent>
   <p:timing>
     <p:tnLst>
       <p:par>
-        <p:cTn id="25" dur="indefinite" restart="never" nodeType="tmRoot">
+        <p:cTn id="1" dur="indefinite" restart="never" nodeType="tmRoot">
           <p:childTnLst>
             <p:seq>
-              <p:cTn id="26" dur="indefinite" nodeType="mainSeq"/>
+              <p:cTn id="2" dur="indefinite" nodeType="mainSeq"/>
               <p:prevCondLst>
-                <p:cond delay="0" evt="onPrev">
+                <p:cond evt="onPrev" delay="0">
                   <p:tgtEl>
                     <p:sldTgt/>
                   </p:tgtEl>
                 </p:cond>
               </p:prevCondLst>
               <p:nextCondLst>
-                <p:cond delay="0" evt="onNext">
+                <p:cond evt="onNext" delay="0">
                   <p:tgtEl>
                     <p:sldTgt/>
                   </p:tgtEl>
@@ -3919,8 +5943,16 @@
 </file>
 
 <file path=ppt/slides/slide14.xml><?xml version="1.0" encoding="utf-8"?>
-<p:sld xmlns:a="http://schemas.openxmlformats.org/drawingml/2006/main" xmlns:p="http://schemas.openxmlformats.org/presentationml/2006/main" xmlns:r="http://schemas.openxmlformats.org/officeDocument/2006/relationships" xmlns:p14="http://schemas.microsoft.com/office/powerpoint/2010/main" xmlns:p15="http://schemas.microsoft.com/office/powerpoint/2012/main" xmlns:mc="http://schemas.openxmlformats.org/markup-compatibility/2006">
+<p:sld xmlns:a="http://schemas.openxmlformats.org/drawingml/2006/main" xmlns:r="http://schemas.openxmlformats.org/officeDocument/2006/relationships" xmlns:p="http://schemas.openxmlformats.org/presentationml/2006/main">
   <p:cSld>
+    <p:bg>
+      <p:bgPr>
+        <a:solidFill>
+          <a:schemeClr val="tx1"/>
+        </a:solidFill>
+        <a:effectLst/>
+      </p:bgPr>
+    </p:bg>
     <p:spTree>
       <p:nvGrpSpPr>
         <p:cNvPr id="1" name=""/>
@@ -3955,13 +5987,20 @@
           </a:ln>
         </p:spPr>
         <p:style>
-          <a:lnRef idx="0"/>
-          <a:fillRef idx="0"/>
-          <a:effectRef idx="0"/>
+          <a:lnRef idx="0">
+            <a:scrgbClr r="0" g="0" b="0"/>
+          </a:lnRef>
+          <a:fillRef idx="0">
+            <a:scrgbClr r="0" g="0" b="0"/>
+          </a:fillRef>
+          <a:effectRef idx="0">
+            <a:scrgbClr r="0" g="0" b="0"/>
+          </a:effectRef>
           <a:fontRef idx="minor"/>
         </p:style>
         <p:txBody>
-          <a:bodyPr lIns="0" rIns="0" tIns="0" bIns="0" anchor="ctr"/>
+          <a:bodyPr lIns="0" tIns="0" rIns="0" bIns="0" anchor="ctr"/>
+          <a:lstStyle/>
           <a:p>
             <a:pPr algn="ctr">
               <a:lnSpc>
@@ -3969,14 +6008,14 @@
               </a:lnSpc>
             </a:pPr>
             <a:r>
-              <a:rPr b="0" lang="en-GB" sz="4400" spc="-1" strike="noStrike">
-                <a:latin typeface="FF Mark Pro"/>
+              <a:rPr lang="en-GB" sz="4400" b="0" strike="noStrike" spc="-1" dirty="0">
+                <a:solidFill>
+                  <a:srgbClr val="7C5B33"/>
+                </a:solidFill>
+                <a:latin typeface="Century Gothic" panose="020B0502020202020204" pitchFamily="34" charset="0"/>
               </a:rPr>
               <a:t>Business Aims</a:t>
             </a:r>
-            <a:endParaRPr b="0" lang="en-GB" sz="4400" spc="-1" strike="noStrike">
-              <a:latin typeface="FF Mark Pro"/>
-            </a:endParaRPr>
           </a:p>
         </p:txBody>
       </p:sp>
@@ -4000,38 +6039,319 @@
           </a:ln>
         </p:spPr>
         <p:style>
-          <a:lnRef idx="0"/>
-          <a:fillRef idx="0"/>
-          <a:effectRef idx="0"/>
+          <a:lnRef idx="0">
+            <a:scrgbClr r="0" g="0" b="0"/>
+          </a:lnRef>
+          <a:fillRef idx="0">
+            <a:scrgbClr r="0" g="0" b="0"/>
+          </a:fillRef>
+          <a:effectRef idx="0">
+            <a:scrgbClr r="0" g="0" b="0"/>
+          </a:effectRef>
           <a:fontRef idx="minor"/>
         </p:style>
       </p:sp>
+      <p:sp>
+        <p:nvSpPr>
+          <p:cNvPr id="2" name="Rectangle 1"/>
+          <p:cNvSpPr/>
+          <p:nvPr/>
+        </p:nvSpPr>
+        <p:spPr>
+          <a:xfrm>
+            <a:off x="504000" y="1326600"/>
+            <a:ext cx="9071280" cy="3416320"/>
+          </a:xfrm>
+          <a:prstGeom prst="rect">
+            <a:avLst/>
+          </a:prstGeom>
+        </p:spPr>
+        <p:txBody>
+          <a:bodyPr wrap="square">
+            <a:spAutoFit/>
+          </a:bodyPr>
+          <a:lstStyle/>
+          <a:p>
+            <a:pPr algn="ctr"/>
+            <a:endParaRPr lang="en-GB" dirty="0" smtClean="0">
+              <a:solidFill>
+                <a:srgbClr val="937535"/>
+              </a:solidFill>
+              <a:latin typeface="Century Gothic" panose="020B0502020202020204" pitchFamily="34" charset="0"/>
+            </a:endParaRPr>
+          </a:p>
+          <a:p>
+            <a:pPr algn="ctr"/>
+            <a:endParaRPr lang="en-GB" dirty="0">
+              <a:solidFill>
+                <a:srgbClr val="937535"/>
+              </a:solidFill>
+              <a:latin typeface="Century Gothic" panose="020B0502020202020204" pitchFamily="34" charset="0"/>
+            </a:endParaRPr>
+          </a:p>
+          <a:p>
+            <a:pPr algn="ctr"/>
+            <a:r>
+              <a:rPr lang="en-GB" dirty="0" smtClean="0">
+                <a:solidFill>
+                  <a:srgbClr val="937535"/>
+                </a:solidFill>
+                <a:latin typeface="Century Gothic" panose="020B0502020202020204" pitchFamily="34" charset="0"/>
+              </a:rPr>
+              <a:t>We </a:t>
+            </a:r>
+            <a:r>
+              <a:rPr lang="en-GB" dirty="0">
+                <a:solidFill>
+                  <a:srgbClr val="937535"/>
+                </a:solidFill>
+                <a:latin typeface="Century Gothic" panose="020B0502020202020204" pitchFamily="34" charset="0"/>
+              </a:rPr>
+              <a:t>are requesting £</a:t>
+            </a:r>
+            <a:r>
+              <a:rPr lang="en-GB" dirty="0" smtClean="0">
+                <a:solidFill>
+                  <a:srgbClr val="937535"/>
+                </a:solidFill>
+                <a:latin typeface="Century Gothic" panose="020B0502020202020204" pitchFamily="34" charset="0"/>
+              </a:rPr>
+              <a:t>80,000</a:t>
+            </a:r>
+            <a:r>
+              <a:rPr lang="en-GB" dirty="0">
+                <a:solidFill>
+                  <a:srgbClr val="937535"/>
+                </a:solidFill>
+                <a:latin typeface="Century Gothic" panose="020B0502020202020204" pitchFamily="34" charset="0"/>
+              </a:rPr>
+              <a:t> </a:t>
+            </a:r>
+            <a:r>
+              <a:rPr lang="en-GB" dirty="0" smtClean="0">
+                <a:solidFill>
+                  <a:srgbClr val="937535"/>
+                </a:solidFill>
+                <a:latin typeface="Century Gothic" panose="020B0502020202020204" pitchFamily="34" charset="0"/>
+              </a:rPr>
+              <a:t>to fund the </a:t>
+            </a:r>
+            <a:r>
+              <a:rPr lang="en-GB" dirty="0">
+                <a:solidFill>
+                  <a:srgbClr val="937535"/>
+                </a:solidFill>
+                <a:latin typeface="Century Gothic" panose="020B0502020202020204" pitchFamily="34" charset="0"/>
+              </a:rPr>
+              <a:t>remaining 2 months of pre-release development</a:t>
+            </a:r>
+            <a:endParaRPr lang="en-GB" b="0" dirty="0" smtClean="0">
+              <a:solidFill>
+                <a:srgbClr val="937535"/>
+              </a:solidFill>
+              <a:effectLst/>
+              <a:latin typeface="Century Gothic" panose="020B0502020202020204" pitchFamily="34" charset="0"/>
+            </a:endParaRPr>
+          </a:p>
+          <a:p>
+            <a:pPr algn="ctr"/>
+            <a:endParaRPr lang="en-GB" dirty="0" smtClean="0">
+              <a:solidFill>
+                <a:srgbClr val="937535"/>
+              </a:solidFill>
+              <a:latin typeface="Century Gothic" panose="020B0502020202020204" pitchFamily="34" charset="0"/>
+            </a:endParaRPr>
+          </a:p>
+          <a:p>
+            <a:pPr algn="ctr"/>
+            <a:r>
+              <a:rPr lang="en-GB" dirty="0" smtClean="0">
+                <a:solidFill>
+                  <a:srgbClr val="937535"/>
+                </a:solidFill>
+                <a:latin typeface="Century Gothic" panose="020B0502020202020204" pitchFamily="34" charset="0"/>
+              </a:rPr>
+              <a:t>Also </a:t>
+            </a:r>
+            <a:r>
+              <a:rPr lang="en-GB" dirty="0">
+                <a:solidFill>
+                  <a:srgbClr val="937535"/>
+                </a:solidFill>
+                <a:latin typeface="Century Gothic" panose="020B0502020202020204" pitchFamily="34" charset="0"/>
+              </a:rPr>
+              <a:t>funding 8 months of post-release content on our roadmap</a:t>
+            </a:r>
+            <a:endParaRPr lang="en-GB" b="0" dirty="0" smtClean="0">
+              <a:solidFill>
+                <a:srgbClr val="937535"/>
+              </a:solidFill>
+              <a:effectLst/>
+              <a:latin typeface="Century Gothic" panose="020B0502020202020204" pitchFamily="34" charset="0"/>
+            </a:endParaRPr>
+          </a:p>
+          <a:p>
+            <a:pPr algn="ctr"/>
+            <a:endParaRPr lang="en-GB" dirty="0" smtClean="0">
+              <a:solidFill>
+                <a:srgbClr val="937535"/>
+              </a:solidFill>
+              <a:latin typeface="Century Gothic" panose="020B0502020202020204" pitchFamily="34" charset="0"/>
+            </a:endParaRPr>
+          </a:p>
+          <a:p>
+            <a:pPr algn="ctr"/>
+            <a:r>
+              <a:rPr lang="en-GB" dirty="0" smtClean="0">
+                <a:solidFill>
+                  <a:srgbClr val="937535"/>
+                </a:solidFill>
+                <a:latin typeface="Century Gothic" panose="020B0502020202020204" pitchFamily="34" charset="0"/>
+              </a:rPr>
+              <a:t>This is in return for </a:t>
+            </a:r>
+            <a:r>
+              <a:rPr lang="en-GB" dirty="0">
+                <a:solidFill>
+                  <a:srgbClr val="937535"/>
+                </a:solidFill>
+                <a:latin typeface="Century Gothic" panose="020B0502020202020204" pitchFamily="34" charset="0"/>
+              </a:rPr>
+              <a:t>a 50% share of our next 10 months of profits.</a:t>
+            </a:r>
+            <a:endParaRPr lang="en-GB" b="0" dirty="0" smtClean="0">
+              <a:solidFill>
+                <a:srgbClr val="937535"/>
+              </a:solidFill>
+              <a:effectLst/>
+              <a:latin typeface="Century Gothic" panose="020B0502020202020204" pitchFamily="34" charset="0"/>
+            </a:endParaRPr>
+          </a:p>
+          <a:p>
+            <a:pPr algn="ctr"/>
+            <a:r>
+              <a:rPr lang="en-GB" b="0" dirty="0" smtClean="0">
+                <a:solidFill>
+                  <a:srgbClr val="937535"/>
+                </a:solidFill>
+                <a:effectLst/>
+                <a:latin typeface="Century Gothic" panose="020B0502020202020204" pitchFamily="34" charset="0"/>
+              </a:rPr>
+              <a:t/>
+            </a:r>
+            <a:br>
+              <a:rPr lang="en-GB" b="0" dirty="0" smtClean="0">
+                <a:solidFill>
+                  <a:srgbClr val="937535"/>
+                </a:solidFill>
+                <a:effectLst/>
+                <a:latin typeface="Century Gothic" panose="020B0502020202020204" pitchFamily="34" charset="0"/>
+              </a:rPr>
+            </a:br>
+            <a:r>
+              <a:rPr lang="en-GB" dirty="0">
+                <a:solidFill>
+                  <a:srgbClr val="937535"/>
+                </a:solidFill>
+                <a:latin typeface="Century Gothic" panose="020B0502020202020204" pitchFamily="34" charset="0"/>
+              </a:rPr>
+              <a:t>For reference, 50% of our estimated profit until month 12 is: £181,000</a:t>
+            </a:r>
+            <a:endParaRPr lang="en-GB" b="0" dirty="0" smtClean="0">
+              <a:solidFill>
+                <a:srgbClr val="937535"/>
+              </a:solidFill>
+              <a:effectLst/>
+              <a:latin typeface="Century Gothic" panose="020B0502020202020204" pitchFamily="34" charset="0"/>
+            </a:endParaRPr>
+          </a:p>
+          <a:p>
+            <a:pPr algn="ctr"/>
+            <a:r>
+              <a:rPr lang="en-GB" dirty="0" smtClean="0">
+                <a:solidFill>
+                  <a:srgbClr val="937535"/>
+                </a:solidFill>
+                <a:latin typeface="Century Gothic" panose="020B0502020202020204" pitchFamily="34" charset="0"/>
+              </a:rPr>
+              <a:t/>
+            </a:r>
+            <a:br>
+              <a:rPr lang="en-GB" dirty="0" smtClean="0">
+                <a:solidFill>
+                  <a:srgbClr val="937535"/>
+                </a:solidFill>
+                <a:latin typeface="Century Gothic" panose="020B0502020202020204" pitchFamily="34" charset="0"/>
+              </a:rPr>
+            </a:br>
+            <a:endParaRPr lang="en-GB" dirty="0">
+              <a:solidFill>
+                <a:srgbClr val="937535"/>
+              </a:solidFill>
+              <a:latin typeface="Century Gothic" panose="020B0502020202020204" pitchFamily="34" charset="0"/>
+            </a:endParaRPr>
+          </a:p>
+        </p:txBody>
+      </p:sp>
+      <p:pic>
+        <p:nvPicPr>
+          <p:cNvPr id="5" name="Picture 4"/>
+          <p:cNvPicPr>
+            <a:picLocks noChangeAspect="1"/>
+          </p:cNvPicPr>
+          <p:nvPr/>
+        </p:nvPicPr>
+        <p:blipFill>
+          <a:blip r:embed="rId2" cstate="print">
+            <a:extLst>
+              <a:ext uri="{28A0092B-C50C-407E-A947-70E740481C1C}">
+                <a14:useLocalDpi xmlns:a14="http://schemas.microsoft.com/office/drawing/2010/main" val="0"/>
+              </a:ext>
+            </a:extLst>
+          </a:blip>
+          <a:stretch>
+            <a:fillRect/>
+          </a:stretch>
+        </p:blipFill>
+        <p:spPr>
+          <a:xfrm>
+            <a:off x="-1299" y="-1"/>
+            <a:ext cx="2130137" cy="1885695"/>
+          </a:xfrm>
+          <a:prstGeom prst="rect">
+            <a:avLst/>
+          </a:prstGeom>
+        </p:spPr>
+      </p:pic>
     </p:spTree>
   </p:cSld>
-  <mc:AlternateContent>
+  <p:clrMapOvr>
+    <a:masterClrMapping/>
+  </p:clrMapOvr>
+  <mc:AlternateContent xmlns:mc="http://schemas.openxmlformats.org/markup-compatibility/2006" xmlns:p14="http://schemas.microsoft.com/office/powerpoint/2010/main">
     <mc:Choice Requires="p14">
       <p:transition spd="slow" p14:dur="2000"/>
     </mc:Choice>
-    <mc:Fallback>
+    <mc:Fallback xmlns:p15="http://schemas.microsoft.com/office/powerpoint/2012/main" xmlns="">
       <p:transition spd="slow"/>
     </mc:Fallback>
   </mc:AlternateContent>
   <p:timing>
     <p:tnLst>
       <p:par>
-        <p:cTn id="27" dur="indefinite" restart="never" nodeType="tmRoot">
+        <p:cTn id="1" dur="indefinite" restart="never" nodeType="tmRoot">
           <p:childTnLst>
             <p:seq>
-              <p:cTn id="28" dur="indefinite" nodeType="mainSeq"/>
+              <p:cTn id="2" dur="indefinite" nodeType="mainSeq"/>
               <p:prevCondLst>
-                <p:cond delay="0" evt="onPrev">
+                <p:cond evt="onPrev" delay="0">
                   <p:tgtEl>
                     <p:sldTgt/>
                   </p:tgtEl>
                 </p:cond>
               </p:prevCondLst>
               <p:nextCondLst>
-                <p:cond delay="0" evt="onNext">
+                <p:cond evt="onNext" delay="0">
                   <p:tgtEl>
                     <p:sldTgt/>
                   </p:tgtEl>
@@ -4047,8 +6367,16 @@
 </file>
 
 <file path=ppt/slides/slide15.xml><?xml version="1.0" encoding="utf-8"?>
-<p:sld xmlns:a="http://schemas.openxmlformats.org/drawingml/2006/main" xmlns:p="http://schemas.openxmlformats.org/presentationml/2006/main" xmlns:r="http://schemas.openxmlformats.org/officeDocument/2006/relationships" xmlns:p14="http://schemas.microsoft.com/office/powerpoint/2010/main" xmlns:p15="http://schemas.microsoft.com/office/powerpoint/2012/main" xmlns:mc="http://schemas.openxmlformats.org/markup-compatibility/2006">
+<p:sld xmlns:a="http://schemas.openxmlformats.org/drawingml/2006/main" xmlns:r="http://schemas.openxmlformats.org/officeDocument/2006/relationships" xmlns:p="http://schemas.openxmlformats.org/presentationml/2006/main">
   <p:cSld>
+    <p:bg>
+      <p:bgPr>
+        <a:solidFill>
+          <a:schemeClr val="tx1"/>
+        </a:solidFill>
+        <a:effectLst/>
+      </p:bgPr>
+    </p:bg>
     <p:spTree>
       <p:nvGrpSpPr>
         <p:cNvPr id="1" name=""/>
@@ -4083,13 +6411,20 @@
           </a:ln>
         </p:spPr>
         <p:style>
-          <a:lnRef idx="0"/>
-          <a:fillRef idx="0"/>
-          <a:effectRef idx="0"/>
+          <a:lnRef idx="0">
+            <a:scrgbClr r="0" g="0" b="0"/>
+          </a:lnRef>
+          <a:fillRef idx="0">
+            <a:scrgbClr r="0" g="0" b="0"/>
+          </a:fillRef>
+          <a:effectRef idx="0">
+            <a:scrgbClr r="0" g="0" b="0"/>
+          </a:effectRef>
           <a:fontRef idx="minor"/>
         </p:style>
         <p:txBody>
-          <a:bodyPr lIns="0" rIns="0" tIns="0" bIns="0" anchor="ctr"/>
+          <a:bodyPr lIns="0" tIns="0" rIns="0" bIns="0" anchor="ctr"/>
+          <a:lstStyle/>
           <a:p>
             <a:pPr algn="ctr">
               <a:lnSpc>
@@ -4097,14 +6432,14 @@
               </a:lnSpc>
             </a:pPr>
             <a:r>
-              <a:rPr b="0" lang="en-GB" sz="4400" spc="-1" strike="noStrike">
-                <a:latin typeface="FF Mark Pro"/>
+              <a:rPr lang="en-GB" sz="4400" b="0" strike="noStrike" spc="-1" dirty="0">
+                <a:solidFill>
+                  <a:srgbClr val="7C5B33"/>
+                </a:solidFill>
+                <a:latin typeface="Century Gothic" panose="020B0502020202020204" pitchFamily="34" charset="0"/>
               </a:rPr>
               <a:t>Business Aims</a:t>
             </a:r>
-            <a:endParaRPr b="0" lang="en-GB" sz="4400" spc="-1" strike="noStrike">
-              <a:latin typeface="FF Mark Pro"/>
-            </a:endParaRPr>
           </a:p>
         </p:txBody>
       </p:sp>
@@ -4128,38 +6463,77 @@
           </a:ln>
         </p:spPr>
         <p:style>
-          <a:lnRef idx="0"/>
-          <a:fillRef idx="0"/>
-          <a:effectRef idx="0"/>
+          <a:lnRef idx="0">
+            <a:scrgbClr r="0" g="0" b="0"/>
+          </a:lnRef>
+          <a:fillRef idx="0">
+            <a:scrgbClr r="0" g="0" b="0"/>
+          </a:fillRef>
+          <a:effectRef idx="0">
+            <a:scrgbClr r="0" g="0" b="0"/>
+          </a:effectRef>
           <a:fontRef idx="minor"/>
         </p:style>
       </p:sp>
+      <p:pic>
+        <p:nvPicPr>
+          <p:cNvPr id="4" name="Picture 3"/>
+          <p:cNvPicPr>
+            <a:picLocks noChangeAspect="1"/>
+          </p:cNvPicPr>
+          <p:nvPr/>
+        </p:nvPicPr>
+        <p:blipFill>
+          <a:blip r:embed="rId2" cstate="print">
+            <a:extLst>
+              <a:ext uri="{28A0092B-C50C-407E-A947-70E740481C1C}">
+                <a14:useLocalDpi xmlns:a14="http://schemas.microsoft.com/office/drawing/2010/main" val="0"/>
+              </a:ext>
+            </a:extLst>
+          </a:blip>
+          <a:stretch>
+            <a:fillRect/>
+          </a:stretch>
+        </p:blipFill>
+        <p:spPr>
+          <a:xfrm>
+            <a:off x="-1299" y="-1"/>
+            <a:ext cx="2130137" cy="1885695"/>
+          </a:xfrm>
+          <a:prstGeom prst="rect">
+            <a:avLst/>
+          </a:prstGeom>
+        </p:spPr>
+      </p:pic>
     </p:spTree>
   </p:cSld>
-  <mc:AlternateContent>
+  <p:clrMapOvr>
+    <a:masterClrMapping/>
+  </p:clrMapOvr>
+  <mc:AlternateContent xmlns:mc="http://schemas.openxmlformats.org/markup-compatibility/2006" xmlns:p14="http://schemas.microsoft.com/office/powerpoint/2010/main">
     <mc:Choice Requires="p14">
       <p:transition spd="slow" p14:dur="2000"/>
     </mc:Choice>
-    <mc:Fallback>
+    <mc:Fallback xmlns:p15="http://schemas.microsoft.com/office/powerpoint/2012/main" xmlns="">
       <p:transition spd="slow"/>
     </mc:Fallback>
   </mc:AlternateContent>
   <p:timing>
     <p:tnLst>
       <p:par>
-        <p:cTn id="29" dur="indefinite" restart="never" nodeType="tmRoot">
+        <p:cTn id="1" dur="indefinite" restart="never" nodeType="tmRoot">
           <p:childTnLst>
             <p:seq>
-              <p:cTn id="30" dur="indefinite" nodeType="mainSeq"/>
+              <p:cTn id="2" dur="indefinite" nodeType="mainSeq"/>
               <p:prevCondLst>
-                <p:cond delay="0" evt="onPrev">
+                <p:cond evt="onPrev" delay="0">
                   <p:tgtEl>
                     <p:sldTgt/>
                   </p:tgtEl>
                 </p:cond>
               </p:prevCondLst>
               <p:nextCondLst>
-                <p:cond delay="0" evt="onNext">
+                <p:cond evt="onNext" delay="0">
                   <p:tgtEl>
                     <p:sldTgt/>
                   </p:tgtEl>
@@ -4175,8 +6549,16 @@
 </file>
 
 <file path=ppt/slides/slide16.xml><?xml version="1.0" encoding="utf-8"?>
-<p:sld xmlns:a="http://schemas.openxmlformats.org/drawingml/2006/main" xmlns:p="http://schemas.openxmlformats.org/presentationml/2006/main" xmlns:r="http://schemas.openxmlformats.org/officeDocument/2006/relationships" xmlns:p14="http://schemas.microsoft.com/office/powerpoint/2010/main" xmlns:p15="http://schemas.microsoft.com/office/powerpoint/2012/main" xmlns:mc="http://schemas.openxmlformats.org/markup-compatibility/2006">
+<p:sld xmlns:a="http://schemas.openxmlformats.org/drawingml/2006/main" xmlns:r="http://schemas.openxmlformats.org/officeDocument/2006/relationships" xmlns:p="http://schemas.openxmlformats.org/presentationml/2006/main">
   <p:cSld>
+    <p:bg>
+      <p:bgPr>
+        <a:solidFill>
+          <a:schemeClr val="tx1"/>
+        </a:solidFill>
+        <a:effectLst/>
+      </p:bgPr>
+    </p:bg>
     <p:spTree>
       <p:nvGrpSpPr>
         <p:cNvPr id="1" name=""/>
@@ -4191,6 +6573,36 @@
           <a:chExt cx="0" cy="0"/>
         </a:xfrm>
       </p:grpSpPr>
+      <p:pic>
+        <p:nvPicPr>
+          <p:cNvPr id="5" name="Picture 4"/>
+          <p:cNvPicPr>
+            <a:picLocks noChangeAspect="1"/>
+          </p:cNvPicPr>
+          <p:nvPr/>
+        </p:nvPicPr>
+        <p:blipFill>
+          <a:blip r:embed="rId2" cstate="print">
+            <a:extLst>
+              <a:ext uri="{28A0092B-C50C-407E-A947-70E740481C1C}">
+                <a14:useLocalDpi xmlns:a14="http://schemas.microsoft.com/office/drawing/2010/main" val="0"/>
+              </a:ext>
+            </a:extLst>
+          </a:blip>
+          <a:stretch>
+            <a:fillRect/>
+          </a:stretch>
+        </p:blipFill>
+        <p:spPr>
+          <a:xfrm>
+            <a:off x="-1299" y="-1"/>
+            <a:ext cx="2130137" cy="1885695"/>
+          </a:xfrm>
+          <a:prstGeom prst="rect">
+            <a:avLst/>
+          </a:prstGeom>
+        </p:spPr>
+      </p:pic>
       <p:sp>
         <p:nvSpPr>
           <p:cNvPr id="106" name="CustomShape 1"/>
@@ -4211,13 +6623,20 @@
           </a:ln>
         </p:spPr>
         <p:style>
-          <a:lnRef idx="0"/>
-          <a:fillRef idx="0"/>
-          <a:effectRef idx="0"/>
+          <a:lnRef idx="0">
+            <a:scrgbClr r="0" g="0" b="0"/>
+          </a:lnRef>
+          <a:fillRef idx="0">
+            <a:scrgbClr r="0" g="0" b="0"/>
+          </a:fillRef>
+          <a:effectRef idx="0">
+            <a:scrgbClr r="0" g="0" b="0"/>
+          </a:effectRef>
           <a:fontRef idx="minor"/>
         </p:style>
         <p:txBody>
-          <a:bodyPr lIns="0" rIns="0" tIns="0" bIns="0" anchor="ctr"/>
+          <a:bodyPr lIns="0" tIns="0" rIns="0" bIns="0" anchor="ctr"/>
+          <a:lstStyle/>
           <a:p>
             <a:pPr algn="ctr">
               <a:lnSpc>
@@ -4225,14 +6644,14 @@
               </a:lnSpc>
             </a:pPr>
             <a:r>
-              <a:rPr b="0" lang="en-GB" sz="4400" spc="-1" strike="noStrike">
-                <a:latin typeface="FF Mark Pro"/>
+              <a:rPr lang="en-GB" sz="4400" b="0" strike="noStrike" spc="-1" dirty="0">
+                <a:solidFill>
+                  <a:srgbClr val="7C5B33"/>
+                </a:solidFill>
+                <a:latin typeface="Century Gothic" panose="020B0502020202020204" pitchFamily="34" charset="0"/>
               </a:rPr>
               <a:t>Commercial Prospects</a:t>
             </a:r>
-            <a:endParaRPr b="0" lang="en-GB" sz="4400" spc="-1" strike="noStrike">
-              <a:latin typeface="FF Mark Pro"/>
-            </a:endParaRPr>
           </a:p>
         </p:txBody>
       </p:sp>
@@ -4256,38 +6675,272 @@
           </a:ln>
         </p:spPr>
         <p:style>
-          <a:lnRef idx="0"/>
-          <a:fillRef idx="0"/>
-          <a:effectRef idx="0"/>
+          <a:lnRef idx="0">
+            <a:scrgbClr r="0" g="0" b="0"/>
+          </a:lnRef>
+          <a:fillRef idx="0">
+            <a:scrgbClr r="0" g="0" b="0"/>
+          </a:fillRef>
+          <a:effectRef idx="0">
+            <a:scrgbClr r="0" g="0" b="0"/>
+          </a:effectRef>
           <a:fontRef idx="minor"/>
         </p:style>
       </p:sp>
+      <p:sp>
+        <p:nvSpPr>
+          <p:cNvPr id="2" name="Rectangle 1"/>
+          <p:cNvSpPr/>
+          <p:nvPr/>
+        </p:nvSpPr>
+        <p:spPr>
+          <a:xfrm>
+            <a:off x="504000" y="1326600"/>
+            <a:ext cx="9071280" cy="4124206"/>
+          </a:xfrm>
+          <a:prstGeom prst="rect">
+            <a:avLst/>
+          </a:prstGeom>
+        </p:spPr>
+        <p:txBody>
+          <a:bodyPr wrap="square">
+            <a:spAutoFit/>
+          </a:bodyPr>
+          <a:lstStyle/>
+          <a:p>
+            <a:pPr algn="ctr"/>
+            <a:r>
+              <a:rPr lang="en-GB" sz="2800" b="0" i="0" u="sng" dirty="0" smtClean="0">
+                <a:solidFill>
+                  <a:srgbClr val="937535"/>
+                </a:solidFill>
+                <a:effectLst/>
+                <a:latin typeface="Century Gothic" panose="020B0502020202020204" pitchFamily="34" charset="0"/>
+              </a:rPr>
+              <a:t>TOTAL POSITIVE REVENUE</a:t>
+            </a:r>
+          </a:p>
+          <a:p>
+            <a:pPr algn="ctr"/>
+            <a:endParaRPr lang="en-GB" b="0" dirty="0" smtClean="0">
+              <a:solidFill>
+                <a:srgbClr val="937535"/>
+              </a:solidFill>
+              <a:effectLst/>
+              <a:latin typeface="Century Gothic" panose="020B0502020202020204" pitchFamily="34" charset="0"/>
+            </a:endParaRPr>
+          </a:p>
+          <a:p>
+            <a:pPr algn="ctr"/>
+            <a:r>
+              <a:rPr lang="en-GB" dirty="0">
+                <a:solidFill>
+                  <a:srgbClr val="937535"/>
+                </a:solidFill>
+                <a:latin typeface="Century Gothic" panose="020B0502020202020204" pitchFamily="34" charset="0"/>
+              </a:rPr>
+              <a:t>Total expected downloads (all regions) (free to play): 160,000 - 470,000 (advertising spike</a:t>
+            </a:r>
+            <a:endParaRPr lang="en-GB" b="0" dirty="0" smtClean="0">
+              <a:solidFill>
+                <a:srgbClr val="937535"/>
+              </a:solidFill>
+              <a:effectLst/>
+              <a:latin typeface="Century Gothic" panose="020B0502020202020204" pitchFamily="34" charset="0"/>
+            </a:endParaRPr>
+          </a:p>
+          <a:p>
+            <a:pPr algn="ctr"/>
+            <a:r>
+              <a:rPr lang="en-GB" dirty="0">
+                <a:solidFill>
+                  <a:srgbClr val="937535"/>
+                </a:solidFill>
+                <a:latin typeface="Century Gothic" panose="020B0502020202020204" pitchFamily="34" charset="0"/>
+              </a:rPr>
+              <a:t>Total expected players to complete the base (free) game: 70,000 - 160,000</a:t>
+            </a:r>
+            <a:endParaRPr lang="en-GB" b="0" dirty="0" smtClean="0">
+              <a:solidFill>
+                <a:srgbClr val="937535"/>
+              </a:solidFill>
+              <a:effectLst/>
+              <a:latin typeface="Century Gothic" panose="020B0502020202020204" pitchFamily="34" charset="0"/>
+            </a:endParaRPr>
+          </a:p>
+          <a:p>
+            <a:pPr algn="ctr"/>
+            <a:r>
+              <a:rPr lang="en-GB" dirty="0">
+                <a:solidFill>
+                  <a:srgbClr val="937535"/>
+                </a:solidFill>
+                <a:latin typeface="Century Gothic" panose="020B0502020202020204" pitchFamily="34" charset="0"/>
+              </a:rPr>
+              <a:t>Total expected players to purchase the Ad-Free(£0.49): 5,000 - 9,000</a:t>
+            </a:r>
+            <a:endParaRPr lang="en-GB" b="0" dirty="0" smtClean="0">
+              <a:solidFill>
+                <a:srgbClr val="937535"/>
+              </a:solidFill>
+              <a:effectLst/>
+              <a:latin typeface="Century Gothic" panose="020B0502020202020204" pitchFamily="34" charset="0"/>
+            </a:endParaRPr>
+          </a:p>
+          <a:p>
+            <a:pPr algn="ctr"/>
+            <a:r>
+              <a:rPr lang="en-GB" dirty="0">
+                <a:solidFill>
+                  <a:srgbClr val="937535"/>
+                </a:solidFill>
+                <a:latin typeface="Century Gothic" panose="020B0502020202020204" pitchFamily="34" charset="0"/>
+              </a:rPr>
+              <a:t>Total expected players to complete Expansion 1 (free): 45,000 - 110,000 (advertising </a:t>
+            </a:r>
+            <a:endParaRPr lang="en-GB" b="0" dirty="0" smtClean="0">
+              <a:solidFill>
+                <a:srgbClr val="937535"/>
+              </a:solidFill>
+              <a:effectLst/>
+              <a:latin typeface="Century Gothic" panose="020B0502020202020204" pitchFamily="34" charset="0"/>
+            </a:endParaRPr>
+          </a:p>
+          <a:p>
+            <a:pPr algn="ctr"/>
+            <a:r>
+              <a:rPr lang="en-GB" dirty="0">
+                <a:solidFill>
+                  <a:srgbClr val="937535"/>
+                </a:solidFill>
+                <a:latin typeface="Century Gothic" panose="020B0502020202020204" pitchFamily="34" charset="0"/>
+              </a:rPr>
+              <a:t>Total expected players to purchase Expansion 1 (£0.99): 20,000 - 80,000 spike)</a:t>
+            </a:r>
+            <a:endParaRPr lang="en-GB" b="0" dirty="0" smtClean="0">
+              <a:solidFill>
+                <a:srgbClr val="937535"/>
+              </a:solidFill>
+              <a:effectLst/>
+              <a:latin typeface="Century Gothic" panose="020B0502020202020204" pitchFamily="34" charset="0"/>
+            </a:endParaRPr>
+          </a:p>
+          <a:p>
+            <a:pPr algn="ctr"/>
+            <a:r>
+              <a:rPr lang="en-GB" dirty="0">
+                <a:solidFill>
+                  <a:srgbClr val="937535"/>
+                </a:solidFill>
+                <a:latin typeface="Century Gothic" panose="020B0502020202020204" pitchFamily="34" charset="0"/>
+              </a:rPr>
+              <a:t>Total expected players to purchase Expansion 2 (£1.49): 10,000 - 40,000</a:t>
+            </a:r>
+            <a:endParaRPr lang="en-GB" b="0" dirty="0" smtClean="0">
+              <a:solidFill>
+                <a:srgbClr val="937535"/>
+              </a:solidFill>
+              <a:effectLst/>
+              <a:latin typeface="Century Gothic" panose="020B0502020202020204" pitchFamily="34" charset="0"/>
+            </a:endParaRPr>
+          </a:p>
+          <a:p>
+            <a:pPr algn="ctr"/>
+            <a:r>
+              <a:rPr lang="en-GB" dirty="0">
+                <a:solidFill>
+                  <a:srgbClr val="937535"/>
+                </a:solidFill>
+                <a:latin typeface="Century Gothic" panose="020B0502020202020204" pitchFamily="34" charset="0"/>
+              </a:rPr>
+              <a:t>Total expected players to complete Expansion 3 (free): 45,000 - 80,000</a:t>
+            </a:r>
+            <a:endParaRPr lang="en-GB" b="0" dirty="0" smtClean="0">
+              <a:solidFill>
+                <a:srgbClr val="937535"/>
+              </a:solidFill>
+              <a:effectLst/>
+              <a:latin typeface="Century Gothic" panose="020B0502020202020204" pitchFamily="34" charset="0"/>
+            </a:endParaRPr>
+          </a:p>
+          <a:p>
+            <a:pPr algn="ctr"/>
+            <a:r>
+              <a:rPr lang="en-GB" dirty="0">
+                <a:solidFill>
+                  <a:srgbClr val="937535"/>
+                </a:solidFill>
+                <a:latin typeface="Century Gothic" panose="020B0502020202020204" pitchFamily="34" charset="0"/>
+              </a:rPr>
+              <a:t>Total expected players to purchase Expansion 3 (£1.49): 7,000 - 25,000</a:t>
+            </a:r>
+            <a:endParaRPr lang="en-GB" b="0" dirty="0" smtClean="0">
+              <a:solidFill>
+                <a:srgbClr val="937535"/>
+              </a:solidFill>
+              <a:effectLst/>
+              <a:latin typeface="Century Gothic" panose="020B0502020202020204" pitchFamily="34" charset="0"/>
+            </a:endParaRPr>
+          </a:p>
+          <a:p>
+            <a:pPr algn="ctr"/>
+            <a:r>
+              <a:rPr lang="en-GB" dirty="0">
+                <a:solidFill>
+                  <a:srgbClr val="937535"/>
+                </a:solidFill>
+                <a:latin typeface="Century Gothic" panose="020B0502020202020204" pitchFamily="34" charset="0"/>
+              </a:rPr>
+              <a:t>Total expected players to purchase  Major Expansion (at £2.89): 20,000 - 100,000 (advertising spike</a:t>
+            </a:r>
+            <a:r>
+              <a:rPr lang="en-GB" dirty="0" smtClean="0">
+                <a:solidFill>
+                  <a:srgbClr val="937535"/>
+                </a:solidFill>
+                <a:latin typeface="Century Gothic" panose="020B0502020202020204" pitchFamily="34" charset="0"/>
+              </a:rPr>
+              <a:t>)</a:t>
+            </a:r>
+            <a:endParaRPr lang="en-GB" b="0" dirty="0" smtClean="0">
+              <a:solidFill>
+                <a:srgbClr val="937535"/>
+              </a:solidFill>
+              <a:effectLst/>
+              <a:latin typeface="Century Gothic" panose="020B0502020202020204" pitchFamily="34" charset="0"/>
+            </a:endParaRPr>
+          </a:p>
+        </p:txBody>
+      </p:sp>
     </p:spTree>
   </p:cSld>
-  <mc:AlternateContent>
+  <p:clrMapOvr>
+    <a:masterClrMapping/>
+  </p:clrMapOvr>
+  <mc:AlternateContent xmlns:mc="http://schemas.openxmlformats.org/markup-compatibility/2006" xmlns:p14="http://schemas.microsoft.com/office/powerpoint/2010/main">
     <mc:Choice Requires="p14">
       <p:transition spd="slow" p14:dur="2000"/>
     </mc:Choice>
-    <mc:Fallback>
+    <mc:Fallback xmlns:p15="http://schemas.microsoft.com/office/powerpoint/2012/main" xmlns="">
       <p:transition spd="slow"/>
     </mc:Fallback>
   </mc:AlternateContent>
   <p:timing>
     <p:tnLst>
       <p:par>
-        <p:cTn id="31" dur="indefinite" restart="never" nodeType="tmRoot">
+        <p:cTn id="1" dur="indefinite" restart="never" nodeType="tmRoot">
           <p:childTnLst>
             <p:seq>
-              <p:cTn id="32" dur="indefinite" nodeType="mainSeq"/>
+              <p:cTn id="2" dur="indefinite" nodeType="mainSeq"/>
               <p:prevCondLst>
-                <p:cond delay="0" evt="onPrev">
+                <p:cond evt="onPrev" delay="0">
                   <p:tgtEl>
                     <p:sldTgt/>
                   </p:tgtEl>
                 </p:cond>
               </p:prevCondLst>
               <p:nextCondLst>
-                <p:cond delay="0" evt="onNext">
+                <p:cond evt="onNext" delay="0">
                   <p:tgtEl>
                     <p:sldTgt/>
                   </p:tgtEl>
@@ -4303,8 +6956,16 @@
 </file>
 
 <file path=ppt/slides/slide17.xml><?xml version="1.0" encoding="utf-8"?>
-<p:sld xmlns:a="http://schemas.openxmlformats.org/drawingml/2006/main" xmlns:p="http://schemas.openxmlformats.org/presentationml/2006/main" xmlns:r="http://schemas.openxmlformats.org/officeDocument/2006/relationships" xmlns:p14="http://schemas.microsoft.com/office/powerpoint/2010/main" xmlns:p15="http://schemas.microsoft.com/office/powerpoint/2012/main" xmlns:mc="http://schemas.openxmlformats.org/markup-compatibility/2006">
+<p:sld xmlns:a="http://schemas.openxmlformats.org/drawingml/2006/main" xmlns:r="http://schemas.openxmlformats.org/officeDocument/2006/relationships" xmlns:p="http://schemas.openxmlformats.org/presentationml/2006/main">
   <p:cSld>
+    <p:bg>
+      <p:bgPr>
+        <a:solidFill>
+          <a:schemeClr val="tx1"/>
+        </a:solidFill>
+        <a:effectLst/>
+      </p:bgPr>
+    </p:bg>
     <p:spTree>
       <p:nvGrpSpPr>
         <p:cNvPr id="1" name=""/>
@@ -4319,9 +6980,39 @@
           <a:chExt cx="0" cy="0"/>
         </a:xfrm>
       </p:grpSpPr>
-      <p:sp>
-        <p:nvSpPr>
-          <p:cNvPr id="108" name="CustomShape 1"/>
+      <p:pic>
+        <p:nvPicPr>
+          <p:cNvPr id="5" name="Picture 4"/>
+          <p:cNvPicPr>
+            <a:picLocks noChangeAspect="1"/>
+          </p:cNvPicPr>
+          <p:nvPr/>
+        </p:nvPicPr>
+        <p:blipFill>
+          <a:blip r:embed="rId2" cstate="print">
+            <a:extLst>
+              <a:ext uri="{28A0092B-C50C-407E-A947-70E740481C1C}">
+                <a14:useLocalDpi xmlns:a14="http://schemas.microsoft.com/office/drawing/2010/main" val="0"/>
+              </a:ext>
+            </a:extLst>
+          </a:blip>
+          <a:stretch>
+            <a:fillRect/>
+          </a:stretch>
+        </p:blipFill>
+        <p:spPr>
+          <a:xfrm>
+            <a:off x="-1299" y="-1"/>
+            <a:ext cx="2130137" cy="1885695"/>
+          </a:xfrm>
+          <a:prstGeom prst="rect">
+            <a:avLst/>
+          </a:prstGeom>
+        </p:spPr>
+      </p:pic>
+      <p:sp>
+        <p:nvSpPr>
+          <p:cNvPr id="106" name="CustomShape 1"/>
           <p:cNvSpPr/>
           <p:nvPr/>
         </p:nvSpPr>
@@ -4339,13 +7030,20 @@
           </a:ln>
         </p:spPr>
         <p:style>
-          <a:lnRef idx="0"/>
-          <a:fillRef idx="0"/>
-          <a:effectRef idx="0"/>
+          <a:lnRef idx="0">
+            <a:scrgbClr r="0" g="0" b="0"/>
+          </a:lnRef>
+          <a:fillRef idx="0">
+            <a:scrgbClr r="0" g="0" b="0"/>
+          </a:fillRef>
+          <a:effectRef idx="0">
+            <a:scrgbClr r="0" g="0" b="0"/>
+          </a:effectRef>
           <a:fontRef idx="minor"/>
         </p:style>
         <p:txBody>
-          <a:bodyPr lIns="0" rIns="0" tIns="0" bIns="0" anchor="ctr"/>
+          <a:bodyPr lIns="0" tIns="0" rIns="0" bIns="0" anchor="ctr"/>
+          <a:lstStyle/>
           <a:p>
             <a:pPr algn="ctr">
               <a:lnSpc>
@@ -4353,20 +7051,26 @@
               </a:lnSpc>
             </a:pPr>
             <a:r>
-              <a:rPr b="0" lang="en-GB" sz="4400" spc="-1" strike="noStrike">
-                <a:latin typeface="FF Mark Pro"/>
+              <a:rPr lang="en-GB" sz="4400" b="0" strike="noStrike" spc="-1" dirty="0" smtClean="0">
+                <a:solidFill>
+                  <a:srgbClr val="7C5B33"/>
+                </a:solidFill>
+                <a:latin typeface="Century Gothic" panose="020B0502020202020204" pitchFamily="34" charset="0"/>
               </a:rPr>
               <a:t>Commercial Prospects</a:t>
             </a:r>
-            <a:endParaRPr b="0" lang="en-GB" sz="4400" spc="-1" strike="noStrike">
-              <a:latin typeface="FF Mark Pro"/>
-            </a:endParaRPr>
-          </a:p>
-        </p:txBody>
-      </p:sp>
-      <p:sp>
-        <p:nvSpPr>
-          <p:cNvPr id="109" name="CustomShape 2"/>
+            <a:endParaRPr lang="en-GB" sz="4400" b="0" strike="noStrike" spc="-1" dirty="0">
+              <a:solidFill>
+                <a:srgbClr val="7C5B33"/>
+              </a:solidFill>
+              <a:latin typeface="Century Gothic" panose="020B0502020202020204" pitchFamily="34" charset="0"/>
+            </a:endParaRPr>
+          </a:p>
+        </p:txBody>
+      </p:sp>
+      <p:sp>
+        <p:nvSpPr>
+          <p:cNvPr id="107" name="CustomShape 2"/>
           <p:cNvSpPr/>
           <p:nvPr/>
         </p:nvSpPr>
@@ -4384,38 +7088,310 @@
           </a:ln>
         </p:spPr>
         <p:style>
-          <a:lnRef idx="0"/>
-          <a:fillRef idx="0"/>
-          <a:effectRef idx="0"/>
+          <a:lnRef idx="0">
+            <a:scrgbClr r="0" g="0" b="0"/>
+          </a:lnRef>
+          <a:fillRef idx="0">
+            <a:scrgbClr r="0" g="0" b="0"/>
+          </a:fillRef>
+          <a:effectRef idx="0">
+            <a:scrgbClr r="0" g="0" b="0"/>
+          </a:effectRef>
           <a:fontRef idx="minor"/>
         </p:style>
       </p:sp>
+      <p:sp>
+        <p:nvSpPr>
+          <p:cNvPr id="2" name="Rectangle 1"/>
+          <p:cNvSpPr/>
+          <p:nvPr/>
+        </p:nvSpPr>
+        <p:spPr>
+          <a:xfrm>
+            <a:off x="504000" y="1326600"/>
+            <a:ext cx="9071280" cy="3847207"/>
+          </a:xfrm>
+          <a:prstGeom prst="rect">
+            <a:avLst/>
+          </a:prstGeom>
+        </p:spPr>
+        <p:txBody>
+          <a:bodyPr wrap="square">
+            <a:spAutoFit/>
+          </a:bodyPr>
+          <a:lstStyle/>
+          <a:p>
+            <a:pPr algn="ctr"/>
+            <a:r>
+              <a:rPr lang="en-GB" sz="2800" b="0" i="0" u="sng" dirty="0" smtClean="0">
+                <a:solidFill>
+                  <a:srgbClr val="937535"/>
+                </a:solidFill>
+                <a:effectLst/>
+                <a:latin typeface="Century Gothic" panose="020B0502020202020204" pitchFamily="34" charset="0"/>
+              </a:rPr>
+              <a:t>TOTAL POSITIVE REVENUE</a:t>
+            </a:r>
+            <a:endParaRPr lang="en-GB" b="0" dirty="0" smtClean="0">
+              <a:solidFill>
+                <a:srgbClr val="937535"/>
+              </a:solidFill>
+              <a:effectLst/>
+              <a:latin typeface="Century Gothic" panose="020B0502020202020204" pitchFamily="34" charset="0"/>
+            </a:endParaRPr>
+          </a:p>
+          <a:p>
+            <a:pPr algn="ctr"/>
+            <a:r>
+              <a:rPr lang="en-GB" b="0" dirty="0" smtClean="0">
+                <a:solidFill>
+                  <a:srgbClr val="937535"/>
+                </a:solidFill>
+                <a:effectLst/>
+                <a:latin typeface="Century Gothic" panose="020B0502020202020204" pitchFamily="34" charset="0"/>
+              </a:rPr>
+              <a:t/>
+            </a:r>
+            <a:br>
+              <a:rPr lang="en-GB" b="0" dirty="0" smtClean="0">
+                <a:solidFill>
+                  <a:srgbClr val="937535"/>
+                </a:solidFill>
+                <a:effectLst/>
+                <a:latin typeface="Century Gothic" panose="020B0502020202020204" pitchFamily="34" charset="0"/>
+              </a:rPr>
+            </a:br>
+            <a:r>
+              <a:rPr lang="en-GB" dirty="0" smtClean="0">
+                <a:solidFill>
+                  <a:srgbClr val="937535"/>
+                </a:solidFill>
+                <a:latin typeface="Century Gothic" panose="020B0502020202020204" pitchFamily="34" charset="0"/>
+              </a:rPr>
+              <a:t>Total expected ad-revenue from Ads and ad-free option: £6,000 - £15,000</a:t>
+            </a:r>
+            <a:endParaRPr lang="en-GB" b="0" dirty="0" smtClean="0">
+              <a:solidFill>
+                <a:srgbClr val="937535"/>
+              </a:solidFill>
+              <a:effectLst/>
+              <a:latin typeface="Century Gothic" panose="020B0502020202020204" pitchFamily="34" charset="0"/>
+            </a:endParaRPr>
+          </a:p>
+          <a:p>
+            <a:pPr algn="ctr"/>
+            <a:r>
+              <a:rPr lang="en-GB" dirty="0" smtClean="0">
+                <a:solidFill>
+                  <a:srgbClr val="937535"/>
+                </a:solidFill>
+                <a:latin typeface="Century Gothic" panose="020B0502020202020204" pitchFamily="34" charset="0"/>
+              </a:rPr>
+              <a:t>Total expected revenue from Expansion 1 (if £0.99): £20,000 - £80,000</a:t>
+            </a:r>
+            <a:endParaRPr lang="en-GB" b="0" dirty="0" smtClean="0">
+              <a:solidFill>
+                <a:srgbClr val="937535"/>
+              </a:solidFill>
+              <a:effectLst/>
+              <a:latin typeface="Century Gothic" panose="020B0502020202020204" pitchFamily="34" charset="0"/>
+            </a:endParaRPr>
+          </a:p>
+          <a:p>
+            <a:pPr algn="ctr"/>
+            <a:r>
+              <a:rPr lang="en-GB" dirty="0" smtClean="0">
+                <a:solidFill>
+                  <a:srgbClr val="937535"/>
+                </a:solidFill>
+                <a:latin typeface="Century Gothic" panose="020B0502020202020204" pitchFamily="34" charset="0"/>
+              </a:rPr>
+              <a:t>Total expected revenue from Expansion 2 (at £1.49): £15,000 - £60,000</a:t>
+            </a:r>
+            <a:endParaRPr lang="en-GB" b="0" dirty="0" smtClean="0">
+              <a:solidFill>
+                <a:srgbClr val="937535"/>
+              </a:solidFill>
+              <a:effectLst/>
+              <a:latin typeface="Century Gothic" panose="020B0502020202020204" pitchFamily="34" charset="0"/>
+            </a:endParaRPr>
+          </a:p>
+          <a:p>
+            <a:pPr algn="ctr"/>
+            <a:r>
+              <a:rPr lang="en-GB" dirty="0" smtClean="0">
+                <a:solidFill>
+                  <a:srgbClr val="937535"/>
+                </a:solidFill>
+                <a:latin typeface="Century Gothic" panose="020B0502020202020204" pitchFamily="34" charset="0"/>
+              </a:rPr>
+              <a:t>Total expected revenue from Expansion 3 (if £1.49): £10,000 - £37,000</a:t>
+            </a:r>
+            <a:endParaRPr lang="en-GB" b="0" dirty="0" smtClean="0">
+              <a:solidFill>
+                <a:srgbClr val="937535"/>
+              </a:solidFill>
+              <a:effectLst/>
+              <a:latin typeface="Century Gothic" panose="020B0502020202020204" pitchFamily="34" charset="0"/>
+            </a:endParaRPr>
+          </a:p>
+          <a:p>
+            <a:pPr algn="ctr"/>
+            <a:r>
+              <a:rPr lang="en-GB" dirty="0" smtClean="0">
+                <a:solidFill>
+                  <a:srgbClr val="937535"/>
+                </a:solidFill>
+                <a:latin typeface="Century Gothic" panose="020B0502020202020204" pitchFamily="34" charset="0"/>
+              </a:rPr>
+              <a:t>Total expected revenue from Major Expansion (at £2.89): £58,000 - £289,000</a:t>
+            </a:r>
+            <a:endParaRPr lang="en-GB" b="0" dirty="0" smtClean="0">
+              <a:solidFill>
+                <a:srgbClr val="937535"/>
+              </a:solidFill>
+              <a:effectLst/>
+              <a:latin typeface="Century Gothic" panose="020B0502020202020204" pitchFamily="34" charset="0"/>
+            </a:endParaRPr>
+          </a:p>
+          <a:p>
+            <a:pPr algn="ctr"/>
+            <a:r>
+              <a:rPr lang="en-GB" b="0" dirty="0" smtClean="0">
+                <a:solidFill>
+                  <a:srgbClr val="937535"/>
+                </a:solidFill>
+                <a:effectLst/>
+                <a:latin typeface="Century Gothic" panose="020B0502020202020204" pitchFamily="34" charset="0"/>
+              </a:rPr>
+              <a:t/>
+            </a:r>
+            <a:br>
+              <a:rPr lang="en-GB" b="0" dirty="0" smtClean="0">
+                <a:solidFill>
+                  <a:srgbClr val="937535"/>
+                </a:solidFill>
+                <a:effectLst/>
+                <a:latin typeface="Century Gothic" panose="020B0502020202020204" pitchFamily="34" charset="0"/>
+              </a:rPr>
+            </a:br>
+            <a:r>
+              <a:rPr lang="en-GB" dirty="0" smtClean="0">
+                <a:solidFill>
+                  <a:srgbClr val="937535"/>
+                </a:solidFill>
+                <a:latin typeface="Century Gothic" panose="020B0502020202020204" pitchFamily="34" charset="0"/>
+              </a:rPr>
+              <a:t>Total expected revenue at the end of Month 12: £109,000 - £481,000</a:t>
+            </a:r>
+            <a:endParaRPr lang="en-GB" b="0" dirty="0" smtClean="0">
+              <a:solidFill>
+                <a:srgbClr val="937535"/>
+              </a:solidFill>
+              <a:effectLst/>
+              <a:latin typeface="Century Gothic" panose="020B0502020202020204" pitchFamily="34" charset="0"/>
+            </a:endParaRPr>
+          </a:p>
+          <a:p>
+            <a:pPr algn="ctr"/>
+            <a:r>
+              <a:rPr lang="en-GB" dirty="0" smtClean="0">
+                <a:solidFill>
+                  <a:srgbClr val="937535"/>
+                </a:solidFill>
+                <a:latin typeface="Century Gothic" panose="020B0502020202020204" pitchFamily="34" charset="0"/>
+              </a:rPr>
+              <a:t>Total Costs by the end of Month 12: -£119,000</a:t>
+            </a:r>
+            <a:endParaRPr lang="en-GB" b="0" dirty="0" smtClean="0">
+              <a:solidFill>
+                <a:srgbClr val="937535"/>
+              </a:solidFill>
+              <a:effectLst/>
+              <a:latin typeface="Century Gothic" panose="020B0502020202020204" pitchFamily="34" charset="0"/>
+            </a:endParaRPr>
+          </a:p>
+          <a:p>
+            <a:pPr algn="ctr"/>
+            <a:r>
+              <a:rPr lang="en-GB" dirty="0" smtClean="0">
+                <a:solidFill>
+                  <a:srgbClr val="937535"/>
+                </a:solidFill>
+                <a:latin typeface="Century Gothic" panose="020B0502020202020204" pitchFamily="34" charset="0"/>
+              </a:rPr>
+              <a:t>Total expected profit at the end of Month 12: £-10,000 - £362,000</a:t>
+            </a:r>
+            <a:endParaRPr lang="en-GB" b="0" dirty="0" smtClean="0">
+              <a:solidFill>
+                <a:srgbClr val="937535"/>
+              </a:solidFill>
+              <a:effectLst/>
+              <a:latin typeface="Century Gothic" panose="020B0502020202020204" pitchFamily="34" charset="0"/>
+            </a:endParaRPr>
+          </a:p>
+          <a:p>
+            <a:pPr algn="ctr"/>
+            <a:r>
+              <a:rPr lang="en-GB" dirty="0" smtClean="0">
+                <a:solidFill>
+                  <a:srgbClr val="937535"/>
+                </a:solidFill>
+                <a:latin typeface="Century Gothic" panose="020B0502020202020204" pitchFamily="34" charset="0"/>
+              </a:rPr>
+              <a:t/>
+            </a:r>
+            <a:br>
+              <a:rPr lang="en-GB" dirty="0" smtClean="0">
+                <a:solidFill>
+                  <a:srgbClr val="937535"/>
+                </a:solidFill>
+                <a:latin typeface="Century Gothic" panose="020B0502020202020204" pitchFamily="34" charset="0"/>
+              </a:rPr>
+            </a:br>
+            <a:endParaRPr lang="en-GB" dirty="0">
+              <a:solidFill>
+                <a:srgbClr val="937535"/>
+              </a:solidFill>
+              <a:latin typeface="Century Gothic" panose="020B0502020202020204" pitchFamily="34" charset="0"/>
+            </a:endParaRPr>
+          </a:p>
+        </p:txBody>
+      </p:sp>
     </p:spTree>
+    <p:extLst>
+      <p:ext uri="{BB962C8B-B14F-4D97-AF65-F5344CB8AC3E}">
+        <p14:creationId xmlns:p14="http://schemas.microsoft.com/office/powerpoint/2010/main" val="964636744"/>
+      </p:ext>
+    </p:extLst>
   </p:cSld>
-  <mc:AlternateContent>
+  <p:clrMapOvr>
+    <a:masterClrMapping/>
+  </p:clrMapOvr>
+  <mc:AlternateContent xmlns:mc="http://schemas.openxmlformats.org/markup-compatibility/2006" xmlns:p14="http://schemas.microsoft.com/office/powerpoint/2010/main">
     <mc:Choice Requires="p14">
       <p:transition spd="slow" p14:dur="2000"/>
     </mc:Choice>
-    <mc:Fallback>
+    <mc:Fallback xmlns:p15="http://schemas.microsoft.com/office/powerpoint/2012/main" xmlns="">
       <p:transition spd="slow"/>
     </mc:Fallback>
   </mc:AlternateContent>
   <p:timing>
     <p:tnLst>
       <p:par>
-        <p:cTn id="33" dur="indefinite" restart="never" nodeType="tmRoot">
+        <p:cTn id="1" dur="indefinite" restart="never" nodeType="tmRoot">
           <p:childTnLst>
             <p:seq>
-              <p:cTn id="34" dur="indefinite" nodeType="mainSeq"/>
+              <p:cTn id="2" dur="indefinite" nodeType="mainSeq"/>
               <p:prevCondLst>
-                <p:cond delay="0" evt="onPrev">
+                <p:cond evt="onPrev" delay="0">
                   <p:tgtEl>
                     <p:sldTgt/>
                   </p:tgtEl>
                 </p:cond>
               </p:prevCondLst>
               <p:nextCondLst>
-                <p:cond delay="0" evt="onNext">
+                <p:cond evt="onNext" delay="0">
                   <p:tgtEl>
                     <p:sldTgt/>
                   </p:tgtEl>
@@ -4431,8 +7407,16 @@
 </file>
 
 <file path=ppt/slides/slide18.xml><?xml version="1.0" encoding="utf-8"?>
-<p:sld xmlns:a="http://schemas.openxmlformats.org/drawingml/2006/main" xmlns:p="http://schemas.openxmlformats.org/presentationml/2006/main" xmlns:r="http://schemas.openxmlformats.org/officeDocument/2006/relationships" xmlns:p14="http://schemas.microsoft.com/office/powerpoint/2010/main" xmlns:p15="http://schemas.microsoft.com/office/powerpoint/2012/main" xmlns:mc="http://schemas.openxmlformats.org/markup-compatibility/2006">
+<p:sld xmlns:a="http://schemas.openxmlformats.org/drawingml/2006/main" xmlns:r="http://schemas.openxmlformats.org/officeDocument/2006/relationships" xmlns:p="http://schemas.openxmlformats.org/presentationml/2006/main">
   <p:cSld>
+    <p:bg>
+      <p:bgPr>
+        <a:solidFill>
+          <a:schemeClr val="tx1"/>
+        </a:solidFill>
+        <a:effectLst/>
+      </p:bgPr>
+    </p:bg>
     <p:spTree>
       <p:nvGrpSpPr>
         <p:cNvPr id="1" name=""/>
@@ -4447,6 +7431,36 @@
           <a:chExt cx="0" cy="0"/>
         </a:xfrm>
       </p:grpSpPr>
+      <p:pic>
+        <p:nvPicPr>
+          <p:cNvPr id="10" name="Picture 9"/>
+          <p:cNvPicPr>
+            <a:picLocks noChangeAspect="1"/>
+          </p:cNvPicPr>
+          <p:nvPr/>
+        </p:nvPicPr>
+        <p:blipFill>
+          <a:blip r:embed="rId2" cstate="print">
+            <a:extLst>
+              <a:ext uri="{28A0092B-C50C-407E-A947-70E740481C1C}">
+                <a14:useLocalDpi xmlns:a14="http://schemas.microsoft.com/office/drawing/2010/main" val="0"/>
+              </a:ext>
+            </a:extLst>
+          </a:blip>
+          <a:stretch>
+            <a:fillRect/>
+          </a:stretch>
+        </p:blipFill>
+        <p:spPr>
+          <a:xfrm>
+            <a:off x="-1299" y="-1"/>
+            <a:ext cx="2130137" cy="1885695"/>
+          </a:xfrm>
+          <a:prstGeom prst="rect">
+            <a:avLst/>
+          </a:prstGeom>
+        </p:spPr>
+      </p:pic>
       <p:sp>
         <p:nvSpPr>
           <p:cNvPr id="110" name="CustomShape 1"/>
@@ -4467,13 +7481,20 @@
           </a:ln>
         </p:spPr>
         <p:style>
-          <a:lnRef idx="0"/>
-          <a:fillRef idx="0"/>
-          <a:effectRef idx="0"/>
+          <a:lnRef idx="0">
+            <a:scrgbClr r="0" g="0" b="0"/>
+          </a:lnRef>
+          <a:fillRef idx="0">
+            <a:scrgbClr r="0" g="0" b="0"/>
+          </a:fillRef>
+          <a:effectRef idx="0">
+            <a:scrgbClr r="0" g="0" b="0"/>
+          </a:effectRef>
           <a:fontRef idx="minor"/>
         </p:style>
         <p:txBody>
-          <a:bodyPr lIns="0" rIns="0" tIns="0" bIns="0" anchor="ctr"/>
+          <a:bodyPr lIns="0" tIns="0" rIns="0" bIns="0" anchor="ctr"/>
+          <a:lstStyle/>
           <a:p>
             <a:pPr algn="ctr">
               <a:lnSpc>
@@ -4481,14 +7502,14 @@
               </a:lnSpc>
             </a:pPr>
             <a:r>
-              <a:rPr b="0" lang="en-GB" sz="4400" spc="-1" strike="noStrike">
-                <a:latin typeface="FF Mark Pro"/>
+              <a:rPr lang="en-GB" sz="4400" b="0" strike="noStrike" spc="-1" dirty="0">
+                <a:solidFill>
+                  <a:srgbClr val="7C5B33"/>
+                </a:solidFill>
+                <a:latin typeface="Century Gothic" panose="020B0502020202020204" pitchFamily="34" charset="0"/>
               </a:rPr>
               <a:t>Commercial Prospects</a:t>
             </a:r>
-            <a:endParaRPr b="0" lang="en-GB" sz="4400" spc="-1" strike="noStrike">
-              <a:latin typeface="FF Mark Pro"/>
-            </a:endParaRPr>
           </a:p>
         </p:txBody>
       </p:sp>
@@ -4512,38 +7533,47 @@
           </a:ln>
         </p:spPr>
         <p:style>
-          <a:lnRef idx="0"/>
-          <a:fillRef idx="0"/>
-          <a:effectRef idx="0"/>
+          <a:lnRef idx="0">
+            <a:scrgbClr r="0" g="0" b="0"/>
+          </a:lnRef>
+          <a:fillRef idx="0">
+            <a:scrgbClr r="0" g="0" b="0"/>
+          </a:fillRef>
+          <a:effectRef idx="0">
+            <a:scrgbClr r="0" g="0" b="0"/>
+          </a:effectRef>
           <a:fontRef idx="minor"/>
         </p:style>
       </p:sp>
     </p:spTree>
   </p:cSld>
-  <mc:AlternateContent>
+  <p:clrMapOvr>
+    <a:masterClrMapping/>
+  </p:clrMapOvr>
+  <mc:AlternateContent xmlns:mc="http://schemas.openxmlformats.org/markup-compatibility/2006" xmlns:p14="http://schemas.microsoft.com/office/powerpoint/2010/main">
     <mc:Choice Requires="p14">
       <p:transition spd="slow" p14:dur="2000"/>
     </mc:Choice>
-    <mc:Fallback>
+    <mc:Fallback xmlns:p15="http://schemas.microsoft.com/office/powerpoint/2012/main" xmlns="">
       <p:transition spd="slow"/>
     </mc:Fallback>
   </mc:AlternateContent>
   <p:timing>
     <p:tnLst>
       <p:par>
-        <p:cTn id="35" dur="indefinite" restart="never" nodeType="tmRoot">
+        <p:cTn id="1" dur="indefinite" restart="never" nodeType="tmRoot">
           <p:childTnLst>
             <p:seq>
-              <p:cTn id="36" dur="indefinite" nodeType="mainSeq"/>
+              <p:cTn id="2" dur="indefinite" nodeType="mainSeq"/>
               <p:prevCondLst>
-                <p:cond delay="0" evt="onPrev">
+                <p:cond evt="onPrev" delay="0">
                   <p:tgtEl>
                     <p:sldTgt/>
                   </p:tgtEl>
                 </p:cond>
               </p:prevCondLst>
               <p:nextCondLst>
-                <p:cond delay="0" evt="onNext">
+                <p:cond evt="onNext" delay="0">
                   <p:tgtEl>
                     <p:sldTgt/>
                   </p:tgtEl>
@@ -4559,8 +7589,16 @@
 </file>
 
 <file path=ppt/slides/slide19.xml><?xml version="1.0" encoding="utf-8"?>
-<p:sld xmlns:a="http://schemas.openxmlformats.org/drawingml/2006/main" xmlns:p="http://schemas.openxmlformats.org/presentationml/2006/main" xmlns:r="http://schemas.openxmlformats.org/officeDocument/2006/relationships" xmlns:p14="http://schemas.microsoft.com/office/powerpoint/2010/main" xmlns:p15="http://schemas.microsoft.com/office/powerpoint/2012/main" xmlns:mc="http://schemas.openxmlformats.org/markup-compatibility/2006">
+<p:sld xmlns:a="http://schemas.openxmlformats.org/drawingml/2006/main" xmlns:r="http://schemas.openxmlformats.org/officeDocument/2006/relationships" xmlns:p="http://schemas.openxmlformats.org/presentationml/2006/main">
   <p:cSld>
+    <p:bg>
+      <p:bgPr>
+        <a:solidFill>
+          <a:schemeClr val="tx1"/>
+        </a:solidFill>
+        <a:effectLst/>
+      </p:bgPr>
+    </p:bg>
     <p:spTree>
       <p:nvGrpSpPr>
         <p:cNvPr id="1" name=""/>
@@ -4595,13 +7633,20 @@
           </a:ln>
         </p:spPr>
         <p:style>
-          <a:lnRef idx="0"/>
-          <a:fillRef idx="0"/>
-          <a:effectRef idx="0"/>
+          <a:lnRef idx="0">
+            <a:scrgbClr r="0" g="0" b="0"/>
+          </a:lnRef>
+          <a:fillRef idx="0">
+            <a:scrgbClr r="0" g="0" b="0"/>
+          </a:fillRef>
+          <a:effectRef idx="0">
+            <a:scrgbClr r="0" g="0" b="0"/>
+          </a:effectRef>
           <a:fontRef idx="minor"/>
         </p:style>
         <p:txBody>
-          <a:bodyPr lIns="0" rIns="0" tIns="0" bIns="0" anchor="ctr"/>
+          <a:bodyPr lIns="0" tIns="0" rIns="0" bIns="0" anchor="ctr"/>
+          <a:lstStyle/>
           <a:p>
             <a:pPr algn="ctr">
               <a:lnSpc>
@@ -4609,14 +7654,14 @@
               </a:lnSpc>
             </a:pPr>
             <a:r>
-              <a:rPr b="0" lang="en-GB" sz="4400" spc="-1" strike="noStrike">
-                <a:latin typeface="FF Mark Pro"/>
+              <a:rPr lang="en-GB" sz="4400" b="0" strike="noStrike" spc="-1" dirty="0">
+                <a:solidFill>
+                  <a:srgbClr val="7C5B33"/>
+                </a:solidFill>
+                <a:latin typeface="Century Gothic" panose="020B0502020202020204" pitchFamily="34" charset="0"/>
               </a:rPr>
               <a:t>Competition</a:t>
             </a:r>
-            <a:endParaRPr b="0" lang="en-GB" sz="4400" spc="-1" strike="noStrike">
-              <a:latin typeface="FF Mark Pro"/>
-            </a:endParaRPr>
           </a:p>
         </p:txBody>
       </p:sp>
@@ -4640,38 +7685,77 @@
           </a:ln>
         </p:spPr>
         <p:style>
-          <a:lnRef idx="0"/>
-          <a:fillRef idx="0"/>
-          <a:effectRef idx="0"/>
+          <a:lnRef idx="0">
+            <a:scrgbClr r="0" g="0" b="0"/>
+          </a:lnRef>
+          <a:fillRef idx="0">
+            <a:scrgbClr r="0" g="0" b="0"/>
+          </a:fillRef>
+          <a:effectRef idx="0">
+            <a:scrgbClr r="0" g="0" b="0"/>
+          </a:effectRef>
           <a:fontRef idx="minor"/>
         </p:style>
       </p:sp>
+      <p:pic>
+        <p:nvPicPr>
+          <p:cNvPr id="4" name="Picture 3"/>
+          <p:cNvPicPr>
+            <a:picLocks noChangeAspect="1"/>
+          </p:cNvPicPr>
+          <p:nvPr/>
+        </p:nvPicPr>
+        <p:blipFill>
+          <a:blip r:embed="rId2" cstate="print">
+            <a:extLst>
+              <a:ext uri="{28A0092B-C50C-407E-A947-70E740481C1C}">
+                <a14:useLocalDpi xmlns:a14="http://schemas.microsoft.com/office/drawing/2010/main" val="0"/>
+              </a:ext>
+            </a:extLst>
+          </a:blip>
+          <a:stretch>
+            <a:fillRect/>
+          </a:stretch>
+        </p:blipFill>
+        <p:spPr>
+          <a:xfrm>
+            <a:off x="-1299" y="-1"/>
+            <a:ext cx="2130137" cy="1885695"/>
+          </a:xfrm>
+          <a:prstGeom prst="rect">
+            <a:avLst/>
+          </a:prstGeom>
+        </p:spPr>
+      </p:pic>
     </p:spTree>
   </p:cSld>
-  <mc:AlternateContent>
+  <p:clrMapOvr>
+    <a:masterClrMapping/>
+  </p:clrMapOvr>
+  <mc:AlternateContent xmlns:mc="http://schemas.openxmlformats.org/markup-compatibility/2006" xmlns:p14="http://schemas.microsoft.com/office/powerpoint/2010/main">
     <mc:Choice Requires="p14">
       <p:transition spd="slow" p14:dur="2000"/>
     </mc:Choice>
-    <mc:Fallback>
+    <mc:Fallback xmlns:p15="http://schemas.microsoft.com/office/powerpoint/2012/main" xmlns="">
       <p:transition spd="slow"/>
     </mc:Fallback>
   </mc:AlternateContent>
   <p:timing>
     <p:tnLst>
       <p:par>
-        <p:cTn id="37" dur="indefinite" restart="never" nodeType="tmRoot">
+        <p:cTn id="1" dur="indefinite" restart="never" nodeType="tmRoot">
           <p:childTnLst>
             <p:seq>
-              <p:cTn id="38" dur="indefinite" nodeType="mainSeq"/>
+              <p:cTn id="2" dur="indefinite" nodeType="mainSeq"/>
               <p:prevCondLst>
-                <p:cond delay="0" evt="onPrev">
+                <p:cond evt="onPrev" delay="0">
                   <p:tgtEl>
                     <p:sldTgt/>
                   </p:tgtEl>
                 </p:cond>
               </p:prevCondLst>
               <p:nextCondLst>
-                <p:cond delay="0" evt="onNext">
+                <p:cond evt="onNext" delay="0">
                   <p:tgtEl>
                     <p:sldTgt/>
                   </p:tgtEl>
@@ -4687,8 +7771,16 @@
 </file>
 
 <file path=ppt/slides/slide2.xml><?xml version="1.0" encoding="utf-8"?>
-<p:sld xmlns:a="http://schemas.openxmlformats.org/drawingml/2006/main" xmlns:p="http://schemas.openxmlformats.org/presentationml/2006/main" xmlns:r="http://schemas.openxmlformats.org/officeDocument/2006/relationships" xmlns:p14="http://schemas.microsoft.com/office/powerpoint/2010/main" xmlns:p15="http://schemas.microsoft.com/office/powerpoint/2012/main" xmlns:mc="http://schemas.openxmlformats.org/markup-compatibility/2006">
+<p:sld xmlns:a="http://schemas.openxmlformats.org/drawingml/2006/main" xmlns:r="http://schemas.openxmlformats.org/officeDocument/2006/relationships" xmlns:p="http://schemas.openxmlformats.org/presentationml/2006/main">
   <p:cSld>
+    <p:bg>
+      <p:bgPr>
+        <a:solidFill>
+          <a:schemeClr val="tx1"/>
+        </a:solidFill>
+        <a:effectLst/>
+      </p:bgPr>
+    </p:bg>
     <p:spTree>
       <p:nvGrpSpPr>
         <p:cNvPr id="1" name=""/>
@@ -4705,7 +7797,7 @@
       </p:grpSpPr>
       <p:sp>
         <p:nvSpPr>
-          <p:cNvPr id="78" name="CustomShape 1"/>
+          <p:cNvPr id="84" name="CustomShape 1"/>
           <p:cNvSpPr/>
           <p:nvPr/>
         </p:nvSpPr>
@@ -4723,13 +7815,20 @@
           </a:ln>
         </p:spPr>
         <p:style>
-          <a:lnRef idx="0"/>
-          <a:fillRef idx="0"/>
-          <a:effectRef idx="0"/>
+          <a:lnRef idx="0">
+            <a:scrgbClr r="0" g="0" b="0"/>
+          </a:lnRef>
+          <a:fillRef idx="0">
+            <a:scrgbClr r="0" g="0" b="0"/>
+          </a:fillRef>
+          <a:effectRef idx="0">
+            <a:scrgbClr r="0" g="0" b="0"/>
+          </a:effectRef>
           <a:fontRef idx="minor"/>
         </p:style>
         <p:txBody>
-          <a:bodyPr lIns="0" rIns="0" tIns="0" bIns="0" anchor="ctr"/>
+          <a:bodyPr lIns="0" tIns="0" rIns="0" bIns="0" anchor="ctr"/>
+          <a:lstStyle/>
           <a:p>
             <a:pPr algn="ctr">
               <a:lnSpc>
@@ -4737,20 +7836,20 @@
               </a:lnSpc>
             </a:pPr>
             <a:r>
-              <a:rPr b="0" lang="en-GB" sz="4400" spc="-1" strike="noStrike">
+              <a:rPr lang="en-GB" sz="4400" b="0" strike="noStrike" spc="-1" dirty="0">
+                <a:solidFill>
+                  <a:srgbClr val="7C5B33"/>
+                </a:solidFill>
                 <a:latin typeface="FF Mark Pro"/>
               </a:rPr>
-              <a:t>Target Audience</a:t>
-            </a:r>
-            <a:endParaRPr b="0" lang="en-GB" sz="4400" spc="-1" strike="noStrike">
-              <a:latin typeface="FF Mark Pro"/>
-            </a:endParaRPr>
-          </a:p>
-        </p:txBody>
-      </p:sp>
-      <p:sp>
-        <p:nvSpPr>
-          <p:cNvPr id="79" name="CustomShape 2"/>
+              <a:t>Creative Vision</a:t>
+            </a:r>
+          </a:p>
+        </p:txBody>
+      </p:sp>
+      <p:sp>
+        <p:nvSpPr>
+          <p:cNvPr id="85" name="CustomShape 2"/>
           <p:cNvSpPr/>
           <p:nvPr/>
         </p:nvSpPr>
@@ -4768,38 +7867,294 @@
           </a:ln>
         </p:spPr>
         <p:style>
-          <a:lnRef idx="0"/>
-          <a:fillRef idx="0"/>
-          <a:effectRef idx="0"/>
+          <a:lnRef idx="0">
+            <a:scrgbClr r="0" g="0" b="0"/>
+          </a:lnRef>
+          <a:fillRef idx="0">
+            <a:scrgbClr r="0" g="0" b="0"/>
+          </a:fillRef>
+          <a:effectRef idx="0">
+            <a:scrgbClr r="0" g="0" b="0"/>
+          </a:effectRef>
           <a:fontRef idx="minor"/>
         </p:style>
       </p:sp>
+      <p:sp>
+        <p:nvSpPr>
+          <p:cNvPr id="6" name="CustomShape 2"/>
+          <p:cNvSpPr/>
+          <p:nvPr/>
+        </p:nvSpPr>
+        <p:spPr>
+          <a:xfrm>
+            <a:off x="504000" y="1326600"/>
+            <a:ext cx="9071280" cy="3287880"/>
+          </a:xfrm>
+          <a:prstGeom prst="rect">
+            <a:avLst/>
+          </a:prstGeom>
+          <a:noFill/>
+          <a:ln>
+            <a:noFill/>
+          </a:ln>
+        </p:spPr>
+        <p:style>
+          <a:lnRef idx="0">
+            <a:scrgbClr r="0" g="0" b="0"/>
+          </a:lnRef>
+          <a:fillRef idx="0">
+            <a:scrgbClr r="0" g="0" b="0"/>
+          </a:fillRef>
+          <a:effectRef idx="0">
+            <a:scrgbClr r="0" g="0" b="0"/>
+          </a:effectRef>
+          <a:fontRef idx="minor"/>
+        </p:style>
+      </p:sp>
+      <p:sp>
+        <p:nvSpPr>
+          <p:cNvPr id="7" name="Rectangle 6"/>
+          <p:cNvSpPr/>
+          <p:nvPr/>
+        </p:nvSpPr>
+        <p:spPr>
+          <a:xfrm>
+            <a:off x="504000" y="1172160"/>
+            <a:ext cx="9071280" cy="3600986"/>
+          </a:xfrm>
+          <a:prstGeom prst="rect">
+            <a:avLst/>
+          </a:prstGeom>
+        </p:spPr>
+        <p:txBody>
+          <a:bodyPr wrap="square">
+            <a:spAutoFit/>
+          </a:bodyPr>
+          <a:lstStyle/>
+          <a:p>
+            <a:pPr algn="ctr"/>
+            <a:r>
+              <a:rPr lang="en-GB" b="0" dirty="0" smtClean="0">
+                <a:solidFill>
+                  <a:schemeClr val="bg1"/>
+                </a:solidFill>
+                <a:effectLst/>
+                <a:latin typeface="Century Gothic" panose="020B0502020202020204" pitchFamily="34" charset="0"/>
+                <a:cs typeface="Calibri" panose="020F0502020204030204" pitchFamily="34" charset="0"/>
+              </a:rPr>
+              <a:t/>
+            </a:r>
+            <a:br>
+              <a:rPr lang="en-GB" b="0" dirty="0" smtClean="0">
+                <a:solidFill>
+                  <a:schemeClr val="bg1"/>
+                </a:solidFill>
+                <a:effectLst/>
+                <a:latin typeface="Century Gothic" panose="020B0502020202020204" pitchFamily="34" charset="0"/>
+                <a:cs typeface="Calibri" panose="020F0502020204030204" pitchFamily="34" charset="0"/>
+              </a:rPr>
+            </a:br>
+            <a:r>
+              <a:rPr lang="en-GB" sz="2400" b="0" i="0" u="sng" dirty="0" smtClean="0">
+                <a:solidFill>
+                  <a:srgbClr val="937535"/>
+                </a:solidFill>
+                <a:effectLst/>
+                <a:latin typeface="Century Gothic" panose="020B0502020202020204" pitchFamily="34" charset="0"/>
+                <a:cs typeface="Calibri" panose="020F0502020204030204" pitchFamily="34" charset="0"/>
+              </a:rPr>
+              <a:t>Sekai Saviour is a short game featuring</a:t>
+            </a:r>
+          </a:p>
+          <a:p>
+            <a:pPr algn="ctr"/>
+            <a:r>
+              <a:rPr lang="en-GB" sz="2400" b="0" i="0" u="sng" dirty="0" smtClean="0">
+                <a:solidFill>
+                  <a:srgbClr val="937535"/>
+                </a:solidFill>
+                <a:effectLst/>
+                <a:latin typeface="Century Gothic" panose="020B0502020202020204" pitchFamily="34" charset="0"/>
+                <a:cs typeface="Calibri" panose="020F0502020204030204" pitchFamily="34" charset="0"/>
+              </a:rPr>
+              <a:t>challenging gameplay and a solid narrative</a:t>
+            </a:r>
+          </a:p>
+          <a:p>
+            <a:pPr algn="ctr"/>
+            <a:endParaRPr lang="en-GB" b="0" dirty="0" smtClean="0">
+              <a:solidFill>
+                <a:srgbClr val="937535"/>
+              </a:solidFill>
+              <a:effectLst/>
+              <a:latin typeface="Century Gothic" panose="020B0502020202020204" pitchFamily="34" charset="0"/>
+              <a:cs typeface="Calibri" panose="020F0502020204030204" pitchFamily="34" charset="0"/>
+            </a:endParaRPr>
+          </a:p>
+          <a:p>
+            <a:pPr algn="ctr"/>
+            <a:r>
+              <a:rPr lang="en-GB" dirty="0" smtClean="0">
+                <a:solidFill>
+                  <a:srgbClr val="937535"/>
+                </a:solidFill>
+                <a:latin typeface="Century Gothic" panose="020B0502020202020204" pitchFamily="34" charset="0"/>
+                <a:cs typeface="Calibri" panose="020F0502020204030204" pitchFamily="34" charset="0"/>
+              </a:rPr>
+              <a:t>The game can be completed by those who have little time (our target</a:t>
+            </a:r>
+          </a:p>
+          <a:p>
+            <a:pPr algn="ctr"/>
+            <a:r>
+              <a:rPr lang="en-GB" dirty="0" smtClean="0">
+                <a:solidFill>
+                  <a:srgbClr val="937535"/>
+                </a:solidFill>
+                <a:latin typeface="Century Gothic" panose="020B0502020202020204" pitchFamily="34" charset="0"/>
+                <a:cs typeface="Calibri" panose="020F0502020204030204" pitchFamily="34" charset="0"/>
+              </a:rPr>
+              <a:t>audience will most likely be commuters on the tube or similar)</a:t>
+            </a:r>
+          </a:p>
+          <a:p>
+            <a:pPr algn="ctr"/>
+            <a:endParaRPr lang="en-GB" b="0" dirty="0" smtClean="0">
+              <a:solidFill>
+                <a:srgbClr val="937535"/>
+              </a:solidFill>
+              <a:effectLst/>
+              <a:latin typeface="Century Gothic" panose="020B0502020202020204" pitchFamily="34" charset="0"/>
+              <a:cs typeface="Calibri" panose="020F0502020204030204" pitchFamily="34" charset="0"/>
+            </a:endParaRPr>
+          </a:p>
+          <a:p>
+            <a:pPr algn="ctr"/>
+            <a:r>
+              <a:rPr lang="en-GB" dirty="0" smtClean="0">
+                <a:solidFill>
+                  <a:srgbClr val="937535"/>
+                </a:solidFill>
+                <a:latin typeface="Century Gothic" panose="020B0502020202020204" pitchFamily="34" charset="0"/>
+                <a:cs typeface="Calibri" panose="020F0502020204030204" pitchFamily="34" charset="0"/>
+              </a:rPr>
+              <a:t>The cost of initial development stays low as the team size</a:t>
+            </a:r>
+          </a:p>
+          <a:p>
+            <a:pPr algn="ctr"/>
+            <a:r>
+              <a:rPr lang="en-GB" dirty="0" smtClean="0">
+                <a:solidFill>
+                  <a:srgbClr val="937535"/>
+                </a:solidFill>
+                <a:latin typeface="Century Gothic" panose="020B0502020202020204" pitchFamily="34" charset="0"/>
+                <a:cs typeface="Calibri" panose="020F0502020204030204" pitchFamily="34" charset="0"/>
+              </a:rPr>
+              <a:t>is small and the timeline of work is short</a:t>
+            </a:r>
+          </a:p>
+          <a:p>
+            <a:pPr algn="ctr"/>
+            <a:endParaRPr lang="en-GB" b="0" dirty="0" smtClean="0">
+              <a:solidFill>
+                <a:srgbClr val="937535"/>
+              </a:solidFill>
+              <a:effectLst/>
+              <a:latin typeface="Century Gothic" panose="020B0502020202020204" pitchFamily="34" charset="0"/>
+              <a:cs typeface="Calibri" panose="020F0502020204030204" pitchFamily="34" charset="0"/>
+            </a:endParaRPr>
+          </a:p>
+          <a:p>
+            <a:pPr algn="ctr"/>
+            <a:r>
+              <a:rPr lang="en-GB" dirty="0" smtClean="0">
+                <a:solidFill>
+                  <a:srgbClr val="937535"/>
+                </a:solidFill>
+                <a:latin typeface="Century Gothic" panose="020B0502020202020204" pitchFamily="34" charset="0"/>
+                <a:cs typeface="Calibri" panose="020F0502020204030204" pitchFamily="34" charset="0"/>
+              </a:rPr>
+              <a:t>The story is told mostly implicitly through interactions, items and visual storytelling</a:t>
+            </a:r>
+            <a:br>
+              <a:rPr lang="en-GB" dirty="0" smtClean="0">
+                <a:solidFill>
+                  <a:srgbClr val="937535"/>
+                </a:solidFill>
+                <a:latin typeface="Century Gothic" panose="020B0502020202020204" pitchFamily="34" charset="0"/>
+                <a:cs typeface="Calibri" panose="020F0502020204030204" pitchFamily="34" charset="0"/>
+              </a:rPr>
+            </a:br>
+            <a:endParaRPr lang="en-GB" dirty="0">
+              <a:solidFill>
+                <a:srgbClr val="937535"/>
+              </a:solidFill>
+              <a:latin typeface="Century Gothic" panose="020B0502020202020204" pitchFamily="34" charset="0"/>
+              <a:cs typeface="Calibri" panose="020F0502020204030204" pitchFamily="34" charset="0"/>
+            </a:endParaRPr>
+          </a:p>
+        </p:txBody>
+      </p:sp>
+      <p:pic>
+        <p:nvPicPr>
+          <p:cNvPr id="3" name="Picture 2"/>
+          <p:cNvPicPr>
+            <a:picLocks noChangeAspect="1"/>
+          </p:cNvPicPr>
+          <p:nvPr/>
+        </p:nvPicPr>
+        <p:blipFill>
+          <a:blip r:embed="rId2" cstate="print">
+            <a:extLst>
+              <a:ext uri="{28A0092B-C50C-407E-A947-70E740481C1C}">
+                <a14:useLocalDpi xmlns:a14="http://schemas.microsoft.com/office/drawing/2010/main" val="0"/>
+              </a:ext>
+            </a:extLst>
+          </a:blip>
+          <a:stretch>
+            <a:fillRect/>
+          </a:stretch>
+        </p:blipFill>
+        <p:spPr>
+          <a:xfrm>
+            <a:off x="-1299" y="-1"/>
+            <a:ext cx="2130137" cy="1885695"/>
+          </a:xfrm>
+          <a:prstGeom prst="rect">
+            <a:avLst/>
+          </a:prstGeom>
+        </p:spPr>
+      </p:pic>
     </p:spTree>
   </p:cSld>
-  <mc:AlternateContent>
+  <p:clrMapOvr>
+    <a:masterClrMapping/>
+  </p:clrMapOvr>
+  <mc:AlternateContent xmlns:mc="http://schemas.openxmlformats.org/markup-compatibility/2006" xmlns:p14="http://schemas.microsoft.com/office/powerpoint/2010/main">
     <mc:Choice Requires="p14">
       <p:transition spd="slow" p14:dur="2000"/>
     </mc:Choice>
-    <mc:Fallback>
+    <mc:Fallback xmlns:p15="http://schemas.microsoft.com/office/powerpoint/2012/main" xmlns="">
       <p:transition spd="slow"/>
     </mc:Fallback>
   </mc:AlternateContent>
   <p:timing>
     <p:tnLst>
       <p:par>
-        <p:cTn id="3" dur="indefinite" restart="never" nodeType="tmRoot">
+        <p:cTn id="1" dur="indefinite" restart="never" nodeType="tmRoot">
           <p:childTnLst>
             <p:seq>
-              <p:cTn id="4" dur="indefinite" nodeType="mainSeq"/>
+              <p:cTn id="2" dur="indefinite" nodeType="mainSeq"/>
               <p:prevCondLst>
-                <p:cond delay="0" evt="onPrev">
+                <p:cond evt="onPrev" delay="0">
                   <p:tgtEl>
                     <p:sldTgt/>
                   </p:tgtEl>
                 </p:cond>
               </p:prevCondLst>
               <p:nextCondLst>
-                <p:cond delay="0" evt="onNext">
+                <p:cond evt="onNext" delay="0">
                   <p:tgtEl>
                     <p:sldTgt/>
                   </p:tgtEl>
@@ -4815,8 +8170,16 @@
 </file>
 
 <file path=ppt/slides/slide20.xml><?xml version="1.0" encoding="utf-8"?>
-<p:sld xmlns:a="http://schemas.openxmlformats.org/drawingml/2006/main" xmlns:p="http://schemas.openxmlformats.org/presentationml/2006/main" xmlns:r="http://schemas.openxmlformats.org/officeDocument/2006/relationships" xmlns:p14="http://schemas.microsoft.com/office/powerpoint/2010/main" xmlns:p15="http://schemas.microsoft.com/office/powerpoint/2012/main" xmlns:mc="http://schemas.openxmlformats.org/markup-compatibility/2006">
+<p:sld xmlns:a="http://schemas.openxmlformats.org/drawingml/2006/main" xmlns:r="http://schemas.openxmlformats.org/officeDocument/2006/relationships" xmlns:p="http://schemas.openxmlformats.org/presentationml/2006/main">
   <p:cSld>
+    <p:bg>
+      <p:bgPr>
+        <a:solidFill>
+          <a:schemeClr val="tx1"/>
+        </a:solidFill>
+        <a:effectLst/>
+      </p:bgPr>
+    </p:bg>
     <p:spTree>
       <p:nvGrpSpPr>
         <p:cNvPr id="1" name=""/>
@@ -4851,13 +8214,20 @@
           </a:ln>
         </p:spPr>
         <p:style>
-          <a:lnRef idx="0"/>
-          <a:fillRef idx="0"/>
-          <a:effectRef idx="0"/>
+          <a:lnRef idx="0">
+            <a:scrgbClr r="0" g="0" b="0"/>
+          </a:lnRef>
+          <a:fillRef idx="0">
+            <a:scrgbClr r="0" g="0" b="0"/>
+          </a:fillRef>
+          <a:effectRef idx="0">
+            <a:scrgbClr r="0" g="0" b="0"/>
+          </a:effectRef>
           <a:fontRef idx="minor"/>
         </p:style>
         <p:txBody>
-          <a:bodyPr lIns="0" rIns="0" tIns="0" bIns="0" anchor="ctr"/>
+          <a:bodyPr lIns="0" tIns="0" rIns="0" bIns="0" anchor="ctr"/>
+          <a:lstStyle/>
           <a:p>
             <a:pPr algn="ctr">
               <a:lnSpc>
@@ -4865,14 +8235,14 @@
               </a:lnSpc>
             </a:pPr>
             <a:r>
-              <a:rPr b="0" lang="en-GB" sz="4400" spc="-1" strike="noStrike">
-                <a:latin typeface="FF Mark Pro"/>
+              <a:rPr lang="en-GB" sz="4400" b="0" strike="noStrike" spc="-1" dirty="0">
+                <a:solidFill>
+                  <a:srgbClr val="7C5B33"/>
+                </a:solidFill>
+                <a:latin typeface="Century Gothic" panose="020B0502020202020204" pitchFamily="34" charset="0"/>
               </a:rPr>
               <a:t>Competition</a:t>
             </a:r>
-            <a:endParaRPr b="0" lang="en-GB" sz="4400" spc="-1" strike="noStrike">
-              <a:latin typeface="FF Mark Pro"/>
-            </a:endParaRPr>
           </a:p>
         </p:txBody>
       </p:sp>
@@ -4896,38 +8266,77 @@
           </a:ln>
         </p:spPr>
         <p:style>
-          <a:lnRef idx="0"/>
-          <a:fillRef idx="0"/>
-          <a:effectRef idx="0"/>
+          <a:lnRef idx="0">
+            <a:scrgbClr r="0" g="0" b="0"/>
+          </a:lnRef>
+          <a:fillRef idx="0">
+            <a:scrgbClr r="0" g="0" b="0"/>
+          </a:fillRef>
+          <a:effectRef idx="0">
+            <a:scrgbClr r="0" g="0" b="0"/>
+          </a:effectRef>
           <a:fontRef idx="minor"/>
         </p:style>
       </p:sp>
+      <p:pic>
+        <p:nvPicPr>
+          <p:cNvPr id="4" name="Picture 3"/>
+          <p:cNvPicPr>
+            <a:picLocks noChangeAspect="1"/>
+          </p:cNvPicPr>
+          <p:nvPr/>
+        </p:nvPicPr>
+        <p:blipFill>
+          <a:blip r:embed="rId2" cstate="print">
+            <a:extLst>
+              <a:ext uri="{28A0092B-C50C-407E-A947-70E740481C1C}">
+                <a14:useLocalDpi xmlns:a14="http://schemas.microsoft.com/office/drawing/2010/main" val="0"/>
+              </a:ext>
+            </a:extLst>
+          </a:blip>
+          <a:stretch>
+            <a:fillRect/>
+          </a:stretch>
+        </p:blipFill>
+        <p:spPr>
+          <a:xfrm>
+            <a:off x="-1299" y="-1"/>
+            <a:ext cx="2130137" cy="1885695"/>
+          </a:xfrm>
+          <a:prstGeom prst="rect">
+            <a:avLst/>
+          </a:prstGeom>
+        </p:spPr>
+      </p:pic>
     </p:spTree>
   </p:cSld>
-  <mc:AlternateContent>
+  <p:clrMapOvr>
+    <a:masterClrMapping/>
+  </p:clrMapOvr>
+  <mc:AlternateContent xmlns:mc="http://schemas.openxmlformats.org/markup-compatibility/2006" xmlns:p14="http://schemas.microsoft.com/office/powerpoint/2010/main">
     <mc:Choice Requires="p14">
       <p:transition spd="slow" p14:dur="2000"/>
     </mc:Choice>
-    <mc:Fallback>
+    <mc:Fallback xmlns:p15="http://schemas.microsoft.com/office/powerpoint/2012/main" xmlns="">
       <p:transition spd="slow"/>
     </mc:Fallback>
   </mc:AlternateContent>
   <p:timing>
     <p:tnLst>
       <p:par>
-        <p:cTn id="39" dur="indefinite" restart="never" nodeType="tmRoot">
+        <p:cTn id="1" dur="indefinite" restart="never" nodeType="tmRoot">
           <p:childTnLst>
             <p:seq>
-              <p:cTn id="40" dur="indefinite" nodeType="mainSeq"/>
+              <p:cTn id="2" dur="indefinite" nodeType="mainSeq"/>
               <p:prevCondLst>
-                <p:cond delay="0" evt="onPrev">
+                <p:cond evt="onPrev" delay="0">
                   <p:tgtEl>
                     <p:sldTgt/>
                   </p:tgtEl>
                 </p:cond>
               </p:prevCondLst>
               <p:nextCondLst>
-                <p:cond delay="0" evt="onNext">
+                <p:cond evt="onNext" delay="0">
                   <p:tgtEl>
                     <p:sldTgt/>
                   </p:tgtEl>
@@ -4943,8 +8352,16 @@
 </file>
 
 <file path=ppt/slides/slide21.xml><?xml version="1.0" encoding="utf-8"?>
-<p:sld xmlns:a="http://schemas.openxmlformats.org/drawingml/2006/main" xmlns:p="http://schemas.openxmlformats.org/presentationml/2006/main" xmlns:r="http://schemas.openxmlformats.org/officeDocument/2006/relationships" xmlns:p14="http://schemas.microsoft.com/office/powerpoint/2010/main" xmlns:p15="http://schemas.microsoft.com/office/powerpoint/2012/main" xmlns:mc="http://schemas.openxmlformats.org/markup-compatibility/2006">
+<p:sld xmlns:a="http://schemas.openxmlformats.org/drawingml/2006/main" xmlns:r="http://schemas.openxmlformats.org/officeDocument/2006/relationships" xmlns:p="http://schemas.openxmlformats.org/presentationml/2006/main">
   <p:cSld>
+    <p:bg>
+      <p:bgPr>
+        <a:solidFill>
+          <a:schemeClr val="tx1"/>
+        </a:solidFill>
+        <a:effectLst/>
+      </p:bgPr>
+    </p:bg>
     <p:spTree>
       <p:nvGrpSpPr>
         <p:cNvPr id="1" name=""/>
@@ -4979,13 +8396,20 @@
           </a:ln>
         </p:spPr>
         <p:style>
-          <a:lnRef idx="0"/>
-          <a:fillRef idx="0"/>
-          <a:effectRef idx="0"/>
+          <a:lnRef idx="0">
+            <a:scrgbClr r="0" g="0" b="0"/>
+          </a:lnRef>
+          <a:fillRef idx="0">
+            <a:scrgbClr r="0" g="0" b="0"/>
+          </a:fillRef>
+          <a:effectRef idx="0">
+            <a:scrgbClr r="0" g="0" b="0"/>
+          </a:effectRef>
           <a:fontRef idx="minor"/>
         </p:style>
         <p:txBody>
-          <a:bodyPr lIns="0" rIns="0" tIns="0" bIns="0" anchor="ctr"/>
+          <a:bodyPr lIns="0" tIns="0" rIns="0" bIns="0" anchor="ctr"/>
+          <a:lstStyle/>
           <a:p>
             <a:pPr algn="ctr">
               <a:lnSpc>
@@ -4993,14 +8417,14 @@
               </a:lnSpc>
             </a:pPr>
             <a:r>
-              <a:rPr b="0" lang="en-GB" sz="4400" spc="-1" strike="noStrike">
-                <a:latin typeface="FF Mark Pro"/>
+              <a:rPr lang="en-GB" sz="4400" b="0" strike="noStrike" spc="-1" dirty="0">
+                <a:solidFill>
+                  <a:srgbClr val="7C5B33"/>
+                </a:solidFill>
+                <a:latin typeface="Century Gothic" panose="020B0502020202020204" pitchFamily="34" charset="0"/>
               </a:rPr>
               <a:t>Summary</a:t>
             </a:r>
-            <a:endParaRPr b="0" lang="en-GB" sz="4400" spc="-1" strike="noStrike">
-              <a:latin typeface="FF Mark Pro"/>
-            </a:endParaRPr>
           </a:p>
         </p:txBody>
       </p:sp>
@@ -5024,38 +8448,77 @@
           </a:ln>
         </p:spPr>
         <p:style>
-          <a:lnRef idx="0"/>
-          <a:fillRef idx="0"/>
-          <a:effectRef idx="0"/>
+          <a:lnRef idx="0">
+            <a:scrgbClr r="0" g="0" b="0"/>
+          </a:lnRef>
+          <a:fillRef idx="0">
+            <a:scrgbClr r="0" g="0" b="0"/>
+          </a:fillRef>
+          <a:effectRef idx="0">
+            <a:scrgbClr r="0" g="0" b="0"/>
+          </a:effectRef>
           <a:fontRef idx="minor"/>
         </p:style>
       </p:sp>
+      <p:pic>
+        <p:nvPicPr>
+          <p:cNvPr id="4" name="Picture 3"/>
+          <p:cNvPicPr>
+            <a:picLocks noChangeAspect="1"/>
+          </p:cNvPicPr>
+          <p:nvPr/>
+        </p:nvPicPr>
+        <p:blipFill>
+          <a:blip r:embed="rId2" cstate="print">
+            <a:extLst>
+              <a:ext uri="{28A0092B-C50C-407E-A947-70E740481C1C}">
+                <a14:useLocalDpi xmlns:a14="http://schemas.microsoft.com/office/drawing/2010/main" val="0"/>
+              </a:ext>
+            </a:extLst>
+          </a:blip>
+          <a:stretch>
+            <a:fillRect/>
+          </a:stretch>
+        </p:blipFill>
+        <p:spPr>
+          <a:xfrm>
+            <a:off x="-1299" y="-1"/>
+            <a:ext cx="2130137" cy="1885695"/>
+          </a:xfrm>
+          <a:prstGeom prst="rect">
+            <a:avLst/>
+          </a:prstGeom>
+        </p:spPr>
+      </p:pic>
     </p:spTree>
   </p:cSld>
-  <mc:AlternateContent>
+  <p:clrMapOvr>
+    <a:masterClrMapping/>
+  </p:clrMapOvr>
+  <mc:AlternateContent xmlns:mc="http://schemas.openxmlformats.org/markup-compatibility/2006" xmlns:p14="http://schemas.microsoft.com/office/powerpoint/2010/main">
     <mc:Choice Requires="p14">
       <p:transition spd="slow" p14:dur="2000"/>
     </mc:Choice>
-    <mc:Fallback>
+    <mc:Fallback xmlns:p15="http://schemas.microsoft.com/office/powerpoint/2012/main" xmlns="">
       <p:transition spd="slow"/>
     </mc:Fallback>
   </mc:AlternateContent>
   <p:timing>
     <p:tnLst>
       <p:par>
-        <p:cTn id="41" dur="indefinite" restart="never" nodeType="tmRoot">
+        <p:cTn id="1" dur="indefinite" restart="never" nodeType="tmRoot">
           <p:childTnLst>
             <p:seq>
-              <p:cTn id="42" dur="indefinite" nodeType="mainSeq"/>
+              <p:cTn id="2" dur="indefinite" nodeType="mainSeq"/>
               <p:prevCondLst>
-                <p:cond delay="0" evt="onPrev">
+                <p:cond evt="onPrev" delay="0">
                   <p:tgtEl>
                     <p:sldTgt/>
                   </p:tgtEl>
                 </p:cond>
               </p:prevCondLst>
               <p:nextCondLst>
-                <p:cond delay="0" evt="onNext">
+                <p:cond evt="onNext" delay="0">
                   <p:tgtEl>
                     <p:sldTgt/>
                   </p:tgtEl>
@@ -5071,8 +8534,16 @@
 </file>
 
 <file path=ppt/slides/slide3.xml><?xml version="1.0" encoding="utf-8"?>
-<p:sld xmlns:a="http://schemas.openxmlformats.org/drawingml/2006/main" xmlns:p="http://schemas.openxmlformats.org/presentationml/2006/main" xmlns:r="http://schemas.openxmlformats.org/officeDocument/2006/relationships" xmlns:p14="http://schemas.microsoft.com/office/powerpoint/2010/main" xmlns:p15="http://schemas.microsoft.com/office/powerpoint/2012/main" xmlns:mc="http://schemas.openxmlformats.org/markup-compatibility/2006">
+<p:sld xmlns:a="http://schemas.openxmlformats.org/drawingml/2006/main" xmlns:r="http://schemas.openxmlformats.org/officeDocument/2006/relationships" xmlns:p="http://schemas.openxmlformats.org/presentationml/2006/main">
   <p:cSld>
+    <p:bg>
+      <p:bgPr>
+        <a:solidFill>
+          <a:schemeClr val="tx1"/>
+        </a:solidFill>
+        <a:effectLst/>
+      </p:bgPr>
+    </p:bg>
     <p:spTree>
       <p:nvGrpSpPr>
         <p:cNvPr id="1" name=""/>
@@ -5089,7 +8560,7 @@
       </p:grpSpPr>
       <p:sp>
         <p:nvSpPr>
-          <p:cNvPr id="80" name="CustomShape 1"/>
+          <p:cNvPr id="86" name="CustomShape 1"/>
           <p:cNvSpPr/>
           <p:nvPr/>
         </p:nvSpPr>
@@ -5107,13 +8578,20 @@
           </a:ln>
         </p:spPr>
         <p:style>
-          <a:lnRef idx="0"/>
-          <a:fillRef idx="0"/>
-          <a:effectRef idx="0"/>
+          <a:lnRef idx="0">
+            <a:scrgbClr r="0" g="0" b="0"/>
+          </a:lnRef>
+          <a:fillRef idx="0">
+            <a:scrgbClr r="0" g="0" b="0"/>
+          </a:fillRef>
+          <a:effectRef idx="0">
+            <a:scrgbClr r="0" g="0" b="0"/>
+          </a:effectRef>
           <a:fontRef idx="minor"/>
         </p:style>
         <p:txBody>
-          <a:bodyPr lIns="0" rIns="0" tIns="0" bIns="0" anchor="ctr"/>
+          <a:bodyPr lIns="0" tIns="0" rIns="0" bIns="0" anchor="ctr"/>
+          <a:lstStyle/>
           <a:p>
             <a:pPr algn="ctr">
               <a:lnSpc>
@@ -5121,20 +8599,20 @@
               </a:lnSpc>
             </a:pPr>
             <a:r>
-              <a:rPr b="0" lang="en-GB" sz="4400" spc="-1" strike="noStrike">
-                <a:latin typeface="FF Mark Pro"/>
-              </a:rPr>
-              <a:t>Target Audience</a:t>
-            </a:r>
-            <a:endParaRPr b="0" lang="en-GB" sz="4400" spc="-1" strike="noStrike">
-              <a:latin typeface="FF Mark Pro"/>
-            </a:endParaRPr>
-          </a:p>
-        </p:txBody>
-      </p:sp>
-      <p:sp>
-        <p:nvSpPr>
-          <p:cNvPr id="81" name="CustomShape 2"/>
+              <a:rPr lang="en-GB" sz="4400" b="0" strike="noStrike" spc="-1" dirty="0">
+                <a:solidFill>
+                  <a:srgbClr val="7C5B33"/>
+                </a:solidFill>
+                <a:latin typeface="Century Gothic" panose="020B0502020202020204" pitchFamily="34" charset="0"/>
+              </a:rPr>
+              <a:t>Creative Vision</a:t>
+            </a:r>
+          </a:p>
+        </p:txBody>
+      </p:sp>
+      <p:sp>
+        <p:nvSpPr>
+          <p:cNvPr id="87" name="CustomShape 2"/>
           <p:cNvSpPr/>
           <p:nvPr/>
         </p:nvSpPr>
@@ -5152,38 +8630,77 @@
           </a:ln>
         </p:spPr>
         <p:style>
-          <a:lnRef idx="0"/>
-          <a:fillRef idx="0"/>
-          <a:effectRef idx="0"/>
+          <a:lnRef idx="0">
+            <a:scrgbClr r="0" g="0" b="0"/>
+          </a:lnRef>
+          <a:fillRef idx="0">
+            <a:scrgbClr r="0" g="0" b="0"/>
+          </a:fillRef>
+          <a:effectRef idx="0">
+            <a:scrgbClr r="0" g="0" b="0"/>
+          </a:effectRef>
           <a:fontRef idx="minor"/>
         </p:style>
       </p:sp>
+      <p:pic>
+        <p:nvPicPr>
+          <p:cNvPr id="4" name="Picture 3"/>
+          <p:cNvPicPr>
+            <a:picLocks noChangeAspect="1"/>
+          </p:cNvPicPr>
+          <p:nvPr/>
+        </p:nvPicPr>
+        <p:blipFill>
+          <a:blip r:embed="rId2" cstate="print">
+            <a:extLst>
+              <a:ext uri="{28A0092B-C50C-407E-A947-70E740481C1C}">
+                <a14:useLocalDpi xmlns:a14="http://schemas.microsoft.com/office/drawing/2010/main" val="0"/>
+              </a:ext>
+            </a:extLst>
+          </a:blip>
+          <a:stretch>
+            <a:fillRect/>
+          </a:stretch>
+        </p:blipFill>
+        <p:spPr>
+          <a:xfrm>
+            <a:off x="-1299" y="-1"/>
+            <a:ext cx="2130137" cy="1885695"/>
+          </a:xfrm>
+          <a:prstGeom prst="rect">
+            <a:avLst/>
+          </a:prstGeom>
+        </p:spPr>
+      </p:pic>
     </p:spTree>
   </p:cSld>
-  <mc:AlternateContent>
+  <p:clrMapOvr>
+    <a:masterClrMapping/>
+  </p:clrMapOvr>
+  <mc:AlternateContent xmlns:mc="http://schemas.openxmlformats.org/markup-compatibility/2006" xmlns:p14="http://schemas.microsoft.com/office/powerpoint/2010/main">
     <mc:Choice Requires="p14">
       <p:transition spd="slow" p14:dur="2000"/>
     </mc:Choice>
-    <mc:Fallback>
+    <mc:Fallback xmlns:p15="http://schemas.microsoft.com/office/powerpoint/2012/main" xmlns="">
       <p:transition spd="slow"/>
     </mc:Fallback>
   </mc:AlternateContent>
   <p:timing>
     <p:tnLst>
       <p:par>
-        <p:cTn id="5" dur="indefinite" restart="never" nodeType="tmRoot">
+        <p:cTn id="1" dur="indefinite" restart="never" nodeType="tmRoot">
           <p:childTnLst>
             <p:seq>
-              <p:cTn id="6" dur="indefinite" nodeType="mainSeq"/>
+              <p:cTn id="2" dur="indefinite" nodeType="mainSeq"/>
               <p:prevCondLst>
-                <p:cond delay="0" evt="onPrev">
+                <p:cond evt="onPrev" delay="0">
                   <p:tgtEl>
                     <p:sldTgt/>
                   </p:tgtEl>
                 </p:cond>
               </p:prevCondLst>
               <p:nextCondLst>
-                <p:cond delay="0" evt="onNext">
+                <p:cond evt="onNext" delay="0">
                   <p:tgtEl>
                     <p:sldTgt/>
                   </p:tgtEl>
@@ -5199,8 +8716,16 @@
 </file>
 
 <file path=ppt/slides/slide4.xml><?xml version="1.0" encoding="utf-8"?>
-<p:sld xmlns:a="http://schemas.openxmlformats.org/drawingml/2006/main" xmlns:p="http://schemas.openxmlformats.org/presentationml/2006/main" xmlns:r="http://schemas.openxmlformats.org/officeDocument/2006/relationships" xmlns:p14="http://schemas.microsoft.com/office/powerpoint/2010/main" xmlns:p15="http://schemas.microsoft.com/office/powerpoint/2012/main" xmlns:mc="http://schemas.openxmlformats.org/markup-compatibility/2006">
+<p:sld xmlns:a="http://schemas.openxmlformats.org/drawingml/2006/main" xmlns:r="http://schemas.openxmlformats.org/officeDocument/2006/relationships" xmlns:p="http://schemas.openxmlformats.org/presentationml/2006/main">
   <p:cSld>
+    <p:bg>
+      <p:bgPr>
+        <a:solidFill>
+          <a:schemeClr val="tx1"/>
+        </a:solidFill>
+        <a:effectLst/>
+      </p:bgPr>
+    </p:bg>
     <p:spTree>
       <p:nvGrpSpPr>
         <p:cNvPr id="1" name=""/>
@@ -5217,7 +8742,7 @@
       </p:grpSpPr>
       <p:sp>
         <p:nvSpPr>
-          <p:cNvPr id="82" name="CustomShape 1"/>
+          <p:cNvPr id="84" name="CustomShape 1"/>
           <p:cNvSpPr/>
           <p:nvPr/>
         </p:nvSpPr>
@@ -5235,13 +8760,20 @@
           </a:ln>
         </p:spPr>
         <p:style>
-          <a:lnRef idx="0"/>
-          <a:fillRef idx="0"/>
-          <a:effectRef idx="0"/>
+          <a:lnRef idx="0">
+            <a:scrgbClr r="0" g="0" b="0"/>
+          </a:lnRef>
+          <a:fillRef idx="0">
+            <a:scrgbClr r="0" g="0" b="0"/>
+          </a:fillRef>
+          <a:effectRef idx="0">
+            <a:scrgbClr r="0" g="0" b="0"/>
+          </a:effectRef>
           <a:fontRef idx="minor"/>
         </p:style>
         <p:txBody>
-          <a:bodyPr lIns="0" rIns="0" tIns="0" bIns="0" anchor="ctr"/>
+          <a:bodyPr lIns="0" tIns="0" rIns="0" bIns="0" anchor="ctr"/>
+          <a:lstStyle/>
           <a:p>
             <a:pPr algn="ctr">
               <a:lnSpc>
@@ -5249,20 +8781,20 @@
               </a:lnSpc>
             </a:pPr>
             <a:r>
-              <a:rPr b="0" lang="en-GB" sz="4400" spc="-1" strike="noStrike">
-                <a:latin typeface="FF Mark Pro"/>
-              </a:rPr>
-              <a:t>Target Audience</a:t>
-            </a:r>
-            <a:endParaRPr b="0" lang="en-GB" sz="4400" spc="-1" strike="noStrike">
-              <a:latin typeface="FF Mark Pro"/>
-            </a:endParaRPr>
-          </a:p>
-        </p:txBody>
-      </p:sp>
-      <p:sp>
-        <p:nvSpPr>
-          <p:cNvPr id="83" name="CustomShape 2"/>
+              <a:rPr lang="en-GB" sz="4400" b="0" strike="noStrike" spc="-1" dirty="0">
+                <a:solidFill>
+                  <a:srgbClr val="7C5B33"/>
+                </a:solidFill>
+                <a:latin typeface="Century Gothic" panose="020B0502020202020204" pitchFamily="34" charset="0"/>
+              </a:rPr>
+              <a:t>Creative Vision</a:t>
+            </a:r>
+          </a:p>
+        </p:txBody>
+      </p:sp>
+      <p:sp>
+        <p:nvSpPr>
+          <p:cNvPr id="85" name="CustomShape 2"/>
           <p:cNvSpPr/>
           <p:nvPr/>
         </p:nvSpPr>
@@ -5280,38 +8812,269 @@
           </a:ln>
         </p:spPr>
         <p:style>
-          <a:lnRef idx="0"/>
-          <a:fillRef idx="0"/>
-          <a:effectRef idx="0"/>
+          <a:lnRef idx="0">
+            <a:scrgbClr r="0" g="0" b="0"/>
+          </a:lnRef>
+          <a:fillRef idx="0">
+            <a:scrgbClr r="0" g="0" b="0"/>
+          </a:fillRef>
+          <a:effectRef idx="0">
+            <a:scrgbClr r="0" g="0" b="0"/>
+          </a:effectRef>
           <a:fontRef idx="minor"/>
         </p:style>
       </p:sp>
+      <p:sp>
+        <p:nvSpPr>
+          <p:cNvPr id="6" name="CustomShape 2"/>
+          <p:cNvSpPr/>
+          <p:nvPr/>
+        </p:nvSpPr>
+        <p:spPr>
+          <a:xfrm>
+            <a:off x="504000" y="1326600"/>
+            <a:ext cx="9071280" cy="3287880"/>
+          </a:xfrm>
+          <a:prstGeom prst="rect">
+            <a:avLst/>
+          </a:prstGeom>
+          <a:noFill/>
+          <a:ln>
+            <a:noFill/>
+          </a:ln>
+        </p:spPr>
+        <p:style>
+          <a:lnRef idx="0">
+            <a:scrgbClr r="0" g="0" b="0"/>
+          </a:lnRef>
+          <a:fillRef idx="0">
+            <a:scrgbClr r="0" g="0" b="0"/>
+          </a:fillRef>
+          <a:effectRef idx="0">
+            <a:scrgbClr r="0" g="0" b="0"/>
+          </a:effectRef>
+          <a:fontRef idx="minor"/>
+        </p:style>
+      </p:sp>
+      <p:sp>
+        <p:nvSpPr>
+          <p:cNvPr id="7" name="Rectangle 6"/>
+          <p:cNvSpPr/>
+          <p:nvPr/>
+        </p:nvSpPr>
+        <p:spPr>
+          <a:xfrm>
+            <a:off x="504000" y="1172160"/>
+            <a:ext cx="9071280" cy="3970318"/>
+          </a:xfrm>
+          <a:prstGeom prst="rect">
+            <a:avLst/>
+          </a:prstGeom>
+        </p:spPr>
+        <p:txBody>
+          <a:bodyPr wrap="square">
+            <a:spAutoFit/>
+          </a:bodyPr>
+          <a:lstStyle/>
+          <a:p>
+            <a:pPr algn="ctr"/>
+            <a:endParaRPr lang="en-GB" dirty="0" smtClean="0">
+              <a:solidFill>
+                <a:srgbClr val="937535"/>
+              </a:solidFill>
+              <a:latin typeface="Century Gothic" panose="020B0502020202020204" pitchFamily="34" charset="0"/>
+            </a:endParaRPr>
+          </a:p>
+          <a:p>
+            <a:pPr algn="ctr"/>
+            <a:endParaRPr lang="en-GB" dirty="0">
+              <a:solidFill>
+                <a:srgbClr val="937535"/>
+              </a:solidFill>
+              <a:latin typeface="Century Gothic" panose="020B0502020202020204" pitchFamily="34" charset="0"/>
+            </a:endParaRPr>
+          </a:p>
+          <a:p>
+            <a:pPr algn="ctr"/>
+            <a:r>
+              <a:rPr lang="en-GB" dirty="0">
+                <a:solidFill>
+                  <a:srgbClr val="937535"/>
+                </a:solidFill>
+                <a:latin typeface="Century Gothic" panose="020B0502020202020204" pitchFamily="34" charset="0"/>
+              </a:rPr>
+              <a:t/>
+            </a:r>
+            <a:br>
+              <a:rPr lang="en-GB" dirty="0">
+                <a:solidFill>
+                  <a:srgbClr val="937535"/>
+                </a:solidFill>
+                <a:latin typeface="Century Gothic" panose="020B0502020202020204" pitchFamily="34" charset="0"/>
+              </a:rPr>
+            </a:br>
+            <a:r>
+              <a:rPr lang="en-GB" dirty="0">
+                <a:solidFill>
+                  <a:srgbClr val="937535"/>
+                </a:solidFill>
+                <a:latin typeface="Century Gothic" panose="020B0502020202020204" pitchFamily="34" charset="0"/>
+              </a:rPr>
+              <a:t>Sekai Saviour is a free to play game that makes its money through in-app purchases</a:t>
+            </a:r>
+          </a:p>
+          <a:p>
+            <a:pPr algn="ctr"/>
+            <a:endParaRPr lang="en-GB" dirty="0" smtClean="0">
+              <a:solidFill>
+                <a:srgbClr val="937535"/>
+              </a:solidFill>
+              <a:latin typeface="Century Gothic" panose="020B0502020202020204" pitchFamily="34" charset="0"/>
+            </a:endParaRPr>
+          </a:p>
+          <a:p>
+            <a:pPr algn="ctr"/>
+            <a:r>
+              <a:rPr lang="en-GB" dirty="0" smtClean="0">
+                <a:solidFill>
+                  <a:srgbClr val="937535"/>
+                </a:solidFill>
+                <a:latin typeface="Century Gothic" panose="020B0502020202020204" pitchFamily="34" charset="0"/>
+              </a:rPr>
+              <a:t>This </a:t>
+            </a:r>
+            <a:r>
+              <a:rPr lang="en-GB" dirty="0">
+                <a:solidFill>
+                  <a:srgbClr val="937535"/>
+                </a:solidFill>
+                <a:latin typeface="Century Gothic" panose="020B0502020202020204" pitchFamily="34" charset="0"/>
+              </a:rPr>
+              <a:t>is subject to change, we don’t yet know what in-app purchases we would include</a:t>
+            </a:r>
+          </a:p>
+          <a:p>
+            <a:pPr algn="ctr"/>
+            <a:endParaRPr lang="en-GB" dirty="0" smtClean="0">
+              <a:solidFill>
+                <a:srgbClr val="937535"/>
+              </a:solidFill>
+              <a:latin typeface="Century Gothic" panose="020B0502020202020204" pitchFamily="34" charset="0"/>
+            </a:endParaRPr>
+          </a:p>
+          <a:p>
+            <a:pPr algn="ctr"/>
+            <a:r>
+              <a:rPr lang="en-GB" dirty="0" smtClean="0">
+                <a:solidFill>
+                  <a:srgbClr val="937535"/>
+                </a:solidFill>
+                <a:latin typeface="Century Gothic" panose="020B0502020202020204" pitchFamily="34" charset="0"/>
+              </a:rPr>
+              <a:t>Free-to-play </a:t>
+            </a:r>
+            <a:r>
+              <a:rPr lang="en-GB" dirty="0">
+                <a:solidFill>
+                  <a:srgbClr val="937535"/>
+                </a:solidFill>
+                <a:latin typeface="Century Gothic" panose="020B0502020202020204" pitchFamily="34" charset="0"/>
+              </a:rPr>
+              <a:t>games have a high download rate, a price tag of even £1 is a commitment that would drive away many potential players, a price tag of ‘Free’ is advertisement in and of itself</a:t>
+            </a:r>
+          </a:p>
+          <a:p>
+            <a:pPr algn="ctr"/>
+            <a:r>
+              <a:rPr lang="en-GB" dirty="0">
+                <a:solidFill>
+                  <a:srgbClr val="937535"/>
+                </a:solidFill>
+                <a:latin typeface="Century Gothic" panose="020B0502020202020204" pitchFamily="34" charset="0"/>
+              </a:rPr>
+              <a:t/>
+            </a:r>
+            <a:br>
+              <a:rPr lang="en-GB" dirty="0">
+                <a:solidFill>
+                  <a:srgbClr val="937535"/>
+                </a:solidFill>
+                <a:latin typeface="Century Gothic" panose="020B0502020202020204" pitchFamily="34" charset="0"/>
+              </a:rPr>
+            </a:br>
+            <a:endParaRPr lang="en-GB" dirty="0">
+              <a:solidFill>
+                <a:srgbClr val="937535"/>
+              </a:solidFill>
+              <a:latin typeface="Century Gothic" panose="020B0502020202020204" pitchFamily="34" charset="0"/>
+            </a:endParaRPr>
+          </a:p>
+        </p:txBody>
+      </p:sp>
+      <p:pic>
+        <p:nvPicPr>
+          <p:cNvPr id="10" name="Picture 9"/>
+          <p:cNvPicPr>
+            <a:picLocks noChangeAspect="1"/>
+          </p:cNvPicPr>
+          <p:nvPr/>
+        </p:nvPicPr>
+        <p:blipFill>
+          <a:blip r:embed="rId2" cstate="print">
+            <a:extLst>
+              <a:ext uri="{28A0092B-C50C-407E-A947-70E740481C1C}">
+                <a14:useLocalDpi xmlns:a14="http://schemas.microsoft.com/office/drawing/2010/main" val="0"/>
+              </a:ext>
+            </a:extLst>
+          </a:blip>
+          <a:stretch>
+            <a:fillRect/>
+          </a:stretch>
+        </p:blipFill>
+        <p:spPr>
+          <a:xfrm>
+            <a:off x="-1299" y="-1"/>
+            <a:ext cx="2130137" cy="1885695"/>
+          </a:xfrm>
+          <a:prstGeom prst="rect">
+            <a:avLst/>
+          </a:prstGeom>
+        </p:spPr>
+      </p:pic>
     </p:spTree>
+    <p:extLst>
+      <p:ext uri="{BB962C8B-B14F-4D97-AF65-F5344CB8AC3E}">
+        <p14:creationId xmlns:p14="http://schemas.microsoft.com/office/powerpoint/2010/main" val="419330280"/>
+      </p:ext>
+    </p:extLst>
   </p:cSld>
-  <mc:AlternateContent>
+  <p:clrMapOvr>
+    <a:masterClrMapping/>
+  </p:clrMapOvr>
+  <mc:AlternateContent xmlns:mc="http://schemas.openxmlformats.org/markup-compatibility/2006" xmlns:p14="http://schemas.microsoft.com/office/powerpoint/2010/main">
     <mc:Choice Requires="p14">
       <p:transition spd="slow" p14:dur="2000"/>
     </mc:Choice>
-    <mc:Fallback>
+    <mc:Fallback xmlns:p15="http://schemas.microsoft.com/office/powerpoint/2012/main" xmlns="">
       <p:transition spd="slow"/>
     </mc:Fallback>
   </mc:AlternateContent>
   <p:timing>
     <p:tnLst>
       <p:par>
-        <p:cTn id="7" dur="indefinite" restart="never" nodeType="tmRoot">
+        <p:cTn id="1" dur="indefinite" restart="never" nodeType="tmRoot">
           <p:childTnLst>
             <p:seq>
-              <p:cTn id="8" dur="indefinite" nodeType="mainSeq"/>
+              <p:cTn id="2" dur="indefinite" nodeType="mainSeq"/>
               <p:prevCondLst>
-                <p:cond delay="0" evt="onPrev">
+                <p:cond evt="onPrev" delay="0">
                   <p:tgtEl>
                     <p:sldTgt/>
                   </p:tgtEl>
                 </p:cond>
               </p:prevCondLst>
               <p:nextCondLst>
-                <p:cond delay="0" evt="onNext">
+                <p:cond evt="onNext" delay="0">
                   <p:tgtEl>
                     <p:sldTgt/>
                   </p:tgtEl>
@@ -5327,8 +9090,16 @@
 </file>
 
 <file path=ppt/slides/slide5.xml><?xml version="1.0" encoding="utf-8"?>
-<p:sld xmlns:a="http://schemas.openxmlformats.org/drawingml/2006/main" xmlns:p="http://schemas.openxmlformats.org/presentationml/2006/main" xmlns:r="http://schemas.openxmlformats.org/officeDocument/2006/relationships" xmlns:p14="http://schemas.microsoft.com/office/powerpoint/2010/main" xmlns:p15="http://schemas.microsoft.com/office/powerpoint/2012/main" xmlns:mc="http://schemas.openxmlformats.org/markup-compatibility/2006">
+<p:sld xmlns:a="http://schemas.openxmlformats.org/drawingml/2006/main" xmlns:r="http://schemas.openxmlformats.org/officeDocument/2006/relationships" xmlns:p="http://schemas.openxmlformats.org/presentationml/2006/main">
   <p:cSld>
+    <p:bg>
+      <p:bgPr>
+        <a:solidFill>
+          <a:schemeClr val="tx1"/>
+        </a:solidFill>
+        <a:effectLst/>
+      </p:bgPr>
+    </p:bg>
     <p:spTree>
       <p:nvGrpSpPr>
         <p:cNvPr id="1" name=""/>
@@ -5345,7 +9116,7 @@
       </p:grpSpPr>
       <p:sp>
         <p:nvSpPr>
-          <p:cNvPr id="84" name="CustomShape 1"/>
+          <p:cNvPr id="78" name="CustomShape 1"/>
           <p:cNvSpPr/>
           <p:nvPr/>
         </p:nvSpPr>
@@ -5363,13 +9134,20 @@
           </a:ln>
         </p:spPr>
         <p:style>
-          <a:lnRef idx="0"/>
-          <a:fillRef idx="0"/>
-          <a:effectRef idx="0"/>
+          <a:lnRef idx="0">
+            <a:scrgbClr r="0" g="0" b="0"/>
+          </a:lnRef>
+          <a:fillRef idx="0">
+            <a:scrgbClr r="0" g="0" b="0"/>
+          </a:fillRef>
+          <a:effectRef idx="0">
+            <a:scrgbClr r="0" g="0" b="0"/>
+          </a:effectRef>
           <a:fontRef idx="minor"/>
         </p:style>
         <p:txBody>
-          <a:bodyPr lIns="0" rIns="0" tIns="0" bIns="0" anchor="ctr"/>
+          <a:bodyPr lIns="0" tIns="0" rIns="0" bIns="0" anchor="ctr"/>
+          <a:lstStyle/>
           <a:p>
             <a:pPr algn="ctr">
               <a:lnSpc>
@@ -5377,20 +9155,20 @@
               </a:lnSpc>
             </a:pPr>
             <a:r>
-              <a:rPr b="0" lang="en-GB" sz="4400" spc="-1" strike="noStrike">
-                <a:latin typeface="FF Mark Pro"/>
-              </a:rPr>
-              <a:t>Creative Vision</a:t>
-            </a:r>
-            <a:endParaRPr b="0" lang="en-GB" sz="4400" spc="-1" strike="noStrike">
-              <a:latin typeface="FF Mark Pro"/>
-            </a:endParaRPr>
-          </a:p>
-        </p:txBody>
-      </p:sp>
-      <p:sp>
-        <p:nvSpPr>
-          <p:cNvPr id="85" name="CustomShape 2"/>
+              <a:rPr lang="en-GB" sz="4400" b="0" strike="noStrike" spc="-1" dirty="0">
+                <a:solidFill>
+                  <a:srgbClr val="7C5B33"/>
+                </a:solidFill>
+                <a:latin typeface="Century Gothic" panose="020B0502020202020204" pitchFamily="34" charset="0"/>
+              </a:rPr>
+              <a:t>Target Audience</a:t>
+            </a:r>
+          </a:p>
+        </p:txBody>
+      </p:sp>
+      <p:sp>
+        <p:nvSpPr>
+          <p:cNvPr id="79" name="CustomShape 2"/>
           <p:cNvSpPr/>
           <p:nvPr/>
         </p:nvSpPr>
@@ -5408,38 +9186,283 @@
           </a:ln>
         </p:spPr>
         <p:style>
-          <a:lnRef idx="0"/>
-          <a:fillRef idx="0"/>
-          <a:effectRef idx="0"/>
+          <a:lnRef idx="0">
+            <a:scrgbClr r="0" g="0" b="0"/>
+          </a:lnRef>
+          <a:fillRef idx="0">
+            <a:scrgbClr r="0" g="0" b="0"/>
+          </a:fillRef>
+          <a:effectRef idx="0">
+            <a:scrgbClr r="0" g="0" b="0"/>
+          </a:effectRef>
           <a:fontRef idx="minor"/>
         </p:style>
       </p:sp>
+      <p:sp>
+        <p:nvSpPr>
+          <p:cNvPr id="2" name="Rectangle 1"/>
+          <p:cNvSpPr/>
+          <p:nvPr/>
+        </p:nvSpPr>
+        <p:spPr>
+          <a:xfrm>
+            <a:off x="504000" y="1172160"/>
+            <a:ext cx="9071280" cy="3416320"/>
+          </a:xfrm>
+          <a:prstGeom prst="rect">
+            <a:avLst/>
+          </a:prstGeom>
+        </p:spPr>
+        <p:txBody>
+          <a:bodyPr wrap="square">
+            <a:spAutoFit/>
+          </a:bodyPr>
+          <a:lstStyle/>
+          <a:p>
+            <a:pPr algn="ctr"/>
+            <a:r>
+              <a:rPr lang="en-GB" u="sng" dirty="0" smtClean="0">
+                <a:solidFill>
+                  <a:srgbClr val="937535"/>
+                </a:solidFill>
+                <a:latin typeface="Century Gothic" panose="020B0502020202020204" pitchFamily="34" charset="0"/>
+              </a:rPr>
+              <a:t>The </a:t>
+            </a:r>
+            <a:r>
+              <a:rPr lang="en-GB" u="sng" dirty="0">
+                <a:solidFill>
+                  <a:srgbClr val="937535"/>
+                </a:solidFill>
+                <a:latin typeface="Century Gothic" panose="020B0502020202020204" pitchFamily="34" charset="0"/>
+              </a:rPr>
+              <a:t>theme and audience of the </a:t>
+            </a:r>
+            <a:r>
+              <a:rPr lang="en-GB" u="sng" dirty="0" smtClean="0">
+                <a:solidFill>
+                  <a:srgbClr val="937535"/>
+                </a:solidFill>
+                <a:latin typeface="Century Gothic" panose="020B0502020202020204" pitchFamily="34" charset="0"/>
+              </a:rPr>
+              <a:t>game</a:t>
+            </a:r>
+          </a:p>
+          <a:p>
+            <a:endParaRPr lang="en-GB" b="0" dirty="0" smtClean="0">
+              <a:solidFill>
+                <a:srgbClr val="937535"/>
+              </a:solidFill>
+              <a:effectLst/>
+              <a:latin typeface="Century Gothic" panose="020B0502020202020204" pitchFamily="34" charset="0"/>
+            </a:endParaRPr>
+          </a:p>
+          <a:p>
+            <a:endParaRPr lang="en-GB" dirty="0" smtClean="0">
+              <a:solidFill>
+                <a:srgbClr val="937535"/>
+              </a:solidFill>
+              <a:latin typeface="Century Gothic" panose="020B0502020202020204" pitchFamily="34" charset="0"/>
+            </a:endParaRPr>
+          </a:p>
+          <a:p>
+            <a:r>
+              <a:rPr lang="en-GB" dirty="0" smtClean="0">
+                <a:solidFill>
+                  <a:srgbClr val="937535"/>
+                </a:solidFill>
+                <a:latin typeface="Century Gothic" panose="020B0502020202020204" pitchFamily="34" charset="0"/>
+              </a:rPr>
+              <a:t>Our </a:t>
+            </a:r>
+            <a:r>
+              <a:rPr lang="en-GB" dirty="0">
+                <a:solidFill>
+                  <a:srgbClr val="937535"/>
+                </a:solidFill>
+                <a:latin typeface="Century Gothic" panose="020B0502020202020204" pitchFamily="34" charset="0"/>
+              </a:rPr>
+              <a:t>game is aimed towards 27-37 year old social-media users. As such, our game </a:t>
+            </a:r>
+            <a:r>
+              <a:rPr lang="en-GB" dirty="0" smtClean="0">
+                <a:solidFill>
+                  <a:srgbClr val="937535"/>
+                </a:solidFill>
+                <a:latin typeface="Century Gothic" panose="020B0502020202020204" pitchFamily="34" charset="0"/>
+              </a:rPr>
+              <a:t>would </a:t>
+            </a:r>
+            <a:r>
+              <a:rPr lang="en-GB" dirty="0">
+                <a:solidFill>
+                  <a:srgbClr val="937535"/>
+                </a:solidFill>
+                <a:latin typeface="Century Gothic" panose="020B0502020202020204" pitchFamily="34" charset="0"/>
+              </a:rPr>
+              <a:t>have connectivity with various social media and an existing presence on many websites. </a:t>
+            </a:r>
+            <a:r>
+              <a:rPr lang="en-GB" dirty="0" smtClean="0">
+                <a:solidFill>
+                  <a:srgbClr val="937535"/>
+                </a:solidFill>
+                <a:latin typeface="Century Gothic" panose="020B0502020202020204" pitchFamily="34" charset="0"/>
+              </a:rPr>
+              <a:t>(find us on fb.com/</a:t>
+            </a:r>
+            <a:r>
+              <a:rPr lang="en-GB" dirty="0" err="1" smtClean="0">
+                <a:solidFill>
+                  <a:srgbClr val="937535"/>
+                </a:solidFill>
+                <a:latin typeface="Century Gothic" panose="020B0502020202020204" pitchFamily="34" charset="0"/>
+              </a:rPr>
+              <a:t>sekaisaviour</a:t>
+            </a:r>
+            <a:r>
+              <a:rPr lang="en-GB" dirty="0" smtClean="0">
+                <a:solidFill>
+                  <a:srgbClr val="937535"/>
+                </a:solidFill>
+                <a:latin typeface="Century Gothic" panose="020B0502020202020204" pitchFamily="34" charset="0"/>
+              </a:rPr>
+              <a:t>)</a:t>
+            </a:r>
+            <a:endParaRPr lang="en-GB" b="0" dirty="0" smtClean="0">
+              <a:solidFill>
+                <a:srgbClr val="937535"/>
+              </a:solidFill>
+              <a:effectLst/>
+              <a:latin typeface="Century Gothic" panose="020B0502020202020204" pitchFamily="34" charset="0"/>
+            </a:endParaRPr>
+          </a:p>
+          <a:p>
+            <a:endParaRPr lang="en-GB" dirty="0" smtClean="0">
+              <a:solidFill>
+                <a:srgbClr val="937535"/>
+              </a:solidFill>
+              <a:latin typeface="Century Gothic" panose="020B0502020202020204" pitchFamily="34" charset="0"/>
+            </a:endParaRPr>
+          </a:p>
+          <a:p>
+            <a:r>
+              <a:rPr lang="en-GB" dirty="0" smtClean="0">
+                <a:solidFill>
+                  <a:srgbClr val="937535"/>
+                </a:solidFill>
+                <a:latin typeface="Century Gothic" panose="020B0502020202020204" pitchFamily="34" charset="0"/>
+              </a:rPr>
+              <a:t>Our </a:t>
+            </a:r>
+            <a:r>
+              <a:rPr lang="en-GB" dirty="0">
+                <a:solidFill>
+                  <a:srgbClr val="937535"/>
+                </a:solidFill>
+                <a:latin typeface="Century Gothic" panose="020B0502020202020204" pitchFamily="34" charset="0"/>
+              </a:rPr>
+              <a:t>current visuals are placeholder. With funding, our graphics would be taken to the next level with attractive, flashy feedback for attacks and smooth, visually satisfying movement animation</a:t>
+            </a:r>
+            <a:endParaRPr lang="en-GB" b="0" dirty="0" smtClean="0">
+              <a:solidFill>
+                <a:srgbClr val="937535"/>
+              </a:solidFill>
+              <a:effectLst/>
+              <a:latin typeface="Century Gothic" panose="020B0502020202020204" pitchFamily="34" charset="0"/>
+            </a:endParaRPr>
+          </a:p>
+          <a:p>
+            <a:r>
+              <a:rPr lang="en-GB" dirty="0" smtClean="0">
+                <a:solidFill>
+                  <a:srgbClr val="937535"/>
+                </a:solidFill>
+                <a:latin typeface="Century Gothic" panose="020B0502020202020204" pitchFamily="34" charset="0"/>
+              </a:rPr>
+              <a:t/>
+            </a:r>
+            <a:br>
+              <a:rPr lang="en-GB" dirty="0" smtClean="0">
+                <a:solidFill>
+                  <a:srgbClr val="937535"/>
+                </a:solidFill>
+                <a:latin typeface="Century Gothic" panose="020B0502020202020204" pitchFamily="34" charset="0"/>
+              </a:rPr>
+            </a:br>
+            <a:endParaRPr lang="en-GB" dirty="0">
+              <a:solidFill>
+                <a:srgbClr val="937535"/>
+              </a:solidFill>
+              <a:latin typeface="Century Gothic" panose="020B0502020202020204" pitchFamily="34" charset="0"/>
+            </a:endParaRPr>
+          </a:p>
+        </p:txBody>
+      </p:sp>
+      <p:pic>
+        <p:nvPicPr>
+          <p:cNvPr id="6" name="Picture 5"/>
+          <p:cNvPicPr>
+            <a:picLocks noChangeAspect="1"/>
+          </p:cNvPicPr>
+          <p:nvPr/>
+        </p:nvPicPr>
+        <p:blipFill>
+          <a:blip r:embed="rId2" cstate="print">
+            <a:extLst>
+              <a:ext uri="{28A0092B-C50C-407E-A947-70E740481C1C}">
+                <a14:useLocalDpi xmlns:a14="http://schemas.microsoft.com/office/drawing/2010/main" val="0"/>
+              </a:ext>
+            </a:extLst>
+          </a:blip>
+          <a:stretch>
+            <a:fillRect/>
+          </a:stretch>
+        </p:blipFill>
+        <p:spPr>
+          <a:xfrm>
+            <a:off x="-1299" y="-1"/>
+            <a:ext cx="2130137" cy="1885695"/>
+          </a:xfrm>
+          <a:prstGeom prst="rect">
+            <a:avLst/>
+          </a:prstGeom>
+        </p:spPr>
+      </p:pic>
     </p:spTree>
+    <p:extLst>
+      <p:ext uri="{BB962C8B-B14F-4D97-AF65-F5344CB8AC3E}">
+        <p14:creationId xmlns:p14="http://schemas.microsoft.com/office/powerpoint/2010/main" val="2388544873"/>
+      </p:ext>
+    </p:extLst>
   </p:cSld>
-  <mc:AlternateContent>
+  <p:clrMapOvr>
+    <a:masterClrMapping/>
+  </p:clrMapOvr>
+  <mc:AlternateContent xmlns:mc="http://schemas.openxmlformats.org/markup-compatibility/2006" xmlns:p14="http://schemas.microsoft.com/office/powerpoint/2010/main">
     <mc:Choice Requires="p14">
       <p:transition spd="slow" p14:dur="2000"/>
     </mc:Choice>
-    <mc:Fallback>
+    <mc:Fallback xmlns:p15="http://schemas.microsoft.com/office/powerpoint/2012/main" xmlns="">
       <p:transition spd="slow"/>
     </mc:Fallback>
   </mc:AlternateContent>
   <p:timing>
     <p:tnLst>
       <p:par>
-        <p:cTn id="9" dur="indefinite" restart="never" nodeType="tmRoot">
+        <p:cTn id="1" dur="indefinite" restart="never" nodeType="tmRoot">
           <p:childTnLst>
             <p:seq>
-              <p:cTn id="10" dur="indefinite" nodeType="mainSeq"/>
+              <p:cTn id="2" dur="indefinite" nodeType="mainSeq"/>
               <p:prevCondLst>
-                <p:cond delay="0" evt="onPrev">
+                <p:cond evt="onPrev" delay="0">
                   <p:tgtEl>
                     <p:sldTgt/>
                   </p:tgtEl>
                 </p:cond>
               </p:prevCondLst>
               <p:nextCondLst>
-                <p:cond delay="0" evt="onNext">
+                <p:cond evt="onNext" delay="0">
                   <p:tgtEl>
                     <p:sldTgt/>
                   </p:tgtEl>
@@ -5455,8 +9478,16 @@
 </file>
 
 <file path=ppt/slides/slide6.xml><?xml version="1.0" encoding="utf-8"?>
-<p:sld xmlns:a="http://schemas.openxmlformats.org/drawingml/2006/main" xmlns:p="http://schemas.openxmlformats.org/presentationml/2006/main" xmlns:r="http://schemas.openxmlformats.org/officeDocument/2006/relationships" xmlns:p14="http://schemas.microsoft.com/office/powerpoint/2010/main" xmlns:p15="http://schemas.microsoft.com/office/powerpoint/2012/main" xmlns:mc="http://schemas.openxmlformats.org/markup-compatibility/2006">
+<p:sld xmlns:a="http://schemas.openxmlformats.org/drawingml/2006/main" xmlns:r="http://schemas.openxmlformats.org/officeDocument/2006/relationships" xmlns:p="http://schemas.openxmlformats.org/presentationml/2006/main">
   <p:cSld>
+    <p:bg>
+      <p:bgPr>
+        <a:solidFill>
+          <a:schemeClr val="tx1"/>
+        </a:solidFill>
+        <a:effectLst/>
+      </p:bgPr>
+    </p:bg>
     <p:spTree>
       <p:nvGrpSpPr>
         <p:cNvPr id="1" name=""/>
@@ -5473,7 +9504,7 @@
       </p:grpSpPr>
       <p:sp>
         <p:nvSpPr>
-          <p:cNvPr id="86" name="CustomShape 1"/>
+          <p:cNvPr id="82" name="CustomShape 1"/>
           <p:cNvSpPr/>
           <p:nvPr/>
         </p:nvSpPr>
@@ -5491,13 +9522,20 @@
           </a:ln>
         </p:spPr>
         <p:style>
-          <a:lnRef idx="0"/>
-          <a:fillRef idx="0"/>
-          <a:effectRef idx="0"/>
+          <a:lnRef idx="0">
+            <a:scrgbClr r="0" g="0" b="0"/>
+          </a:lnRef>
+          <a:fillRef idx="0">
+            <a:scrgbClr r="0" g="0" b="0"/>
+          </a:fillRef>
+          <a:effectRef idx="0">
+            <a:scrgbClr r="0" g="0" b="0"/>
+          </a:effectRef>
           <a:fontRef idx="minor"/>
         </p:style>
         <p:txBody>
-          <a:bodyPr lIns="0" rIns="0" tIns="0" bIns="0" anchor="ctr"/>
+          <a:bodyPr lIns="0" tIns="0" rIns="0" bIns="0" anchor="ctr"/>
+          <a:lstStyle/>
           <a:p>
             <a:pPr algn="ctr">
               <a:lnSpc>
@@ -5505,20 +9543,20 @@
               </a:lnSpc>
             </a:pPr>
             <a:r>
-              <a:rPr b="0" lang="en-GB" sz="4400" spc="-1" strike="noStrike">
-                <a:latin typeface="FF Mark Pro"/>
-              </a:rPr>
-              <a:t>Creative Vision</a:t>
-            </a:r>
-            <a:endParaRPr b="0" lang="en-GB" sz="4400" spc="-1" strike="noStrike">
-              <a:latin typeface="FF Mark Pro"/>
-            </a:endParaRPr>
-          </a:p>
-        </p:txBody>
-      </p:sp>
-      <p:sp>
-        <p:nvSpPr>
-          <p:cNvPr id="87" name="CustomShape 2"/>
+              <a:rPr lang="en-GB" sz="4400" b="0" strike="noStrike" spc="-1" dirty="0">
+                <a:solidFill>
+                  <a:srgbClr val="7C5B33"/>
+                </a:solidFill>
+                <a:latin typeface="Century Gothic" panose="020B0502020202020204" pitchFamily="34" charset="0"/>
+              </a:rPr>
+              <a:t>Target Audience</a:t>
+            </a:r>
+          </a:p>
+        </p:txBody>
+      </p:sp>
+      <p:sp>
+        <p:nvSpPr>
+          <p:cNvPr id="83" name="CustomShape 2"/>
           <p:cNvSpPr/>
           <p:nvPr/>
         </p:nvSpPr>
@@ -5536,38 +9574,77 @@
           </a:ln>
         </p:spPr>
         <p:style>
-          <a:lnRef idx="0"/>
-          <a:fillRef idx="0"/>
-          <a:effectRef idx="0"/>
+          <a:lnRef idx="0">
+            <a:scrgbClr r="0" g="0" b="0"/>
+          </a:lnRef>
+          <a:fillRef idx="0">
+            <a:scrgbClr r="0" g="0" b="0"/>
+          </a:fillRef>
+          <a:effectRef idx="0">
+            <a:scrgbClr r="0" g="0" b="0"/>
+          </a:effectRef>
           <a:fontRef idx="minor"/>
         </p:style>
       </p:sp>
+      <p:pic>
+        <p:nvPicPr>
+          <p:cNvPr id="4" name="Picture 3"/>
+          <p:cNvPicPr>
+            <a:picLocks noChangeAspect="1"/>
+          </p:cNvPicPr>
+          <p:nvPr/>
+        </p:nvPicPr>
+        <p:blipFill>
+          <a:blip r:embed="rId2" cstate="print">
+            <a:extLst>
+              <a:ext uri="{28A0092B-C50C-407E-A947-70E740481C1C}">
+                <a14:useLocalDpi xmlns:a14="http://schemas.microsoft.com/office/drawing/2010/main" val="0"/>
+              </a:ext>
+            </a:extLst>
+          </a:blip>
+          <a:stretch>
+            <a:fillRect/>
+          </a:stretch>
+        </p:blipFill>
+        <p:spPr>
+          <a:xfrm>
+            <a:off x="-1299" y="-1"/>
+            <a:ext cx="2130137" cy="1885695"/>
+          </a:xfrm>
+          <a:prstGeom prst="rect">
+            <a:avLst/>
+          </a:prstGeom>
+        </p:spPr>
+      </p:pic>
     </p:spTree>
   </p:cSld>
-  <mc:AlternateContent>
+  <p:clrMapOvr>
+    <a:masterClrMapping/>
+  </p:clrMapOvr>
+  <mc:AlternateContent xmlns:mc="http://schemas.openxmlformats.org/markup-compatibility/2006" xmlns:p14="http://schemas.microsoft.com/office/powerpoint/2010/main">
     <mc:Choice Requires="p14">
       <p:transition spd="slow" p14:dur="2000"/>
     </mc:Choice>
-    <mc:Fallback>
+    <mc:Fallback xmlns:p15="http://schemas.microsoft.com/office/powerpoint/2012/main" xmlns="">
       <p:transition spd="slow"/>
     </mc:Fallback>
   </mc:AlternateContent>
   <p:timing>
     <p:tnLst>
       <p:par>
-        <p:cTn id="11" dur="indefinite" restart="never" nodeType="tmRoot">
+        <p:cTn id="1" dur="indefinite" restart="never" nodeType="tmRoot">
           <p:childTnLst>
             <p:seq>
-              <p:cTn id="12" dur="indefinite" nodeType="mainSeq"/>
+              <p:cTn id="2" dur="indefinite" nodeType="mainSeq"/>
               <p:prevCondLst>
-                <p:cond delay="0" evt="onPrev">
+                <p:cond evt="onPrev" delay="0">
                   <p:tgtEl>
                     <p:sldTgt/>
                   </p:tgtEl>
                 </p:cond>
               </p:prevCondLst>
               <p:nextCondLst>
-                <p:cond delay="0" evt="onNext">
+                <p:cond evt="onNext" delay="0">
                   <p:tgtEl>
                     <p:sldTgt/>
                   </p:tgtEl>
@@ -5583,8 +9660,16 @@
 </file>
 
 <file path=ppt/slides/slide7.xml><?xml version="1.0" encoding="utf-8"?>
-<p:sld xmlns:a="http://schemas.openxmlformats.org/drawingml/2006/main" xmlns:p="http://schemas.openxmlformats.org/presentationml/2006/main" xmlns:r="http://schemas.openxmlformats.org/officeDocument/2006/relationships" xmlns:p14="http://schemas.microsoft.com/office/powerpoint/2010/main" xmlns:p15="http://schemas.microsoft.com/office/powerpoint/2012/main" xmlns:mc="http://schemas.openxmlformats.org/markup-compatibility/2006">
+<p:sld xmlns:a="http://schemas.openxmlformats.org/drawingml/2006/main" xmlns:r="http://schemas.openxmlformats.org/officeDocument/2006/relationships" xmlns:p="http://schemas.openxmlformats.org/presentationml/2006/main">
   <p:cSld>
+    <p:bg>
+      <p:bgPr>
+        <a:solidFill>
+          <a:schemeClr val="tx1"/>
+        </a:solidFill>
+        <a:effectLst/>
+      </p:bgPr>
+    </p:bg>
     <p:spTree>
       <p:nvGrpSpPr>
         <p:cNvPr id="1" name=""/>
@@ -5601,7 +9686,7 @@
       </p:grpSpPr>
       <p:sp>
         <p:nvSpPr>
-          <p:cNvPr id="88" name="CustomShape 1"/>
+          <p:cNvPr id="82" name="CustomShape 1"/>
           <p:cNvSpPr/>
           <p:nvPr/>
         </p:nvSpPr>
@@ -5619,13 +9704,20 @@
           </a:ln>
         </p:spPr>
         <p:style>
-          <a:lnRef idx="0"/>
-          <a:fillRef idx="0"/>
-          <a:effectRef idx="0"/>
+          <a:lnRef idx="0">
+            <a:scrgbClr r="0" g="0" b="0"/>
+          </a:lnRef>
+          <a:fillRef idx="0">
+            <a:scrgbClr r="0" g="0" b="0"/>
+          </a:fillRef>
+          <a:effectRef idx="0">
+            <a:scrgbClr r="0" g="0" b="0"/>
+          </a:effectRef>
           <a:fontRef idx="minor"/>
         </p:style>
         <p:txBody>
-          <a:bodyPr lIns="0" rIns="0" tIns="0" bIns="0" anchor="ctr"/>
+          <a:bodyPr lIns="0" tIns="0" rIns="0" bIns="0" anchor="ctr"/>
+          <a:lstStyle/>
           <a:p>
             <a:pPr algn="ctr">
               <a:lnSpc>
@@ -5633,20 +9725,20 @@
               </a:lnSpc>
             </a:pPr>
             <a:r>
-              <a:rPr b="0" lang="en-GB" sz="4400" spc="-1" strike="noStrike">
-                <a:latin typeface="FF Mark Pro"/>
-              </a:rPr>
-              <a:t>Creative Vision</a:t>
-            </a:r>
-            <a:endParaRPr b="0" lang="en-GB" sz="4400" spc="-1" strike="noStrike">
-              <a:latin typeface="FF Mark Pro"/>
-            </a:endParaRPr>
-          </a:p>
-        </p:txBody>
-      </p:sp>
-      <p:sp>
-        <p:nvSpPr>
-          <p:cNvPr id="89" name="CustomShape 2"/>
+              <a:rPr lang="en-GB" sz="4400" b="0" strike="noStrike" spc="-1" dirty="0">
+                <a:solidFill>
+                  <a:srgbClr val="7C5B33"/>
+                </a:solidFill>
+                <a:latin typeface="Century Gothic" panose="020B0502020202020204" pitchFamily="34" charset="0"/>
+              </a:rPr>
+              <a:t>Target Audience</a:t>
+            </a:r>
+          </a:p>
+        </p:txBody>
+      </p:sp>
+      <p:sp>
+        <p:nvSpPr>
+          <p:cNvPr id="83" name="CustomShape 2"/>
           <p:cNvSpPr/>
           <p:nvPr/>
         </p:nvSpPr>
@@ -5664,38 +9756,82 @@
           </a:ln>
         </p:spPr>
         <p:style>
-          <a:lnRef idx="0"/>
-          <a:fillRef idx="0"/>
-          <a:effectRef idx="0"/>
+          <a:lnRef idx="0">
+            <a:scrgbClr r="0" g="0" b="0"/>
+          </a:lnRef>
+          <a:fillRef idx="0">
+            <a:scrgbClr r="0" g="0" b="0"/>
+          </a:fillRef>
+          <a:effectRef idx="0">
+            <a:scrgbClr r="0" g="0" b="0"/>
+          </a:effectRef>
           <a:fontRef idx="minor"/>
         </p:style>
       </p:sp>
+      <p:pic>
+        <p:nvPicPr>
+          <p:cNvPr id="4" name="Picture 3"/>
+          <p:cNvPicPr>
+            <a:picLocks noChangeAspect="1"/>
+          </p:cNvPicPr>
+          <p:nvPr/>
+        </p:nvPicPr>
+        <p:blipFill>
+          <a:blip r:embed="rId2" cstate="print">
+            <a:extLst>
+              <a:ext uri="{28A0092B-C50C-407E-A947-70E740481C1C}">
+                <a14:useLocalDpi xmlns:a14="http://schemas.microsoft.com/office/drawing/2010/main" val="0"/>
+              </a:ext>
+            </a:extLst>
+          </a:blip>
+          <a:stretch>
+            <a:fillRect/>
+          </a:stretch>
+        </p:blipFill>
+        <p:spPr>
+          <a:xfrm>
+            <a:off x="-1299" y="-1"/>
+            <a:ext cx="2130137" cy="1885695"/>
+          </a:xfrm>
+          <a:prstGeom prst="rect">
+            <a:avLst/>
+          </a:prstGeom>
+        </p:spPr>
+      </p:pic>
     </p:spTree>
+    <p:extLst>
+      <p:ext uri="{BB962C8B-B14F-4D97-AF65-F5344CB8AC3E}">
+        <p14:creationId xmlns:p14="http://schemas.microsoft.com/office/powerpoint/2010/main" val="3862246445"/>
+      </p:ext>
+    </p:extLst>
   </p:cSld>
-  <mc:AlternateContent>
+  <p:clrMapOvr>
+    <a:masterClrMapping/>
+  </p:clrMapOvr>
+  <mc:AlternateContent xmlns:mc="http://schemas.openxmlformats.org/markup-compatibility/2006" xmlns:p14="http://schemas.microsoft.com/office/powerpoint/2010/main">
     <mc:Choice Requires="p14">
       <p:transition spd="slow" p14:dur="2000"/>
     </mc:Choice>
-    <mc:Fallback>
+    <mc:Fallback xmlns:p15="http://schemas.microsoft.com/office/powerpoint/2012/main" xmlns="">
       <p:transition spd="slow"/>
     </mc:Fallback>
   </mc:AlternateContent>
   <p:timing>
     <p:tnLst>
       <p:par>
-        <p:cTn id="13" dur="indefinite" restart="never" nodeType="tmRoot">
+        <p:cTn id="1" dur="indefinite" restart="never" nodeType="tmRoot">
           <p:childTnLst>
             <p:seq>
-              <p:cTn id="14" dur="indefinite" nodeType="mainSeq"/>
+              <p:cTn id="2" dur="indefinite" nodeType="mainSeq"/>
               <p:prevCondLst>
-                <p:cond delay="0" evt="onPrev">
+                <p:cond evt="onPrev" delay="0">
                   <p:tgtEl>
                     <p:sldTgt/>
                   </p:tgtEl>
                 </p:cond>
               </p:prevCondLst>
               <p:nextCondLst>
-                <p:cond delay="0" evt="onNext">
+                <p:cond evt="onNext" delay="0">
                   <p:tgtEl>
                     <p:sldTgt/>
                   </p:tgtEl>
@@ -5711,8 +9847,16 @@
 </file>
 
 <file path=ppt/slides/slide8.xml><?xml version="1.0" encoding="utf-8"?>
-<p:sld xmlns:a="http://schemas.openxmlformats.org/drawingml/2006/main" xmlns:p="http://schemas.openxmlformats.org/presentationml/2006/main" xmlns:r="http://schemas.openxmlformats.org/officeDocument/2006/relationships" xmlns:p14="http://schemas.microsoft.com/office/powerpoint/2010/main" xmlns:p15="http://schemas.microsoft.com/office/powerpoint/2012/main" xmlns:mc="http://schemas.openxmlformats.org/markup-compatibility/2006">
+<p:sld xmlns:a="http://schemas.openxmlformats.org/drawingml/2006/main" xmlns:r="http://schemas.openxmlformats.org/officeDocument/2006/relationships" xmlns:p="http://schemas.openxmlformats.org/presentationml/2006/main">
   <p:cSld>
+    <p:bg>
+      <p:bgPr>
+        <a:solidFill>
+          <a:schemeClr val="tx1"/>
+        </a:solidFill>
+        <a:effectLst/>
+      </p:bgPr>
+    </p:bg>
     <p:spTree>
       <p:nvGrpSpPr>
         <p:cNvPr id="1" name=""/>
@@ -5727,6 +9871,36 @@
           <a:chExt cx="0" cy="0"/>
         </a:xfrm>
       </p:grpSpPr>
+      <p:pic>
+        <p:nvPicPr>
+          <p:cNvPr id="4" name="Picture 3"/>
+          <p:cNvPicPr>
+            <a:picLocks noChangeAspect="1"/>
+          </p:cNvPicPr>
+          <p:nvPr/>
+        </p:nvPicPr>
+        <p:blipFill>
+          <a:blip r:embed="rId2" cstate="print">
+            <a:extLst>
+              <a:ext uri="{28A0092B-C50C-407E-A947-70E740481C1C}">
+                <a14:useLocalDpi xmlns:a14="http://schemas.microsoft.com/office/drawing/2010/main" val="0"/>
+              </a:ext>
+            </a:extLst>
+          </a:blip>
+          <a:stretch>
+            <a:fillRect/>
+          </a:stretch>
+        </p:blipFill>
+        <p:spPr>
+          <a:xfrm>
+            <a:off x="-1299" y="-1"/>
+            <a:ext cx="2130137" cy="1885695"/>
+          </a:xfrm>
+          <a:prstGeom prst="rect">
+            <a:avLst/>
+          </a:prstGeom>
+        </p:spPr>
+      </p:pic>
       <p:sp>
         <p:nvSpPr>
           <p:cNvPr id="90" name="CustomShape 1"/>
@@ -5747,13 +9921,20 @@
           </a:ln>
         </p:spPr>
         <p:style>
-          <a:lnRef idx="0"/>
-          <a:fillRef idx="0"/>
-          <a:effectRef idx="0"/>
+          <a:lnRef idx="0">
+            <a:scrgbClr r="0" g="0" b="0"/>
+          </a:lnRef>
+          <a:fillRef idx="0">
+            <a:scrgbClr r="0" g="0" b="0"/>
+          </a:fillRef>
+          <a:effectRef idx="0">
+            <a:scrgbClr r="0" g="0" b="0"/>
+          </a:effectRef>
           <a:fontRef idx="minor"/>
         </p:style>
         <p:txBody>
-          <a:bodyPr lIns="0" rIns="0" tIns="0" bIns="0" anchor="ctr"/>
+          <a:bodyPr lIns="0" tIns="0" rIns="0" bIns="0" anchor="ctr"/>
+          <a:lstStyle/>
           <a:p>
             <a:pPr algn="ctr">
               <a:lnSpc>
@@ -5761,14 +9942,14 @@
               </a:lnSpc>
             </a:pPr>
             <a:r>
-              <a:rPr b="0" lang="en-GB" sz="4400" spc="-1" strike="noStrike">
-                <a:latin typeface="FF Mark Pro"/>
+              <a:rPr lang="en-GB" sz="4400" b="0" strike="noStrike" spc="-1" dirty="0">
+                <a:solidFill>
+                  <a:srgbClr val="7C5B33"/>
+                </a:solidFill>
+                <a:latin typeface="Century Gothic" panose="020B0502020202020204" pitchFamily="34" charset="0"/>
               </a:rPr>
               <a:t>Core Game Mechanics</a:t>
             </a:r>
-            <a:endParaRPr b="0" lang="en-GB" sz="4400" spc="-1" strike="noStrike">
-              <a:latin typeface="FF Mark Pro"/>
-            </a:endParaRPr>
           </a:p>
         </p:txBody>
       </p:sp>
@@ -5792,38 +9973,47 @@
           </a:ln>
         </p:spPr>
         <p:style>
-          <a:lnRef idx="0"/>
-          <a:fillRef idx="0"/>
-          <a:effectRef idx="0"/>
+          <a:lnRef idx="0">
+            <a:scrgbClr r="0" g="0" b="0"/>
+          </a:lnRef>
+          <a:fillRef idx="0">
+            <a:scrgbClr r="0" g="0" b="0"/>
+          </a:fillRef>
+          <a:effectRef idx="0">
+            <a:scrgbClr r="0" g="0" b="0"/>
+          </a:effectRef>
           <a:fontRef idx="minor"/>
         </p:style>
       </p:sp>
     </p:spTree>
   </p:cSld>
-  <mc:AlternateContent>
+  <p:clrMapOvr>
+    <a:masterClrMapping/>
+  </p:clrMapOvr>
+  <mc:AlternateContent xmlns:mc="http://schemas.openxmlformats.org/markup-compatibility/2006" xmlns:p14="http://schemas.microsoft.com/office/powerpoint/2010/main">
     <mc:Choice Requires="p14">
       <p:transition spd="slow" p14:dur="2000"/>
     </mc:Choice>
-    <mc:Fallback>
+    <mc:Fallback xmlns:p15="http://schemas.microsoft.com/office/powerpoint/2012/main" xmlns="">
       <p:transition spd="slow"/>
     </mc:Fallback>
   </mc:AlternateContent>
   <p:timing>
     <p:tnLst>
       <p:par>
-        <p:cTn id="15" dur="indefinite" restart="never" nodeType="tmRoot">
+        <p:cTn id="1" dur="indefinite" restart="never" nodeType="tmRoot">
           <p:childTnLst>
             <p:seq>
-              <p:cTn id="16" dur="indefinite" nodeType="mainSeq"/>
+              <p:cTn id="2" dur="indefinite" nodeType="mainSeq"/>
               <p:prevCondLst>
-                <p:cond delay="0" evt="onPrev">
+                <p:cond evt="onPrev" delay="0">
                   <p:tgtEl>
                     <p:sldTgt/>
                   </p:tgtEl>
                 </p:cond>
               </p:prevCondLst>
               <p:nextCondLst>
-                <p:cond delay="0" evt="onNext">
+                <p:cond evt="onNext" delay="0">
                   <p:tgtEl>
                     <p:sldTgt/>
                   </p:tgtEl>
@@ -5839,8 +10029,16 @@
 </file>
 
 <file path=ppt/slides/slide9.xml><?xml version="1.0" encoding="utf-8"?>
-<p:sld xmlns:a="http://schemas.openxmlformats.org/drawingml/2006/main" xmlns:p="http://schemas.openxmlformats.org/presentationml/2006/main" xmlns:r="http://schemas.openxmlformats.org/officeDocument/2006/relationships" xmlns:p14="http://schemas.microsoft.com/office/powerpoint/2010/main" xmlns:p15="http://schemas.microsoft.com/office/powerpoint/2012/main" xmlns:mc="http://schemas.openxmlformats.org/markup-compatibility/2006">
+<p:sld xmlns:a="http://schemas.openxmlformats.org/drawingml/2006/main" xmlns:r="http://schemas.openxmlformats.org/officeDocument/2006/relationships" xmlns:p="http://schemas.openxmlformats.org/presentationml/2006/main">
   <p:cSld>
+    <p:bg>
+      <p:bgPr>
+        <a:solidFill>
+          <a:schemeClr val="tx1"/>
+        </a:solidFill>
+        <a:effectLst/>
+      </p:bgPr>
+    </p:bg>
     <p:spTree>
       <p:nvGrpSpPr>
         <p:cNvPr id="1" name=""/>
@@ -5875,13 +10073,20 @@
           </a:ln>
         </p:spPr>
         <p:style>
-          <a:lnRef idx="0"/>
-          <a:fillRef idx="0"/>
-          <a:effectRef idx="0"/>
+          <a:lnRef idx="0">
+            <a:scrgbClr r="0" g="0" b="0"/>
+          </a:lnRef>
+          <a:fillRef idx="0">
+            <a:scrgbClr r="0" g="0" b="0"/>
+          </a:fillRef>
+          <a:effectRef idx="0">
+            <a:scrgbClr r="0" g="0" b="0"/>
+          </a:effectRef>
           <a:fontRef idx="minor"/>
         </p:style>
         <p:txBody>
-          <a:bodyPr lIns="0" rIns="0" tIns="0" bIns="0" anchor="ctr"/>
+          <a:bodyPr lIns="0" tIns="0" rIns="0" bIns="0" anchor="ctr"/>
+          <a:lstStyle/>
           <a:p>
             <a:pPr algn="ctr">
               <a:lnSpc>
@@ -5889,13 +10094,19 @@
               </a:lnSpc>
             </a:pPr>
             <a:r>
-              <a:rPr b="0" lang="en-GB" sz="4400" spc="-1" strike="noStrike">
-                <a:latin typeface="FF Mark Pro"/>
-              </a:rPr>
-              <a:t>Demo</a:t>
-            </a:r>
-            <a:endParaRPr b="0" lang="en-GB" sz="4400" spc="-1" strike="noStrike">
-              <a:latin typeface="FF Mark Pro"/>
+              <a:rPr lang="en-GB" sz="4400" b="0" strike="noStrike" spc="-1" dirty="0" smtClean="0">
+                <a:solidFill>
+                  <a:srgbClr val="7C5B33"/>
+                </a:solidFill>
+                <a:latin typeface="Century Gothic" panose="020B0502020202020204" pitchFamily="34" charset="0"/>
+              </a:rPr>
+              <a:t>Gameplay Demo</a:t>
+            </a:r>
+            <a:endParaRPr lang="en-GB" sz="4400" b="0" strike="noStrike" spc="-1" dirty="0">
+              <a:solidFill>
+                <a:srgbClr val="7C5B33"/>
+              </a:solidFill>
+              <a:latin typeface="Century Gothic" panose="020B0502020202020204" pitchFamily="34" charset="0"/>
             </a:endParaRPr>
           </a:p>
         </p:txBody>
@@ -5920,15 +10131,22 @@
           </a:ln>
         </p:spPr>
         <p:style>
-          <a:lnRef idx="0"/>
-          <a:fillRef idx="0"/>
-          <a:effectRef idx="0"/>
+          <a:lnRef idx="0">
+            <a:scrgbClr r="0" g="0" b="0"/>
+          </a:lnRef>
+          <a:fillRef idx="0">
+            <a:scrgbClr r="0" g="0" b="0"/>
+          </a:fillRef>
+          <a:effectRef idx="0">
+            <a:scrgbClr r="0" g="0" b="0"/>
+          </a:effectRef>
           <a:fontRef idx="minor"/>
         </p:style>
         <p:txBody>
-          <a:bodyPr lIns="0" rIns="0" tIns="0" bIns="0">
+          <a:bodyPr lIns="0" tIns="0" rIns="0" bIns="0">
             <a:normAutofit/>
           </a:bodyPr>
+          <a:lstStyle/>
           <a:p>
             <a:pPr marL="432000" indent="-323640">
               <a:lnSpc>
@@ -5944,44 +10162,133 @@
               <a:buFont typeface="Wingdings" charset="2"/>
               <a:buChar char=""/>
             </a:pPr>
-            <a:r>
-              <a:rPr b="0" lang="en-GB" sz="3200" spc="-1" strike="noStrike">
-                <a:latin typeface="FF Mark Pro"/>
-              </a:rPr>
-              <a:t>Embedded gameplay video</a:t>
-            </a:r>
-            <a:endParaRPr b="0" lang="en-GB" sz="3200" spc="-1" strike="noStrike">
-              <a:latin typeface="FF Mark Pro"/>
-            </a:endParaRPr>
-          </a:p>
-        </p:txBody>
-      </p:sp>
+            <a:endParaRPr lang="en-GB" sz="3200" spc="-1" dirty="0" smtClean="0">
+              <a:solidFill>
+                <a:srgbClr val="937535"/>
+              </a:solidFill>
+              <a:latin typeface="Century Gothic" panose="020B0502020202020204" pitchFamily="34" charset="0"/>
+            </a:endParaRPr>
+          </a:p>
+          <a:p>
+            <a:pPr marL="432000" indent="-323640">
+              <a:lnSpc>
+                <a:spcPct val="100000"/>
+              </a:lnSpc>
+              <a:spcBef>
+                <a:spcPts val="1417"/>
+              </a:spcBef>
+              <a:buClr>
+                <a:srgbClr val="000000"/>
+              </a:buClr>
+              <a:buSzPct val="45000"/>
+              <a:buFont typeface="Wingdings" charset="2"/>
+              <a:buChar char=""/>
+            </a:pPr>
+            <a:r>
+              <a:rPr lang="en-GB" sz="3200" spc="-1" dirty="0" smtClean="0">
+                <a:solidFill>
+                  <a:srgbClr val="937535"/>
+                </a:solidFill>
+                <a:latin typeface="Century Gothic" panose="020B0502020202020204" pitchFamily="34" charset="0"/>
+              </a:rPr>
+              <a:t>We will now switch over to a short gameplay demo video</a:t>
+            </a:r>
+          </a:p>
+          <a:p>
+            <a:pPr marL="432000" indent="-323640">
+              <a:lnSpc>
+                <a:spcPct val="100000"/>
+              </a:lnSpc>
+              <a:spcBef>
+                <a:spcPts val="1417"/>
+              </a:spcBef>
+              <a:buClr>
+                <a:srgbClr val="000000"/>
+              </a:buClr>
+              <a:buSzPct val="45000"/>
+              <a:buFont typeface="Wingdings" charset="2"/>
+              <a:buChar char=""/>
+            </a:pPr>
+            <a:r>
+              <a:rPr lang="en-GB" sz="3200" b="0" strike="noStrike" spc="-1" dirty="0" smtClean="0">
+                <a:solidFill>
+                  <a:srgbClr val="937535"/>
+                </a:solidFill>
+                <a:latin typeface="Century Gothic" panose="020B0502020202020204" pitchFamily="34" charset="0"/>
+              </a:rPr>
+              <a:t>Embedded </a:t>
+            </a:r>
+            <a:r>
+              <a:rPr lang="en-GB" sz="3200" b="0" strike="noStrike" spc="-1" dirty="0">
+                <a:solidFill>
+                  <a:srgbClr val="937535"/>
+                </a:solidFill>
+                <a:latin typeface="Century Gothic" panose="020B0502020202020204" pitchFamily="34" charset="0"/>
+              </a:rPr>
+              <a:t>gameplay video</a:t>
+            </a:r>
+          </a:p>
+        </p:txBody>
+      </p:sp>
+      <p:pic>
+        <p:nvPicPr>
+          <p:cNvPr id="4" name="Picture 3"/>
+          <p:cNvPicPr>
+            <a:picLocks noChangeAspect="1"/>
+          </p:cNvPicPr>
+          <p:nvPr/>
+        </p:nvPicPr>
+        <p:blipFill>
+          <a:blip r:embed="rId2" cstate="print">
+            <a:extLst>
+              <a:ext uri="{28A0092B-C50C-407E-A947-70E740481C1C}">
+                <a14:useLocalDpi xmlns:a14="http://schemas.microsoft.com/office/drawing/2010/main" val="0"/>
+              </a:ext>
+            </a:extLst>
+          </a:blip>
+          <a:stretch>
+            <a:fillRect/>
+          </a:stretch>
+        </p:blipFill>
+        <p:spPr>
+          <a:xfrm>
+            <a:off x="-1299" y="-1"/>
+            <a:ext cx="2130137" cy="1885695"/>
+          </a:xfrm>
+          <a:prstGeom prst="rect">
+            <a:avLst/>
+          </a:prstGeom>
+        </p:spPr>
+      </p:pic>
     </p:spTree>
   </p:cSld>
-  <mc:AlternateContent>
+  <p:clrMapOvr>
+    <a:masterClrMapping/>
+  </p:clrMapOvr>
+  <mc:AlternateContent xmlns:mc="http://schemas.openxmlformats.org/markup-compatibility/2006" xmlns:p14="http://schemas.microsoft.com/office/powerpoint/2010/main">
     <mc:Choice Requires="p14">
       <p:transition spd="slow" p14:dur="2000"/>
     </mc:Choice>
-    <mc:Fallback>
+    <mc:Fallback xmlns:p15="http://schemas.microsoft.com/office/powerpoint/2012/main" xmlns="">
       <p:transition spd="slow"/>
     </mc:Fallback>
   </mc:AlternateContent>
   <p:timing>
     <p:tnLst>
       <p:par>
-        <p:cTn id="17" dur="indefinite" restart="never" nodeType="tmRoot">
+        <p:cTn id="1" dur="indefinite" restart="never" nodeType="tmRoot">
           <p:childTnLst>
             <p:seq>
-              <p:cTn id="18" dur="indefinite" nodeType="mainSeq"/>
+              <p:cTn id="2" dur="indefinite" nodeType="mainSeq"/>
               <p:prevCondLst>
-                <p:cond delay="0" evt="onPrev">
+                <p:cond evt="onPrev" delay="0">
                   <p:tgtEl>
                     <p:sldTgt/>
                   </p:tgtEl>
                 </p:cond>
               </p:prevCondLst>
               <p:nextCondLst>
-                <p:cond delay="0" evt="onNext">
+                <p:cond evt="onNext" delay="0">
                   <p:tgtEl>
                     <p:sldTgt/>
                   </p:tgtEl>
@@ -6007,31 +10314,31 @@
         <a:sysClr val="window" lastClr="FFFFFF"/>
       </a:lt1>
       <a:dk2>
-        <a:srgbClr val="1f497d"/>
+        <a:srgbClr val="1F497D"/>
       </a:dk2>
       <a:lt2>
-        <a:srgbClr val="eeece1"/>
+        <a:srgbClr val="EEECE1"/>
       </a:lt2>
       <a:accent1>
-        <a:srgbClr val="4f81bd"/>
+        <a:srgbClr val="4F81BD"/>
       </a:accent1>
       <a:accent2>
-        <a:srgbClr val="c0504d"/>
+        <a:srgbClr val="C0504D"/>
       </a:accent2>
       <a:accent3>
-        <a:srgbClr val="9bbb59"/>
+        <a:srgbClr val="9BBB59"/>
       </a:accent3>
       <a:accent4>
-        <a:srgbClr val="8064a2"/>
+        <a:srgbClr val="8064A2"/>
       </a:accent4>
       <a:accent5>
-        <a:srgbClr val="4bacc6"/>
+        <a:srgbClr val="4BACC6"/>
       </a:accent5>
       <a:accent6>
-        <a:srgbClr val="f79646"/>
+        <a:srgbClr val="F79646"/>
       </a:accent6>
       <a:hlink>
-        <a:srgbClr val="0000ff"/>
+        <a:srgbClr val="0000FF"/>
       </a:hlink>
       <a:folHlink>
         <a:srgbClr val="800080"/>
@@ -6216,6 +10523,8 @@
       </a:bgFillStyleLst>
     </a:fmtScheme>
   </a:themeElements>
+  <a:objectDefaults/>
+  <a:extraClrSchemeLst/>
 </a:theme>
 </file>
 
@@ -6230,31 +10539,31 @@
         <a:sysClr val="window" lastClr="FFFFFF"/>
       </a:lt1>
       <a:dk2>
-        <a:srgbClr val="1f497d"/>
+        <a:srgbClr val="1F497D"/>
       </a:dk2>
       <a:lt2>
-        <a:srgbClr val="eeece1"/>
+        <a:srgbClr val="EEECE1"/>
       </a:lt2>
       <a:accent1>
-        <a:srgbClr val="4f81bd"/>
+        <a:srgbClr val="4F81BD"/>
       </a:accent1>
       <a:accent2>
-        <a:srgbClr val="c0504d"/>
+        <a:srgbClr val="C0504D"/>
       </a:accent2>
       <a:accent3>
-        <a:srgbClr val="9bbb59"/>
+        <a:srgbClr val="9BBB59"/>
       </a:accent3>
       <a:accent4>
-        <a:srgbClr val="8064a2"/>
+        <a:srgbClr val="8064A2"/>
       </a:accent4>
       <a:accent5>
-        <a:srgbClr val="4bacc6"/>
+        <a:srgbClr val="4BACC6"/>
       </a:accent5>
       <a:accent6>
-        <a:srgbClr val="f79646"/>
+        <a:srgbClr val="F79646"/>
       </a:accent6>
       <a:hlink>
-        <a:srgbClr val="0000ff"/>
+        <a:srgbClr val="0000FF"/>
       </a:hlink>
       <a:folHlink>
         <a:srgbClr val="800080"/>
@@ -6439,5 +10748,7 @@
       </a:bgFillStyleLst>
     </a:fmtScheme>
   </a:themeElements>
+  <a:objectDefaults/>
+  <a:extraClrSchemeLst/>
 </a:theme>
 </file>